--- a/document/debate_page_design.pptx
+++ b/document/debate_page_design.pptx
@@ -6,6 +6,7 @@
   </p:sldMasterIdLst>
   <p:sldIdLst>
     <p:sldId id="256" r:id="rId2"/>
+    <p:sldId id="257" r:id="rId3"/>
   </p:sldIdLst>
   <p:sldSz cx="9144000" cy="6858000" type="screen4x3"/>
   <p:notesSz cx="6858000" cy="9144000"/>
@@ -288,7 +289,7 @@
           <a:p>
             <a:fld id="{C8202C91-B01C-406A-92F0-F94596568B43}" type="datetimeFigureOut">
               <a:rPr lang="ko-KR" altLang="en-US" smtClean="0"/>
-              <a:t>2012-10-17</a:t>
+              <a:t>2012-11-01</a:t>
             </a:fld>
             <a:endParaRPr lang="ko-KR" altLang="en-US"/>
           </a:p>
@@ -458,7 +459,7 @@
           <a:p>
             <a:fld id="{C8202C91-B01C-406A-92F0-F94596568B43}" type="datetimeFigureOut">
               <a:rPr lang="ko-KR" altLang="en-US" smtClean="0"/>
-              <a:t>2012-10-17</a:t>
+              <a:t>2012-11-01</a:t>
             </a:fld>
             <a:endParaRPr lang="ko-KR" altLang="en-US"/>
           </a:p>
@@ -638,7 +639,7 @@
           <a:p>
             <a:fld id="{C8202C91-B01C-406A-92F0-F94596568B43}" type="datetimeFigureOut">
               <a:rPr lang="ko-KR" altLang="en-US" smtClean="0"/>
-              <a:t>2012-10-17</a:t>
+              <a:t>2012-11-01</a:t>
             </a:fld>
             <a:endParaRPr lang="ko-KR" altLang="en-US"/>
           </a:p>
@@ -808,7 +809,7 @@
           <a:p>
             <a:fld id="{C8202C91-B01C-406A-92F0-F94596568B43}" type="datetimeFigureOut">
               <a:rPr lang="ko-KR" altLang="en-US" smtClean="0"/>
-              <a:t>2012-10-17</a:t>
+              <a:t>2012-11-01</a:t>
             </a:fld>
             <a:endParaRPr lang="ko-KR" altLang="en-US"/>
           </a:p>
@@ -1054,7 +1055,7 @@
           <a:p>
             <a:fld id="{C8202C91-B01C-406A-92F0-F94596568B43}" type="datetimeFigureOut">
               <a:rPr lang="ko-KR" altLang="en-US" smtClean="0"/>
-              <a:t>2012-10-17</a:t>
+              <a:t>2012-11-01</a:t>
             </a:fld>
             <a:endParaRPr lang="ko-KR" altLang="en-US"/>
           </a:p>
@@ -1342,7 +1343,7 @@
           <a:p>
             <a:fld id="{C8202C91-B01C-406A-92F0-F94596568B43}" type="datetimeFigureOut">
               <a:rPr lang="ko-KR" altLang="en-US" smtClean="0"/>
-              <a:t>2012-10-17</a:t>
+              <a:t>2012-11-01</a:t>
             </a:fld>
             <a:endParaRPr lang="ko-KR" altLang="en-US"/>
           </a:p>
@@ -1764,7 +1765,7 @@
           <a:p>
             <a:fld id="{C8202C91-B01C-406A-92F0-F94596568B43}" type="datetimeFigureOut">
               <a:rPr lang="ko-KR" altLang="en-US" smtClean="0"/>
-              <a:t>2012-10-17</a:t>
+              <a:t>2012-11-01</a:t>
             </a:fld>
             <a:endParaRPr lang="ko-KR" altLang="en-US"/>
           </a:p>
@@ -1882,7 +1883,7 @@
           <a:p>
             <a:fld id="{C8202C91-B01C-406A-92F0-F94596568B43}" type="datetimeFigureOut">
               <a:rPr lang="ko-KR" altLang="en-US" smtClean="0"/>
-              <a:t>2012-10-17</a:t>
+              <a:t>2012-11-01</a:t>
             </a:fld>
             <a:endParaRPr lang="ko-KR" altLang="en-US"/>
           </a:p>
@@ -1977,7 +1978,7 @@
           <a:p>
             <a:fld id="{C8202C91-B01C-406A-92F0-F94596568B43}" type="datetimeFigureOut">
               <a:rPr lang="ko-KR" altLang="en-US" smtClean="0"/>
-              <a:t>2012-10-17</a:t>
+              <a:t>2012-11-01</a:t>
             </a:fld>
             <a:endParaRPr lang="ko-KR" altLang="en-US"/>
           </a:p>
@@ -2254,7 +2255,7 @@
           <a:p>
             <a:fld id="{C8202C91-B01C-406A-92F0-F94596568B43}" type="datetimeFigureOut">
               <a:rPr lang="ko-KR" altLang="en-US" smtClean="0"/>
-              <a:t>2012-10-17</a:t>
+              <a:t>2012-11-01</a:t>
             </a:fld>
             <a:endParaRPr lang="ko-KR" altLang="en-US"/>
           </a:p>
@@ -2507,7 +2508,7 @@
           <a:p>
             <a:fld id="{C8202C91-B01C-406A-92F0-F94596568B43}" type="datetimeFigureOut">
               <a:rPr lang="ko-KR" altLang="en-US" smtClean="0"/>
-              <a:t>2012-10-17</a:t>
+              <a:t>2012-11-01</a:t>
             </a:fld>
             <a:endParaRPr lang="ko-KR" altLang="en-US"/>
           </a:p>
@@ -2720,7 +2721,7 @@
           <a:p>
             <a:fld id="{C8202C91-B01C-406A-92F0-F94596568B43}" type="datetimeFigureOut">
               <a:rPr lang="ko-KR" altLang="en-US" smtClean="0"/>
-              <a:t>2012-10-17</a:t>
+              <a:t>2012-11-01</a:t>
             </a:fld>
             <a:endParaRPr lang="ko-KR" altLang="en-US"/>
           </a:p>
@@ -3095,1520 +3096,2796 @@
           <a:chExt cx="0" cy="0"/>
         </a:xfrm>
       </p:grpSpPr>
-      <p:grpSp>
-        <p:nvGrpSpPr>
-          <p:cNvPr id="11" name="그룹 10"/>
-          <p:cNvGrpSpPr/>
+      <p:pic>
+        <p:nvPicPr>
+          <p:cNvPr id="1034" name="Picture 10"/>
+          <p:cNvPicPr>
+            <a:picLocks noChangeAspect="1" noChangeArrowheads="1"/>
+          </p:cNvPicPr>
           <p:nvPr/>
-        </p:nvGrpSpPr>
-        <p:grpSpPr>
+        </p:nvPicPr>
+        <p:blipFill>
+          <a:blip r:embed="rId2">
+            <a:extLst>
+              <a:ext uri="{28A0092B-C50C-407E-A947-70E740481C1C}">
+                <a14:useLocalDpi xmlns:a14="http://schemas.microsoft.com/office/drawing/2010/main" val="0"/>
+              </a:ext>
+            </a:extLst>
+          </a:blip>
+          <a:srcRect/>
+          <a:stretch>
+            <a:fillRect/>
+          </a:stretch>
+        </p:blipFill>
+        <p:spPr bwMode="auto">
           <a:xfrm>
-            <a:off x="1160730" y="-171399"/>
-            <a:ext cx="5634705" cy="6912768"/>
-            <a:chOff x="1160730" y="-171399"/>
-            <a:chExt cx="5634705" cy="6912768"/>
+            <a:off x="3681803" y="4362641"/>
+            <a:ext cx="3891770" cy="847725"/>
           </a:xfrm>
-        </p:grpSpPr>
-        <p:grpSp>
-          <p:nvGrpSpPr>
-            <p:cNvPr id="9" name="그룹 8"/>
-            <p:cNvGrpSpPr/>
-            <p:nvPr/>
-          </p:nvGrpSpPr>
-          <p:grpSpPr>
-            <a:xfrm>
-              <a:off x="1160730" y="-171399"/>
-              <a:ext cx="5634705" cy="6912768"/>
-              <a:chOff x="1160730" y="-171399"/>
-              <a:chExt cx="5634705" cy="6912768"/>
-            </a:xfrm>
-          </p:grpSpPr>
-          <p:pic>
-            <p:nvPicPr>
-              <p:cNvPr id="20" name="Picture 3"/>
-              <p:cNvPicPr>
-                <a:picLocks noChangeAspect="1" noChangeArrowheads="1"/>
-              </p:cNvPicPr>
-              <p:nvPr/>
-            </p:nvPicPr>
-            <p:blipFill>
-              <a:blip r:embed="rId2">
-                <a:extLst>
-                  <a:ext uri="{28A0092B-C50C-407E-A947-70E740481C1C}">
-                    <a14:useLocalDpi xmlns:a14="http://schemas.microsoft.com/office/drawing/2010/main" val="0"/>
-                  </a:ext>
-                </a:extLst>
-              </a:blip>
-              <a:srcRect/>
-              <a:stretch>
-                <a:fillRect/>
-              </a:stretch>
-            </p:blipFill>
-            <p:spPr bwMode="auto">
-              <a:xfrm>
-                <a:off x="1590016" y="3755179"/>
-                <a:ext cx="5109630" cy="630220"/>
-              </a:xfrm>
-              <a:prstGeom prst="rect">
-                <a:avLst/>
-              </a:prstGeom>
-              <a:noFill/>
-              <a:ln w="12700">
+          <a:prstGeom prst="rect">
+            <a:avLst/>
+          </a:prstGeom>
+          <a:noFill/>
+          <a:ln>
+            <a:noFill/>
+          </a:ln>
+          <a:effectLst/>
+          <a:extLst>
+            <a:ext uri="{909E8E84-426E-40DD-AFC4-6F175D3DCCD1}">
+              <a14:hiddenFill xmlns:a14="http://schemas.microsoft.com/office/drawing/2010/main">
+                <a:solidFill>
+                  <a:schemeClr val="accent1"/>
+                </a:solidFill>
+              </a14:hiddenFill>
+            </a:ext>
+            <a:ext uri="{91240B29-F687-4F45-9708-019B960494DF}">
+              <a14:hiddenLine xmlns:a14="http://schemas.microsoft.com/office/drawing/2010/main" w="9525">
                 <a:solidFill>
                   <a:schemeClr val="tx1"/>
                 </a:solidFill>
-                <a:prstDash val="sysDash"/>
                 <a:miter lim="800000"/>
                 <a:headEnd/>
                 <a:tailEnd/>
-              </a:ln>
-              <a:effectLst/>
-              <a:extLst>
-                <a:ext uri="{909E8E84-426E-40DD-AFC4-6F175D3DCCD1}">
-                  <a14:hiddenFill xmlns:a14="http://schemas.microsoft.com/office/drawing/2010/main">
-                    <a:solidFill>
-                      <a:schemeClr val="accent1"/>
-                    </a:solidFill>
-                  </a14:hiddenFill>
-                </a:ext>
-                <a:ext uri="{AF507438-7753-43E0-B8FC-AC1667EBCBE1}">
-                  <a14:hiddenEffects xmlns:a14="http://schemas.microsoft.com/office/drawing/2010/main">
-                    <a:effectLst>
-                      <a:outerShdw dist="35921" dir="2700000" algn="ctr" rotWithShape="0">
-                        <a:schemeClr val="bg2"/>
-                      </a:outerShdw>
-                    </a:effectLst>
-                  </a14:hiddenEffects>
-                </a:ext>
-              </a:extLst>
-            </p:spPr>
-          </p:pic>
-          <p:pic>
-            <p:nvPicPr>
-              <p:cNvPr id="1026" name="Picture 2"/>
-              <p:cNvPicPr>
-                <a:picLocks noChangeAspect="1" noChangeArrowheads="1"/>
-              </p:cNvPicPr>
-              <p:nvPr/>
-            </p:nvPicPr>
-            <p:blipFill>
-              <a:blip r:embed="rId3">
-                <a:extLst>
-                  <a:ext uri="{28A0092B-C50C-407E-A947-70E740481C1C}">
-                    <a14:useLocalDpi xmlns:a14="http://schemas.microsoft.com/office/drawing/2010/main" val="0"/>
-                  </a:ext>
-                </a:extLst>
-              </a:blip>
-              <a:srcRect/>
-              <a:stretch>
-                <a:fillRect/>
-              </a:stretch>
-            </p:blipFill>
-            <p:spPr bwMode="auto">
-              <a:xfrm>
-                <a:off x="1199793" y="1708630"/>
-                <a:ext cx="4992183" cy="801094"/>
-              </a:xfrm>
-              <a:prstGeom prst="rect">
-                <a:avLst/>
-              </a:prstGeom>
-              <a:noFill/>
-              <a:ln w="12700">
+              </a14:hiddenLine>
+            </a:ext>
+            <a:ext uri="{AF507438-7753-43E0-B8FC-AC1667EBCBE1}">
+              <a14:hiddenEffects xmlns:a14="http://schemas.microsoft.com/office/drawing/2010/main">
+                <a:effectLst>
+                  <a:outerShdw dist="35921" dir="2700000" algn="ctr" rotWithShape="0">
+                    <a:schemeClr val="bg2"/>
+                  </a:outerShdw>
+                </a:effectLst>
+              </a14:hiddenEffects>
+            </a:ext>
+          </a:extLst>
+        </p:spPr>
+      </p:pic>
+      <p:pic>
+        <p:nvPicPr>
+          <p:cNvPr id="1029" name="Picture 5"/>
+          <p:cNvPicPr>
+            <a:picLocks noChangeAspect="1" noChangeArrowheads="1"/>
+          </p:cNvPicPr>
+          <p:nvPr/>
+        </p:nvPicPr>
+        <p:blipFill>
+          <a:blip r:embed="rId3">
+            <a:extLst>
+              <a:ext uri="{28A0092B-C50C-407E-A947-70E740481C1C}">
+                <a14:useLocalDpi xmlns:a14="http://schemas.microsoft.com/office/drawing/2010/main" val="0"/>
+              </a:ext>
+            </a:extLst>
+          </a:blip>
+          <a:srcRect/>
+          <a:stretch>
+            <a:fillRect/>
+          </a:stretch>
+        </p:blipFill>
+        <p:spPr bwMode="auto">
+          <a:xfrm>
+            <a:off x="1150966" y="247073"/>
+            <a:ext cx="6521276" cy="331270"/>
+          </a:xfrm>
+          <a:prstGeom prst="rect">
+            <a:avLst/>
+          </a:prstGeom>
+          <a:noFill/>
+          <a:ln>
+            <a:noFill/>
+          </a:ln>
+          <a:effectLst/>
+          <a:extLst>
+            <a:ext uri="{909E8E84-426E-40DD-AFC4-6F175D3DCCD1}">
+              <a14:hiddenFill xmlns:a14="http://schemas.microsoft.com/office/drawing/2010/main">
+                <a:solidFill>
+                  <a:schemeClr val="accent1"/>
+                </a:solidFill>
+              </a14:hiddenFill>
+            </a:ext>
+            <a:ext uri="{91240B29-F687-4F45-9708-019B960494DF}">
+              <a14:hiddenLine xmlns:a14="http://schemas.microsoft.com/office/drawing/2010/main" w="9525">
                 <a:solidFill>
                   <a:schemeClr val="tx1"/>
                 </a:solidFill>
-                <a:prstDash val="sysDash"/>
                 <a:miter lim="800000"/>
                 <a:headEnd/>
                 <a:tailEnd/>
-              </a:ln>
-              <a:effectLst/>
-              <a:extLst>
-                <a:ext uri="{909E8E84-426E-40DD-AFC4-6F175D3DCCD1}">
-                  <a14:hiddenFill xmlns:a14="http://schemas.microsoft.com/office/drawing/2010/main">
-                    <a:solidFill>
-                      <a:schemeClr val="accent1"/>
-                    </a:solidFill>
-                  </a14:hiddenFill>
-                </a:ext>
-                <a:ext uri="{AF507438-7753-43E0-B8FC-AC1667EBCBE1}">
-                  <a14:hiddenEffects xmlns:a14="http://schemas.microsoft.com/office/drawing/2010/main">
-                    <a:effectLst>
-                      <a:outerShdw dist="35921" dir="2700000" algn="ctr" rotWithShape="0">
-                        <a:schemeClr val="bg2"/>
-                      </a:outerShdw>
-                    </a:effectLst>
-                  </a14:hiddenEffects>
-                </a:ext>
-              </a:extLst>
-            </p:spPr>
-          </p:pic>
-          <p:pic>
-            <p:nvPicPr>
-              <p:cNvPr id="1027" name="Picture 3"/>
-              <p:cNvPicPr>
-                <a:picLocks noChangeAspect="1" noChangeArrowheads="1"/>
-              </p:cNvPicPr>
-              <p:nvPr/>
-            </p:nvPicPr>
-            <p:blipFill>
-              <a:blip r:embed="rId2">
-                <a:extLst>
-                  <a:ext uri="{28A0092B-C50C-407E-A947-70E740481C1C}">
-                    <a14:useLocalDpi xmlns:a14="http://schemas.microsoft.com/office/drawing/2010/main" val="0"/>
-                  </a:ext>
-                </a:extLst>
-              </a:blip>
-              <a:srcRect/>
-              <a:stretch>
-                <a:fillRect/>
-              </a:stretch>
-            </p:blipFill>
-            <p:spPr bwMode="auto">
-              <a:xfrm>
-                <a:off x="1590013" y="2509724"/>
-                <a:ext cx="5109630" cy="630220"/>
-              </a:xfrm>
-              <a:prstGeom prst="rect">
-                <a:avLst/>
-              </a:prstGeom>
-              <a:noFill/>
-              <a:ln w="12700">
+              </a14:hiddenLine>
+            </a:ext>
+            <a:ext uri="{AF507438-7753-43E0-B8FC-AC1667EBCBE1}">
+              <a14:hiddenEffects xmlns:a14="http://schemas.microsoft.com/office/drawing/2010/main">
+                <a:effectLst>
+                  <a:outerShdw dist="35921" dir="2700000" algn="ctr" rotWithShape="0">
+                    <a:schemeClr val="bg2"/>
+                  </a:outerShdw>
+                </a:effectLst>
+              </a14:hiddenEffects>
+            </a:ext>
+          </a:extLst>
+        </p:spPr>
+      </p:pic>
+      <p:sp>
+        <p:nvSpPr>
+          <p:cNvPr id="4" name="직사각형 3"/>
+          <p:cNvSpPr/>
+          <p:nvPr/>
+        </p:nvSpPr>
+        <p:spPr>
+          <a:xfrm>
+            <a:off x="1187453" y="2488739"/>
+            <a:ext cx="2059973" cy="45719"/>
+          </a:xfrm>
+          <a:prstGeom prst="rect">
+            <a:avLst/>
+          </a:prstGeom>
+          <a:solidFill>
+            <a:schemeClr val="accent2">
+              <a:lumMod val="60000"/>
+              <a:lumOff val="40000"/>
+            </a:schemeClr>
+          </a:solidFill>
+          <a:ln>
+            <a:noFill/>
+          </a:ln>
+        </p:spPr>
+        <p:style>
+          <a:lnRef idx="2">
+            <a:schemeClr val="accent1">
+              <a:shade val="50000"/>
+            </a:schemeClr>
+          </a:lnRef>
+          <a:fillRef idx="1">
+            <a:schemeClr val="accent1"/>
+          </a:fillRef>
+          <a:effectRef idx="0">
+            <a:schemeClr val="accent1"/>
+          </a:effectRef>
+          <a:fontRef idx="minor">
+            <a:schemeClr val="lt1"/>
+          </a:fontRef>
+        </p:style>
+        <p:txBody>
+          <a:bodyPr rtlCol="0" anchor="ctr"/>
+          <a:lstStyle/>
+          <a:p>
+            <a:pPr algn="ctr"/>
+            <a:endParaRPr lang="ko-KR" altLang="en-US"/>
+          </a:p>
+        </p:txBody>
+      </p:sp>
+      <p:pic>
+        <p:nvPicPr>
+          <p:cNvPr id="1033" name="Picture 9"/>
+          <p:cNvPicPr>
+            <a:picLocks noChangeAspect="1" noChangeArrowheads="1"/>
+          </p:cNvPicPr>
+          <p:nvPr/>
+        </p:nvPicPr>
+        <p:blipFill>
+          <a:blip r:embed="rId4">
+            <a:extLst>
+              <a:ext uri="{28A0092B-C50C-407E-A947-70E740481C1C}">
+                <a14:useLocalDpi xmlns:a14="http://schemas.microsoft.com/office/drawing/2010/main" val="0"/>
+              </a:ext>
+            </a:extLst>
+          </a:blip>
+          <a:srcRect/>
+          <a:stretch>
+            <a:fillRect/>
+          </a:stretch>
+        </p:blipFill>
+        <p:spPr bwMode="auto">
+          <a:xfrm>
+            <a:off x="3536092" y="5281868"/>
+            <a:ext cx="4276268" cy="1171468"/>
+          </a:xfrm>
+          <a:prstGeom prst="rect">
+            <a:avLst/>
+          </a:prstGeom>
+          <a:noFill/>
+          <a:ln>
+            <a:noFill/>
+          </a:ln>
+          <a:effectLst/>
+          <a:extLst>
+            <a:ext uri="{909E8E84-426E-40DD-AFC4-6F175D3DCCD1}">
+              <a14:hiddenFill xmlns:a14="http://schemas.microsoft.com/office/drawing/2010/main">
+                <a:solidFill>
+                  <a:schemeClr val="accent1"/>
+                </a:solidFill>
+              </a14:hiddenFill>
+            </a:ext>
+            <a:ext uri="{91240B29-F687-4F45-9708-019B960494DF}">
+              <a14:hiddenLine xmlns:a14="http://schemas.microsoft.com/office/drawing/2010/main" w="9525">
                 <a:solidFill>
                   <a:schemeClr val="tx1"/>
                 </a:solidFill>
-                <a:prstDash val="sysDash"/>
                 <a:miter lim="800000"/>
                 <a:headEnd/>
                 <a:tailEnd/>
-              </a:ln>
-              <a:effectLst/>
-              <a:extLst>
-                <a:ext uri="{909E8E84-426E-40DD-AFC4-6F175D3DCCD1}">
-                  <a14:hiddenFill xmlns:a14="http://schemas.microsoft.com/office/drawing/2010/main">
+              </a14:hiddenLine>
+            </a:ext>
+            <a:ext uri="{AF507438-7753-43E0-B8FC-AC1667EBCBE1}">
+              <a14:hiddenEffects xmlns:a14="http://schemas.microsoft.com/office/drawing/2010/main">
+                <a:effectLst>
+                  <a:outerShdw dist="35921" dir="2700000" algn="ctr" rotWithShape="0">
+                    <a:schemeClr val="bg2"/>
+                  </a:outerShdw>
+                </a:effectLst>
+              </a14:hiddenEffects>
+            </a:ext>
+          </a:extLst>
+        </p:spPr>
+      </p:pic>
+      <p:pic>
+        <p:nvPicPr>
+          <p:cNvPr id="13" name="Picture 5"/>
+          <p:cNvPicPr>
+            <a:picLocks noChangeAspect="1" noChangeArrowheads="1"/>
+          </p:cNvPicPr>
+          <p:nvPr/>
+        </p:nvPicPr>
+        <p:blipFill>
+          <a:blip r:embed="rId5">
+            <a:extLst>
+              <a:ext uri="{28A0092B-C50C-407E-A947-70E740481C1C}">
+                <a14:useLocalDpi xmlns:a14="http://schemas.microsoft.com/office/drawing/2010/main" val="0"/>
+              </a:ext>
+            </a:extLst>
+          </a:blip>
+          <a:srcRect/>
+          <a:stretch>
+            <a:fillRect/>
+          </a:stretch>
+        </p:blipFill>
+        <p:spPr bwMode="auto">
+          <a:xfrm>
+            <a:off x="3681803" y="2148856"/>
+            <a:ext cx="3984847" cy="679474"/>
+          </a:xfrm>
+          <a:prstGeom prst="rect">
+            <a:avLst/>
+          </a:prstGeom>
+          <a:noFill/>
+          <a:ln>
+            <a:noFill/>
+          </a:ln>
+          <a:effectLst/>
+          <a:extLst>
+            <a:ext uri="{909E8E84-426E-40DD-AFC4-6F175D3DCCD1}">
+              <a14:hiddenFill xmlns:a14="http://schemas.microsoft.com/office/drawing/2010/main">
+                <a:solidFill>
+                  <a:schemeClr val="accent1"/>
+                </a:solidFill>
+              </a14:hiddenFill>
+            </a:ext>
+            <a:ext uri="{91240B29-F687-4F45-9708-019B960494DF}">
+              <a14:hiddenLine xmlns:a14="http://schemas.microsoft.com/office/drawing/2010/main" w="9525">
+                <a:solidFill>
+                  <a:schemeClr val="tx1"/>
+                </a:solidFill>
+                <a:miter lim="800000"/>
+                <a:headEnd/>
+                <a:tailEnd/>
+              </a14:hiddenLine>
+            </a:ext>
+            <a:ext uri="{AF507438-7753-43E0-B8FC-AC1667EBCBE1}">
+              <a14:hiddenEffects xmlns:a14="http://schemas.microsoft.com/office/drawing/2010/main">
+                <a:effectLst>
+                  <a:outerShdw dist="35921" dir="2700000" algn="ctr" rotWithShape="0">
+                    <a:schemeClr val="bg2"/>
+                  </a:outerShdw>
+                </a:effectLst>
+              </a14:hiddenEffects>
+            </a:ext>
+          </a:extLst>
+        </p:spPr>
+      </p:pic>
+      <p:sp>
+        <p:nvSpPr>
+          <p:cNvPr id="12" name="모서리가 둥근 직사각형 11"/>
+          <p:cNvSpPr/>
+          <p:nvPr/>
+        </p:nvSpPr>
+        <p:spPr>
+          <a:xfrm>
+            <a:off x="3588225" y="2144906"/>
+            <a:ext cx="4078425" cy="668988"/>
+          </a:xfrm>
+          <a:prstGeom prst="roundRect">
+            <a:avLst/>
+          </a:prstGeom>
+          <a:noFill/>
+          <a:ln w="38100">
+            <a:solidFill>
+              <a:srgbClr val="FF0000">
+                <a:alpha val="20000"/>
+              </a:srgbClr>
+            </a:solidFill>
+          </a:ln>
+        </p:spPr>
+        <p:style>
+          <a:lnRef idx="2">
+            <a:schemeClr val="accent1">
+              <a:shade val="50000"/>
+            </a:schemeClr>
+          </a:lnRef>
+          <a:fillRef idx="1">
+            <a:schemeClr val="accent1"/>
+          </a:fillRef>
+          <a:effectRef idx="0">
+            <a:schemeClr val="accent1"/>
+          </a:effectRef>
+          <a:fontRef idx="minor">
+            <a:schemeClr val="lt1"/>
+          </a:fontRef>
+        </p:style>
+        <p:txBody>
+          <a:bodyPr rtlCol="0" anchor="ctr"/>
+          <a:lstStyle/>
+          <a:p>
+            <a:pPr algn="ctr"/>
+            <a:endParaRPr lang="ko-KR" altLang="en-US"/>
+          </a:p>
+        </p:txBody>
+      </p:sp>
+      <p:cxnSp>
+        <p:nvCxnSpPr>
+          <p:cNvPr id="24" name="직선 연결선 23"/>
+          <p:cNvCxnSpPr/>
+          <p:nvPr/>
+        </p:nvCxnSpPr>
+        <p:spPr>
+          <a:xfrm>
+            <a:off x="3449802" y="2119819"/>
+            <a:ext cx="0" cy="4139315"/>
+          </a:xfrm>
+          <a:prstGeom prst="line">
+            <a:avLst/>
+          </a:prstGeom>
+          <a:ln>
+            <a:solidFill>
+              <a:schemeClr val="bg1">
+                <a:lumMod val="75000"/>
+              </a:schemeClr>
+            </a:solidFill>
+            <a:prstDash val="sysDash"/>
+          </a:ln>
+        </p:spPr>
+        <p:style>
+          <a:lnRef idx="1">
+            <a:schemeClr val="accent1"/>
+          </a:lnRef>
+          <a:fillRef idx="0">
+            <a:schemeClr val="accent1"/>
+          </a:fillRef>
+          <a:effectRef idx="0">
+            <a:schemeClr val="accent1"/>
+          </a:effectRef>
+          <a:fontRef idx="minor">
+            <a:schemeClr val="tx1"/>
+          </a:fontRef>
+        </p:style>
+      </p:cxnSp>
+      <p:graphicFrame>
+        <p:nvGraphicFramePr>
+          <p:cNvPr id="25" name="표 24"/>
+          <p:cNvGraphicFramePr>
+            <a:graphicFrameLocks noGrp="1"/>
+          </p:cNvGraphicFramePr>
+          <p:nvPr>
+            <p:extLst>
+              <p:ext uri="{D42A27DB-BD31-4B8C-83A1-F6EECF244321}">
+                <p14:modId xmlns:p14="http://schemas.microsoft.com/office/powerpoint/2010/main" val="3198815357"/>
+              </p:ext>
+            </p:extLst>
+          </p:nvPr>
+        </p:nvGraphicFramePr>
+        <p:xfrm>
+          <a:off x="1175384" y="2158842"/>
+          <a:ext cx="2215473" cy="2240040"/>
+        </p:xfrm>
+        <a:graphic>
+          <a:graphicData uri="http://schemas.openxmlformats.org/drawingml/2006/table">
+            <a:tbl>
+              <a:tblPr>
+                <a:solidFill>
+                  <a:srgbClr val="FFFF99"/>
+                </a:solidFill>
+                <a:tableStyleId>{5C22544A-7EE6-4342-B048-85BDC9FD1C3A}</a:tableStyleId>
+              </a:tblPr>
+              <a:tblGrid>
+                <a:gridCol w="2215473"/>
+              </a:tblGrid>
+              <a:tr h="373340">
+                <a:tc>
+                  <a:txBody>
+                    <a:bodyPr/>
+                    <a:lstStyle/>
+                    <a:p>
+                      <a:pPr latinLnBrk="1"/>
+                      <a:r>
+                        <a:rPr lang="ko-KR" altLang="en-US" sz="1200" b="0" dirty="0" smtClean="0">
+                          <a:ln>
+                            <a:noFill/>
+                          </a:ln>
+                          <a:solidFill>
+                            <a:schemeClr val="tx1"/>
+                          </a:solidFill>
+                          <a:latin typeface="+mn-lt"/>
+                        </a:rPr>
+                        <a:t>미남형 이신가</a:t>
+                      </a:r>
+                      <a:r>
+                        <a:rPr lang="en-US" altLang="ko-KR" sz="1200" b="0" dirty="0" smtClean="0">
+                          <a:ln>
+                            <a:noFill/>
+                          </a:ln>
+                          <a:solidFill>
+                            <a:schemeClr val="tx1"/>
+                          </a:solidFill>
+                          <a:latin typeface="+mn-lt"/>
+                        </a:rPr>
+                        <a:t>?</a:t>
+                      </a:r>
+                      <a:endParaRPr lang="ko-KR" altLang="en-US" sz="1200" b="0" dirty="0">
+                        <a:ln>
+                          <a:noFill/>
+                        </a:ln>
+                        <a:solidFill>
+                          <a:schemeClr val="tx1"/>
+                        </a:solidFill>
+                        <a:latin typeface="+mn-lt"/>
+                      </a:endParaRPr>
+                    </a:p>
+                  </a:txBody>
+                  <a:tcPr>
+                    <a:lnL w="12700" cap="flat" cmpd="sng" algn="ctr">
+                      <a:solidFill>
+                        <a:srgbClr val="00B050"/>
+                      </a:solidFill>
+                      <a:prstDash val="solid"/>
+                      <a:round/>
+                      <a:headEnd type="none" w="med" len="med"/>
+                      <a:tailEnd type="none" w="med" len="med"/>
+                    </a:lnL>
+                    <a:lnR w="12700" cap="flat" cmpd="sng" algn="ctr">
+                      <a:solidFill>
+                        <a:srgbClr val="00B050"/>
+                      </a:solidFill>
+                      <a:prstDash val="solid"/>
+                      <a:round/>
+                      <a:headEnd type="none" w="med" len="med"/>
+                      <a:tailEnd type="none" w="med" len="med"/>
+                    </a:lnR>
+                    <a:lnT w="12700" cap="flat" cmpd="sng" algn="ctr">
+                      <a:solidFill>
+                        <a:srgbClr val="00B050"/>
+                      </a:solidFill>
+                      <a:prstDash val="solid"/>
+                      <a:round/>
+                      <a:headEnd type="none" w="med" len="med"/>
+                      <a:tailEnd type="none" w="med" len="med"/>
+                    </a:lnT>
+                    <a:lnB w="12700" cap="flat" cmpd="sng" algn="ctr">
+                      <a:noFill/>
+                      <a:prstDash val="solid"/>
+                      <a:round/>
+                      <a:headEnd type="none" w="med" len="med"/>
+                      <a:tailEnd type="none" w="med" len="med"/>
+                    </a:lnB>
                     <a:solidFill>
-                      <a:schemeClr val="accent1"/>
+                      <a:srgbClr val="FFFFCC"/>
                     </a:solidFill>
-                  </a14:hiddenFill>
-                </a:ext>
-                <a:ext uri="{AF507438-7753-43E0-B8FC-AC1667EBCBE1}">
-                  <a14:hiddenEffects xmlns:a14="http://schemas.microsoft.com/office/drawing/2010/main">
-                    <a:effectLst>
-                      <a:outerShdw dist="35921" dir="2700000" algn="ctr" rotWithShape="0">
-                        <a:schemeClr val="bg2"/>
-                      </a:outerShdw>
-                    </a:effectLst>
-                  </a14:hiddenEffects>
-                </a:ext>
-              </a:extLst>
-            </p:spPr>
-          </p:pic>
-          <p:pic>
-            <p:nvPicPr>
-              <p:cNvPr id="1028" name="Picture 4"/>
-              <p:cNvPicPr>
-                <a:picLocks noChangeAspect="1" noChangeArrowheads="1"/>
-              </p:cNvPicPr>
-              <p:nvPr/>
-            </p:nvPicPr>
-            <p:blipFill>
-              <a:blip r:embed="rId4">
-                <a:extLst>
-                  <a:ext uri="{28A0092B-C50C-407E-A947-70E740481C1C}">
-                    <a14:useLocalDpi xmlns:a14="http://schemas.microsoft.com/office/drawing/2010/main" val="0"/>
-                  </a:ext>
-                </a:extLst>
-              </a:blip>
-              <a:srcRect/>
-              <a:stretch>
-                <a:fillRect/>
-              </a:stretch>
-            </p:blipFill>
-            <p:spPr bwMode="auto">
-              <a:xfrm>
-                <a:off x="1199792" y="107983"/>
-                <a:ext cx="5499853" cy="1301041"/>
-              </a:xfrm>
-              <a:prstGeom prst="rect">
-                <a:avLst/>
-              </a:prstGeom>
-              <a:noFill/>
-              <a:ln>
-                <a:noFill/>
-              </a:ln>
-              <a:effectLst/>
-              <a:extLst>
-                <a:ext uri="{909E8E84-426E-40DD-AFC4-6F175D3DCCD1}">
-                  <a14:hiddenFill xmlns:a14="http://schemas.microsoft.com/office/drawing/2010/main">
+                  </a:tcPr>
+                </a:tc>
+              </a:tr>
+              <a:tr h="373340">
+                <a:tc>
+                  <a:txBody>
+                    <a:bodyPr/>
+                    <a:lstStyle/>
+                    <a:p>
+                      <a:pPr latinLnBrk="1"/>
+                      <a:r>
+                        <a:rPr lang="ko-KR" altLang="en-US" sz="1200" dirty="0" smtClean="0"/>
+                        <a:t>귀여운 편이신가</a:t>
+                      </a:r>
+                      <a:r>
+                        <a:rPr lang="en-US" altLang="ko-KR" sz="1200" dirty="0" smtClean="0"/>
+                        <a:t>?</a:t>
+                      </a:r>
+                      <a:endParaRPr lang="ko-KR" altLang="en-US" sz="1200" dirty="0"/>
+                    </a:p>
+                  </a:txBody>
+                  <a:tcPr>
+                    <a:lnL w="12700" cap="flat" cmpd="sng" algn="ctr">
+                      <a:solidFill>
+                        <a:srgbClr val="00B050"/>
+                      </a:solidFill>
+                      <a:prstDash val="solid"/>
+                      <a:round/>
+                      <a:headEnd type="none" w="med" len="med"/>
+                      <a:tailEnd type="none" w="med" len="med"/>
+                    </a:lnL>
+                    <a:lnR w="12700" cap="flat" cmpd="sng" algn="ctr">
+                      <a:solidFill>
+                        <a:srgbClr val="00B050"/>
+                      </a:solidFill>
+                      <a:prstDash val="solid"/>
+                      <a:round/>
+                      <a:headEnd type="none" w="med" len="med"/>
+                      <a:tailEnd type="none" w="med" len="med"/>
+                    </a:lnR>
+                    <a:lnT w="12700" cap="flat" cmpd="sng" algn="ctr">
+                      <a:noFill/>
+                      <a:prstDash val="solid"/>
+                      <a:round/>
+                      <a:headEnd type="none" w="med" len="med"/>
+                      <a:tailEnd type="none" w="med" len="med"/>
+                    </a:lnT>
+                    <a:lnB w="12700" cap="flat" cmpd="sng" algn="ctr">
+                      <a:noFill/>
+                      <a:prstDash val="solid"/>
+                      <a:round/>
+                      <a:headEnd type="none" w="med" len="med"/>
+                      <a:tailEnd type="none" w="med" len="med"/>
+                    </a:lnB>
                     <a:solidFill>
-                      <a:schemeClr val="accent1"/>
+                      <a:srgbClr val="FFFFCC"/>
                     </a:solidFill>
-                  </a14:hiddenFill>
-                </a:ext>
-                <a:ext uri="{91240B29-F687-4F45-9708-019B960494DF}">
-                  <a14:hiddenLine xmlns:a14="http://schemas.microsoft.com/office/drawing/2010/main" w="9525">
+                  </a:tcPr>
+                </a:tc>
+              </a:tr>
+              <a:tr h="373340">
+                <a:tc>
+                  <a:txBody>
+                    <a:bodyPr/>
+                    <a:lstStyle/>
+                    <a:p>
+                      <a:pPr latinLnBrk="1"/>
+                      <a:endParaRPr lang="ko-KR" altLang="en-US" dirty="0"/>
+                    </a:p>
+                  </a:txBody>
+                  <a:tcPr>
+                    <a:lnL w="12700" cap="flat" cmpd="sng" algn="ctr">
+                      <a:solidFill>
+                        <a:srgbClr val="00B050"/>
+                      </a:solidFill>
+                      <a:prstDash val="solid"/>
+                      <a:round/>
+                      <a:headEnd type="none" w="med" len="med"/>
+                      <a:tailEnd type="none" w="med" len="med"/>
+                    </a:lnL>
+                    <a:lnR w="12700" cap="flat" cmpd="sng" algn="ctr">
+                      <a:solidFill>
+                        <a:srgbClr val="00B050"/>
+                      </a:solidFill>
+                      <a:prstDash val="solid"/>
+                      <a:round/>
+                      <a:headEnd type="none" w="med" len="med"/>
+                      <a:tailEnd type="none" w="med" len="med"/>
+                    </a:lnR>
+                    <a:lnT w="12700" cap="flat" cmpd="sng" algn="ctr">
+                      <a:noFill/>
+                      <a:prstDash val="solid"/>
+                      <a:round/>
+                      <a:headEnd type="none" w="med" len="med"/>
+                      <a:tailEnd type="none" w="med" len="med"/>
+                    </a:lnT>
+                    <a:lnB w="12700" cap="flat" cmpd="sng" algn="ctr">
+                      <a:noFill/>
+                      <a:prstDash val="solid"/>
+                      <a:round/>
+                      <a:headEnd type="none" w="med" len="med"/>
+                      <a:tailEnd type="none" w="med" len="med"/>
+                    </a:lnB>
                     <a:solidFill>
-                      <a:schemeClr val="tx1"/>
+                      <a:srgbClr val="FFFFCC"/>
                     </a:solidFill>
-                    <a:miter lim="800000"/>
-                    <a:headEnd/>
-                    <a:tailEnd/>
-                  </a14:hiddenLine>
-                </a:ext>
-                <a:ext uri="{AF507438-7753-43E0-B8FC-AC1667EBCBE1}">
-                  <a14:hiddenEffects xmlns:a14="http://schemas.microsoft.com/office/drawing/2010/main">
-                    <a:effectLst>
-                      <a:outerShdw dist="35921" dir="2700000" algn="ctr" rotWithShape="0">
-                        <a:schemeClr val="bg2"/>
-                      </a:outerShdw>
-                    </a:effectLst>
-                  </a14:hiddenEffects>
-                </a:ext>
-              </a:extLst>
-            </p:spPr>
-          </p:pic>
-          <p:pic>
-            <p:nvPicPr>
-              <p:cNvPr id="1029" name="Picture 5"/>
-              <p:cNvPicPr>
-                <a:picLocks noChangeAspect="1" noChangeArrowheads="1"/>
-              </p:cNvPicPr>
-              <p:nvPr/>
-            </p:nvPicPr>
-            <p:blipFill>
-              <a:blip r:embed="rId5">
-                <a:extLst>
-                  <a:ext uri="{28A0092B-C50C-407E-A947-70E740481C1C}">
-                    <a14:useLocalDpi xmlns:a14="http://schemas.microsoft.com/office/drawing/2010/main" val="0"/>
-                  </a:ext>
-                </a:extLst>
-              </a:blip>
-              <a:srcRect/>
-              <a:stretch>
-                <a:fillRect/>
-              </a:stretch>
-            </p:blipFill>
-            <p:spPr bwMode="auto">
-              <a:xfrm>
-                <a:off x="1199793" y="-171399"/>
-                <a:ext cx="5499853" cy="279383"/>
-              </a:xfrm>
-              <a:prstGeom prst="rect">
-                <a:avLst/>
-              </a:prstGeom>
-              <a:noFill/>
-              <a:ln>
-                <a:noFill/>
-              </a:ln>
-              <a:effectLst/>
-              <a:extLst>
-                <a:ext uri="{909E8E84-426E-40DD-AFC4-6F175D3DCCD1}">
-                  <a14:hiddenFill xmlns:a14="http://schemas.microsoft.com/office/drawing/2010/main">
+                  </a:tcPr>
+                </a:tc>
+              </a:tr>
+              <a:tr h="373340">
+                <a:tc>
+                  <a:txBody>
+                    <a:bodyPr/>
+                    <a:lstStyle/>
+                    <a:p>
+                      <a:pPr latinLnBrk="1"/>
+                      <a:endParaRPr lang="ko-KR" altLang="en-US" dirty="0"/>
+                    </a:p>
+                  </a:txBody>
+                  <a:tcPr>
+                    <a:lnL w="12700" cap="flat" cmpd="sng" algn="ctr">
+                      <a:solidFill>
+                        <a:srgbClr val="00B050"/>
+                      </a:solidFill>
+                      <a:prstDash val="solid"/>
+                      <a:round/>
+                      <a:headEnd type="none" w="med" len="med"/>
+                      <a:tailEnd type="none" w="med" len="med"/>
+                    </a:lnL>
+                    <a:lnR w="12700" cap="flat" cmpd="sng" algn="ctr">
+                      <a:solidFill>
+                        <a:srgbClr val="00B050"/>
+                      </a:solidFill>
+                      <a:prstDash val="solid"/>
+                      <a:round/>
+                      <a:headEnd type="none" w="med" len="med"/>
+                      <a:tailEnd type="none" w="med" len="med"/>
+                    </a:lnR>
+                    <a:lnT w="12700" cap="flat" cmpd="sng" algn="ctr">
+                      <a:noFill/>
+                      <a:prstDash val="solid"/>
+                      <a:round/>
+                      <a:headEnd type="none" w="med" len="med"/>
+                      <a:tailEnd type="none" w="med" len="med"/>
+                    </a:lnT>
+                    <a:lnB w="12700" cap="flat" cmpd="sng" algn="ctr">
+                      <a:noFill/>
+                      <a:prstDash val="solid"/>
+                      <a:round/>
+                      <a:headEnd type="none" w="med" len="med"/>
+                      <a:tailEnd type="none" w="med" len="med"/>
+                    </a:lnB>
                     <a:solidFill>
-                      <a:schemeClr val="accent1"/>
+                      <a:srgbClr val="FFFFCC"/>
                     </a:solidFill>
-                  </a14:hiddenFill>
-                </a:ext>
-                <a:ext uri="{91240B29-F687-4F45-9708-019B960494DF}">
-                  <a14:hiddenLine xmlns:a14="http://schemas.microsoft.com/office/drawing/2010/main" w="9525">
+                  </a:tcPr>
+                </a:tc>
+              </a:tr>
+              <a:tr h="373340">
+                <a:tc>
+                  <a:txBody>
+                    <a:bodyPr/>
+                    <a:lstStyle/>
+                    <a:p>
+                      <a:pPr latinLnBrk="1"/>
+                      <a:endParaRPr lang="ko-KR" altLang="en-US" dirty="0"/>
+                    </a:p>
+                  </a:txBody>
+                  <a:tcPr>
+                    <a:lnL w="12700" cap="flat" cmpd="sng" algn="ctr">
+                      <a:solidFill>
+                        <a:srgbClr val="00B050"/>
+                      </a:solidFill>
+                      <a:prstDash val="solid"/>
+                      <a:round/>
+                      <a:headEnd type="none" w="med" len="med"/>
+                      <a:tailEnd type="none" w="med" len="med"/>
+                    </a:lnL>
+                    <a:lnR w="12700" cap="flat" cmpd="sng" algn="ctr">
+                      <a:solidFill>
+                        <a:srgbClr val="00B050"/>
+                      </a:solidFill>
+                      <a:prstDash val="solid"/>
+                      <a:round/>
+                      <a:headEnd type="none" w="med" len="med"/>
+                      <a:tailEnd type="none" w="med" len="med"/>
+                    </a:lnR>
+                    <a:lnT w="12700" cap="flat" cmpd="sng" algn="ctr">
+                      <a:noFill/>
+                      <a:prstDash val="solid"/>
+                      <a:round/>
+                      <a:headEnd type="none" w="med" len="med"/>
+                      <a:tailEnd type="none" w="med" len="med"/>
+                    </a:lnT>
+                    <a:lnB w="12700" cap="flat" cmpd="sng" algn="ctr">
+                      <a:noFill/>
+                      <a:prstDash val="solid"/>
+                      <a:round/>
+                      <a:headEnd type="none" w="med" len="med"/>
+                      <a:tailEnd type="none" w="med" len="med"/>
+                    </a:lnB>
                     <a:solidFill>
-                      <a:schemeClr val="tx1"/>
+                      <a:srgbClr val="FFFFCC"/>
                     </a:solidFill>
-                    <a:miter lim="800000"/>
-                    <a:headEnd/>
-                    <a:tailEnd/>
-                  </a14:hiddenLine>
-                </a:ext>
-                <a:ext uri="{AF507438-7753-43E0-B8FC-AC1667EBCBE1}">
-                  <a14:hiddenEffects xmlns:a14="http://schemas.microsoft.com/office/drawing/2010/main">
-                    <a:effectLst>
-                      <a:outerShdw dist="35921" dir="2700000" algn="ctr" rotWithShape="0">
-                        <a:schemeClr val="bg2"/>
-                      </a:outerShdw>
-                    </a:effectLst>
-                  </a14:hiddenEffects>
-                </a:ext>
-              </a:extLst>
-            </p:spPr>
-          </p:pic>
-          <p:pic>
-            <p:nvPicPr>
-              <p:cNvPr id="1030" name="Picture 6"/>
-              <p:cNvPicPr>
-                <a:picLocks noChangeAspect="1" noChangeArrowheads="1"/>
-              </p:cNvPicPr>
-              <p:nvPr/>
-            </p:nvPicPr>
-            <p:blipFill>
-              <a:blip r:embed="rId6">
-                <a:extLst>
-                  <a:ext uri="{28A0092B-C50C-407E-A947-70E740481C1C}">
-                    <a14:useLocalDpi xmlns:a14="http://schemas.microsoft.com/office/drawing/2010/main" val="0"/>
-                  </a:ext>
-                </a:extLst>
-              </a:blip>
-              <a:srcRect/>
-              <a:stretch>
-                <a:fillRect/>
-              </a:stretch>
-            </p:blipFill>
-            <p:spPr bwMode="auto">
-              <a:xfrm>
-                <a:off x="1199791" y="1420293"/>
-                <a:ext cx="5499853" cy="247453"/>
-              </a:xfrm>
-              <a:prstGeom prst="rect">
-                <a:avLst/>
-              </a:prstGeom>
-              <a:noFill/>
-              <a:ln>
-                <a:noFill/>
-              </a:ln>
-              <a:effectLst/>
-              <a:extLst>
-                <a:ext uri="{909E8E84-426E-40DD-AFC4-6F175D3DCCD1}">
-                  <a14:hiddenFill xmlns:a14="http://schemas.microsoft.com/office/drawing/2010/main">
+                  </a:tcPr>
+                </a:tc>
+              </a:tr>
+              <a:tr h="373340">
+                <a:tc>
+                  <a:txBody>
+                    <a:bodyPr/>
+                    <a:lstStyle/>
+                    <a:p>
+                      <a:pPr latinLnBrk="1"/>
+                      <a:endParaRPr lang="ko-KR" altLang="en-US" dirty="0"/>
+                    </a:p>
+                  </a:txBody>
+                  <a:tcPr>
+                    <a:lnL w="12700" cap="flat" cmpd="sng" algn="ctr">
+                      <a:solidFill>
+                        <a:srgbClr val="00B050"/>
+                      </a:solidFill>
+                      <a:prstDash val="solid"/>
+                      <a:round/>
+                      <a:headEnd type="none" w="med" len="med"/>
+                      <a:tailEnd type="none" w="med" len="med"/>
+                    </a:lnL>
+                    <a:lnR w="12700" cap="flat" cmpd="sng" algn="ctr">
+                      <a:solidFill>
+                        <a:srgbClr val="00B050"/>
+                      </a:solidFill>
+                      <a:prstDash val="solid"/>
+                      <a:round/>
+                      <a:headEnd type="none" w="med" len="med"/>
+                      <a:tailEnd type="none" w="med" len="med"/>
+                    </a:lnR>
+                    <a:lnT w="12700" cap="flat" cmpd="sng" algn="ctr">
+                      <a:noFill/>
+                      <a:prstDash val="solid"/>
+                      <a:round/>
+                      <a:headEnd type="none" w="med" len="med"/>
+                      <a:tailEnd type="none" w="med" len="med"/>
+                    </a:lnT>
+                    <a:lnB w="12700" cap="flat" cmpd="sng" algn="ctr">
+                      <a:solidFill>
+                        <a:srgbClr val="00B050"/>
+                      </a:solidFill>
+                      <a:prstDash val="solid"/>
+                      <a:round/>
+                      <a:headEnd type="none" w="med" len="med"/>
+                      <a:tailEnd type="none" w="med" len="med"/>
+                    </a:lnB>
                     <a:solidFill>
-                      <a:schemeClr val="accent1"/>
+                      <a:srgbClr val="FFFFCC"/>
                     </a:solidFill>
-                  </a14:hiddenFill>
-                </a:ext>
-                <a:ext uri="{91240B29-F687-4F45-9708-019B960494DF}">
-                  <a14:hiddenLine xmlns:a14="http://schemas.microsoft.com/office/drawing/2010/main" w="9525">
-                    <a:solidFill>
-                      <a:schemeClr val="tx1"/>
-                    </a:solidFill>
-                    <a:miter lim="800000"/>
-                    <a:headEnd/>
-                    <a:tailEnd/>
-                  </a14:hiddenLine>
-                </a:ext>
-                <a:ext uri="{AF507438-7753-43E0-B8FC-AC1667EBCBE1}">
-                  <a14:hiddenEffects xmlns:a14="http://schemas.microsoft.com/office/drawing/2010/main">
-                    <a:effectLst>
-                      <a:outerShdw dist="35921" dir="2700000" algn="ctr" rotWithShape="0">
-                        <a:schemeClr val="bg2"/>
-                      </a:outerShdw>
-                    </a:effectLst>
-                  </a14:hiddenEffects>
-                </a:ext>
-              </a:extLst>
-            </p:spPr>
-          </p:pic>
-          <p:sp>
-            <p:nvSpPr>
-              <p:cNvPr id="4" name="직사각형 3"/>
-              <p:cNvSpPr/>
-              <p:nvPr/>
-            </p:nvSpPr>
-            <p:spPr>
-              <a:xfrm>
-                <a:off x="1199793" y="1667746"/>
-                <a:ext cx="3543882" cy="38315"/>
-              </a:xfrm>
-              <a:prstGeom prst="rect">
-                <a:avLst/>
-              </a:prstGeom>
+                  </a:tcPr>
+                </a:tc>
+              </a:tr>
+            </a:tbl>
+          </a:graphicData>
+        </a:graphic>
+      </p:graphicFrame>
+      <p:pic>
+        <p:nvPicPr>
+          <p:cNvPr id="29" name="Picture 6"/>
+          <p:cNvPicPr>
+            <a:picLocks noChangeAspect="1" noChangeArrowheads="1"/>
+          </p:cNvPicPr>
+          <p:nvPr/>
+        </p:nvPicPr>
+        <p:blipFill>
+          <a:blip r:embed="rId6">
+            <a:extLst>
+              <a:ext uri="{28A0092B-C50C-407E-A947-70E740481C1C}">
+                <a14:useLocalDpi xmlns:a14="http://schemas.microsoft.com/office/drawing/2010/main" val="0"/>
+              </a:ext>
+            </a:extLst>
+          </a:blip>
+          <a:srcRect/>
+          <a:stretch>
+            <a:fillRect/>
+          </a:stretch>
+        </p:blipFill>
+        <p:spPr bwMode="auto">
+          <a:xfrm>
+            <a:off x="1150966" y="578343"/>
+            <a:ext cx="6521277" cy="1545701"/>
+          </a:xfrm>
+          <a:prstGeom prst="rect">
+            <a:avLst/>
+          </a:prstGeom>
+          <a:noFill/>
+          <a:ln>
+            <a:noFill/>
+          </a:ln>
+          <a:effectLst/>
+          <a:extLst>
+            <a:ext uri="{909E8E84-426E-40DD-AFC4-6F175D3DCCD1}">
+              <a14:hiddenFill xmlns:a14="http://schemas.microsoft.com/office/drawing/2010/main">
+                <a:solidFill>
+                  <a:schemeClr val="accent1"/>
+                </a:solidFill>
+              </a14:hiddenFill>
+            </a:ext>
+            <a:ext uri="{91240B29-F687-4F45-9708-019B960494DF}">
+              <a14:hiddenLine xmlns:a14="http://schemas.microsoft.com/office/drawing/2010/main" w="9525">
+                <a:solidFill>
+                  <a:schemeClr val="tx1"/>
+                </a:solidFill>
+                <a:miter lim="800000"/>
+                <a:headEnd/>
+                <a:tailEnd/>
+              </a14:hiddenLine>
+            </a:ext>
+            <a:ext uri="{AF507438-7753-43E0-B8FC-AC1667EBCBE1}">
+              <a14:hiddenEffects xmlns:a14="http://schemas.microsoft.com/office/drawing/2010/main">
+                <a:effectLst>
+                  <a:outerShdw dist="35921" dir="2700000" algn="ctr" rotWithShape="0">
+                    <a:schemeClr val="bg2"/>
+                  </a:outerShdw>
+                </a:effectLst>
+              </a14:hiddenEffects>
+            </a:ext>
+          </a:extLst>
+        </p:spPr>
+      </p:pic>
+      <p:sp>
+        <p:nvSpPr>
+          <p:cNvPr id="43" name="직사각형 42"/>
+          <p:cNvSpPr/>
+          <p:nvPr/>
+        </p:nvSpPr>
+        <p:spPr>
+          <a:xfrm flipV="1">
+            <a:off x="1190258" y="2484007"/>
+            <a:ext cx="1196678" cy="45719"/>
+          </a:xfrm>
+          <a:prstGeom prst="rect">
+            <a:avLst/>
+          </a:prstGeom>
+          <a:solidFill>
+            <a:schemeClr val="accent1">
+              <a:lumMod val="60000"/>
+              <a:lumOff val="40000"/>
+            </a:schemeClr>
+          </a:solidFill>
+          <a:ln>
+            <a:noFill/>
+          </a:ln>
+        </p:spPr>
+        <p:style>
+          <a:lnRef idx="2">
+            <a:schemeClr val="accent1">
+              <a:shade val="50000"/>
+            </a:schemeClr>
+          </a:lnRef>
+          <a:fillRef idx="1">
+            <a:schemeClr val="accent1"/>
+          </a:fillRef>
+          <a:effectRef idx="0">
+            <a:schemeClr val="accent1"/>
+          </a:effectRef>
+          <a:fontRef idx="minor">
+            <a:schemeClr val="lt1"/>
+          </a:fontRef>
+        </p:style>
+        <p:txBody>
+          <a:bodyPr rtlCol="0" anchor="ctr"/>
+          <a:lstStyle/>
+          <a:p>
+            <a:pPr algn="ctr"/>
+            <a:endParaRPr lang="ko-KR" altLang="en-US"/>
+          </a:p>
+        </p:txBody>
+      </p:sp>
+      <p:sp>
+        <p:nvSpPr>
+          <p:cNvPr id="44" name="직사각형 43"/>
+          <p:cNvSpPr/>
+          <p:nvPr/>
+        </p:nvSpPr>
+        <p:spPr>
+          <a:xfrm>
+            <a:off x="1182009" y="2856179"/>
+            <a:ext cx="2059973" cy="45719"/>
+          </a:xfrm>
+          <a:prstGeom prst="rect">
+            <a:avLst/>
+          </a:prstGeom>
+          <a:solidFill>
+            <a:schemeClr val="accent2">
+              <a:lumMod val="60000"/>
+              <a:lumOff val="40000"/>
+            </a:schemeClr>
+          </a:solidFill>
+          <a:ln>
+            <a:noFill/>
+          </a:ln>
+        </p:spPr>
+        <p:style>
+          <a:lnRef idx="2">
+            <a:schemeClr val="accent1">
+              <a:shade val="50000"/>
+            </a:schemeClr>
+          </a:lnRef>
+          <a:fillRef idx="1">
+            <a:schemeClr val="accent1"/>
+          </a:fillRef>
+          <a:effectRef idx="0">
+            <a:schemeClr val="accent1"/>
+          </a:effectRef>
+          <a:fontRef idx="minor">
+            <a:schemeClr val="lt1"/>
+          </a:fontRef>
+        </p:style>
+        <p:txBody>
+          <a:bodyPr rtlCol="0" anchor="ctr"/>
+          <a:lstStyle/>
+          <a:p>
+            <a:pPr algn="ctr"/>
+            <a:endParaRPr lang="ko-KR" altLang="en-US"/>
+          </a:p>
+        </p:txBody>
+      </p:sp>
+      <p:sp>
+        <p:nvSpPr>
+          <p:cNvPr id="45" name="직사각형 44"/>
+          <p:cNvSpPr/>
+          <p:nvPr/>
+        </p:nvSpPr>
+        <p:spPr>
+          <a:xfrm flipV="1">
+            <a:off x="1184814" y="2851446"/>
+            <a:ext cx="1846354" cy="45719"/>
+          </a:xfrm>
+          <a:prstGeom prst="rect">
+            <a:avLst/>
+          </a:prstGeom>
+          <a:solidFill>
+            <a:schemeClr val="accent1">
+              <a:lumMod val="60000"/>
+              <a:lumOff val="40000"/>
+            </a:schemeClr>
+          </a:solidFill>
+          <a:ln>
+            <a:noFill/>
+          </a:ln>
+        </p:spPr>
+        <p:style>
+          <a:lnRef idx="2">
+            <a:schemeClr val="accent1">
+              <a:shade val="50000"/>
+            </a:schemeClr>
+          </a:lnRef>
+          <a:fillRef idx="1">
+            <a:schemeClr val="accent1"/>
+          </a:fillRef>
+          <a:effectRef idx="0">
+            <a:schemeClr val="accent1"/>
+          </a:effectRef>
+          <a:fontRef idx="minor">
+            <a:schemeClr val="lt1"/>
+          </a:fontRef>
+        </p:style>
+        <p:txBody>
+          <a:bodyPr rtlCol="0" anchor="ctr"/>
+          <a:lstStyle/>
+          <a:p>
+            <a:pPr algn="ctr"/>
+            <a:endParaRPr lang="ko-KR" altLang="en-US"/>
+          </a:p>
+        </p:txBody>
+      </p:sp>
+      <p:sp>
+        <p:nvSpPr>
+          <p:cNvPr id="46" name="모서리가 둥근 직사각형 45"/>
+          <p:cNvSpPr/>
+          <p:nvPr/>
+        </p:nvSpPr>
+        <p:spPr>
+          <a:xfrm>
+            <a:off x="3588225" y="4345022"/>
+            <a:ext cx="4084018" cy="864838"/>
+          </a:xfrm>
+          <a:prstGeom prst="roundRect">
+            <a:avLst/>
+          </a:prstGeom>
+          <a:noFill/>
+          <a:ln w="38100">
+            <a:solidFill>
+              <a:srgbClr val="FF0000">
+                <a:alpha val="20000"/>
+              </a:srgbClr>
+            </a:solidFill>
+          </a:ln>
+        </p:spPr>
+        <p:style>
+          <a:lnRef idx="2">
+            <a:schemeClr val="accent1">
+              <a:shade val="50000"/>
+            </a:schemeClr>
+          </a:lnRef>
+          <a:fillRef idx="1">
+            <a:schemeClr val="accent1"/>
+          </a:fillRef>
+          <a:effectRef idx="0">
+            <a:schemeClr val="accent1"/>
+          </a:effectRef>
+          <a:fontRef idx="minor">
+            <a:schemeClr val="lt1"/>
+          </a:fontRef>
+        </p:style>
+        <p:txBody>
+          <a:bodyPr rtlCol="0" anchor="ctr"/>
+          <a:lstStyle/>
+          <a:p>
+            <a:pPr algn="ctr"/>
+            <a:endParaRPr lang="ko-KR" altLang="en-US"/>
+          </a:p>
+        </p:txBody>
+      </p:sp>
+      <p:pic>
+        <p:nvPicPr>
+          <p:cNvPr id="30" name="Picture 7"/>
+          <p:cNvPicPr>
+            <a:picLocks noChangeAspect="1" noChangeArrowheads="1"/>
+          </p:cNvPicPr>
+          <p:nvPr/>
+        </p:nvPicPr>
+        <p:blipFill>
+          <a:blip r:embed="rId7">
+            <a:extLst>
+              <a:ext uri="{28A0092B-C50C-407E-A947-70E740481C1C}">
+                <a14:useLocalDpi xmlns:a14="http://schemas.microsoft.com/office/drawing/2010/main" val="0"/>
+              </a:ext>
+            </a:extLst>
+          </a:blip>
+          <a:srcRect/>
+          <a:stretch>
+            <a:fillRect/>
+          </a:stretch>
+        </p:blipFill>
+        <p:spPr bwMode="auto">
+          <a:xfrm>
+            <a:off x="3560929" y="2933242"/>
+            <a:ext cx="3894025" cy="668914"/>
+          </a:xfrm>
+          <a:prstGeom prst="rect">
+            <a:avLst/>
+          </a:prstGeom>
+          <a:noFill/>
+          <a:ln>
+            <a:noFill/>
+          </a:ln>
+          <a:effectLst/>
+          <a:extLst>
+            <a:ext uri="{909E8E84-426E-40DD-AFC4-6F175D3DCCD1}">
+              <a14:hiddenFill xmlns:a14="http://schemas.microsoft.com/office/drawing/2010/main">
+                <a:solidFill>
+                  <a:schemeClr val="accent1"/>
+                </a:solidFill>
+              </a14:hiddenFill>
+            </a:ext>
+            <a:ext uri="{91240B29-F687-4F45-9708-019B960494DF}">
+              <a14:hiddenLine xmlns:a14="http://schemas.microsoft.com/office/drawing/2010/main" w="9525">
+                <a:solidFill>
+                  <a:schemeClr val="tx1"/>
+                </a:solidFill>
+                <a:miter lim="800000"/>
+                <a:headEnd/>
+                <a:tailEnd/>
+              </a14:hiddenLine>
+            </a:ext>
+            <a:ext uri="{AF507438-7753-43E0-B8FC-AC1667EBCBE1}">
+              <a14:hiddenEffects xmlns:a14="http://schemas.microsoft.com/office/drawing/2010/main">
+                <a:effectLst>
+                  <a:outerShdw dist="35921" dir="2700000" algn="ctr" rotWithShape="0">
+                    <a:schemeClr val="bg2"/>
+                  </a:outerShdw>
+                </a:effectLst>
+              </a14:hiddenEffects>
+            </a:ext>
+          </a:extLst>
+        </p:spPr>
+      </p:pic>
+      <p:sp>
+        <p:nvSpPr>
+          <p:cNvPr id="47" name="모서리가 둥근 직사각형 46"/>
+          <p:cNvSpPr/>
+          <p:nvPr/>
+        </p:nvSpPr>
+        <p:spPr>
+          <a:xfrm>
+            <a:off x="3495148" y="2893376"/>
+            <a:ext cx="4078425" cy="668988"/>
+          </a:xfrm>
+          <a:prstGeom prst="roundRect">
+            <a:avLst/>
+          </a:prstGeom>
+          <a:noFill/>
+          <a:ln w="38100">
+            <a:solidFill>
+              <a:schemeClr val="accent1">
+                <a:lumMod val="50000"/>
+                <a:alpha val="20000"/>
+              </a:schemeClr>
+            </a:solidFill>
+          </a:ln>
+        </p:spPr>
+        <p:style>
+          <a:lnRef idx="2">
+            <a:schemeClr val="accent1">
+              <a:shade val="50000"/>
+            </a:schemeClr>
+          </a:lnRef>
+          <a:fillRef idx="1">
+            <a:schemeClr val="accent1"/>
+          </a:fillRef>
+          <a:effectRef idx="0">
+            <a:schemeClr val="accent1"/>
+          </a:effectRef>
+          <a:fontRef idx="minor">
+            <a:schemeClr val="lt1"/>
+          </a:fontRef>
+        </p:style>
+        <p:txBody>
+          <a:bodyPr rtlCol="0" anchor="ctr"/>
+          <a:lstStyle/>
+          <a:p>
+            <a:pPr algn="ctr"/>
+            <a:endParaRPr lang="ko-KR" altLang="en-US">
               <a:solidFill>
-                <a:schemeClr val="accent2">
+                <a:schemeClr val="accent5">
                   <a:lumMod val="60000"/>
                   <a:lumOff val="40000"/>
                 </a:schemeClr>
               </a:solidFill>
-              <a:ln>
-                <a:noFill/>
-              </a:ln>
-            </p:spPr>
-            <p:style>
-              <a:lnRef idx="2">
-                <a:schemeClr val="accent1">
-                  <a:shade val="50000"/>
-                </a:schemeClr>
-              </a:lnRef>
-              <a:fillRef idx="1">
-                <a:schemeClr val="accent1"/>
-              </a:fillRef>
-              <a:effectRef idx="0">
-                <a:schemeClr val="accent1"/>
-              </a:effectRef>
-              <a:fontRef idx="minor">
-                <a:schemeClr val="lt1"/>
-              </a:fontRef>
-            </p:style>
-            <p:txBody>
-              <a:bodyPr rtlCol="0" anchor="ctr"/>
-              <a:lstStyle/>
-              <a:p>
-                <a:pPr algn="ctr"/>
-                <a:endParaRPr lang="ko-KR" altLang="en-US"/>
-              </a:p>
-            </p:txBody>
-          </p:sp>
-          <p:sp>
-            <p:nvSpPr>
-              <p:cNvPr id="10" name="직사각형 9"/>
-              <p:cNvSpPr/>
-              <p:nvPr/>
-            </p:nvSpPr>
-            <p:spPr>
-              <a:xfrm>
-                <a:off x="4611091" y="1662494"/>
-                <a:ext cx="2088555" cy="43567"/>
-              </a:xfrm>
-              <a:prstGeom prst="rect">
-                <a:avLst/>
-              </a:prstGeom>
+            </a:endParaRPr>
+          </a:p>
+        </p:txBody>
+      </p:sp>
+      <p:sp>
+        <p:nvSpPr>
+          <p:cNvPr id="50" name="모서리가 둥근 직사각형 49"/>
+          <p:cNvSpPr/>
+          <p:nvPr/>
+        </p:nvSpPr>
+        <p:spPr>
+          <a:xfrm>
+            <a:off x="3494514" y="3625684"/>
+            <a:ext cx="4078425" cy="668988"/>
+          </a:xfrm>
+          <a:prstGeom prst="roundRect">
+            <a:avLst/>
+          </a:prstGeom>
+          <a:noFill/>
+          <a:ln w="38100">
+            <a:solidFill>
+              <a:schemeClr val="accent1">
+                <a:lumMod val="50000"/>
+                <a:alpha val="20000"/>
+              </a:schemeClr>
+            </a:solidFill>
+          </a:ln>
+        </p:spPr>
+        <p:style>
+          <a:lnRef idx="2">
+            <a:schemeClr val="accent1">
+              <a:shade val="50000"/>
+            </a:schemeClr>
+          </a:lnRef>
+          <a:fillRef idx="1">
+            <a:schemeClr val="accent1"/>
+          </a:fillRef>
+          <a:effectRef idx="0">
+            <a:schemeClr val="accent1"/>
+          </a:effectRef>
+          <a:fontRef idx="minor">
+            <a:schemeClr val="lt1"/>
+          </a:fontRef>
+        </p:style>
+        <p:txBody>
+          <a:bodyPr rtlCol="0" anchor="ctr"/>
+          <a:lstStyle/>
+          <a:p>
+            <a:pPr algn="ctr"/>
+            <a:endParaRPr lang="ko-KR" altLang="en-US">
               <a:solidFill>
-                <a:schemeClr val="accent1">
+                <a:schemeClr val="accent5">
                   <a:lumMod val="60000"/>
                   <a:lumOff val="40000"/>
                 </a:schemeClr>
               </a:solidFill>
-              <a:ln>
-                <a:noFill/>
-              </a:ln>
-            </p:spPr>
-            <p:style>
-              <a:lnRef idx="2">
-                <a:schemeClr val="accent1">
-                  <a:shade val="50000"/>
-                </a:schemeClr>
-              </a:lnRef>
-              <a:fillRef idx="1">
-                <a:schemeClr val="accent1"/>
-              </a:fillRef>
-              <a:effectRef idx="0">
-                <a:schemeClr val="accent1"/>
-              </a:effectRef>
-              <a:fontRef idx="minor">
-                <a:schemeClr val="lt1"/>
-              </a:fontRef>
-            </p:style>
-            <p:txBody>
-              <a:bodyPr rtlCol="0" anchor="ctr"/>
-              <a:lstStyle/>
-              <a:p>
-                <a:pPr algn="ctr"/>
-                <a:endParaRPr lang="ko-KR" altLang="en-US"/>
-              </a:p>
-            </p:txBody>
-          </p:sp>
-          <p:sp>
-            <p:nvSpPr>
-              <p:cNvPr id="5" name="직사각형 4"/>
-              <p:cNvSpPr/>
-              <p:nvPr/>
-            </p:nvSpPr>
-            <p:spPr>
-              <a:xfrm>
-                <a:off x="1590012" y="2509724"/>
-                <a:ext cx="5109630" cy="630220"/>
-              </a:xfrm>
-              <a:prstGeom prst="rect">
-                <a:avLst/>
-              </a:prstGeom>
+            </a:endParaRPr>
+          </a:p>
+        </p:txBody>
+      </p:sp>
+      <p:pic>
+        <p:nvPicPr>
+          <p:cNvPr id="31" name="Picture 8"/>
+          <p:cNvPicPr>
+            <a:picLocks noChangeAspect="1" noChangeArrowheads="1"/>
+          </p:cNvPicPr>
+          <p:nvPr/>
+        </p:nvPicPr>
+        <p:blipFill>
+          <a:blip r:embed="rId8">
+            <a:extLst>
+              <a:ext uri="{28A0092B-C50C-407E-A947-70E740481C1C}">
+                <a14:useLocalDpi xmlns:a14="http://schemas.microsoft.com/office/drawing/2010/main" val="0"/>
+              </a:ext>
+            </a:extLst>
+          </a:blip>
+          <a:srcRect/>
+          <a:stretch>
+            <a:fillRect/>
+          </a:stretch>
+        </p:blipFill>
+        <p:spPr bwMode="auto">
+          <a:xfrm>
+            <a:off x="3575270" y="3668963"/>
+            <a:ext cx="3971506" cy="542925"/>
+          </a:xfrm>
+          <a:prstGeom prst="rect">
+            <a:avLst/>
+          </a:prstGeom>
+          <a:noFill/>
+          <a:ln>
+            <a:noFill/>
+          </a:ln>
+          <a:effectLst/>
+          <a:extLst>
+            <a:ext uri="{909E8E84-426E-40DD-AFC4-6F175D3DCCD1}">
+              <a14:hiddenFill xmlns:a14="http://schemas.microsoft.com/office/drawing/2010/main">
+                <a:solidFill>
+                  <a:schemeClr val="accent1"/>
+                </a:solidFill>
+              </a14:hiddenFill>
+            </a:ext>
+            <a:ext uri="{91240B29-F687-4F45-9708-019B960494DF}">
+              <a14:hiddenLine xmlns:a14="http://schemas.microsoft.com/office/drawing/2010/main" w="9525">
+                <a:solidFill>
+                  <a:schemeClr val="tx1"/>
+                </a:solidFill>
+                <a:miter lim="800000"/>
+                <a:headEnd/>
+                <a:tailEnd/>
+              </a14:hiddenLine>
+            </a:ext>
+            <a:ext uri="{AF507438-7753-43E0-B8FC-AC1667EBCBE1}">
+              <a14:hiddenEffects xmlns:a14="http://schemas.microsoft.com/office/drawing/2010/main">
+                <a:effectLst>
+                  <a:outerShdw dist="35921" dir="2700000" algn="ctr" rotWithShape="0">
+                    <a:schemeClr val="bg2"/>
+                  </a:outerShdw>
+                </a:effectLst>
+              </a14:hiddenEffects>
+            </a:ext>
+          </a:extLst>
+        </p:spPr>
+      </p:pic>
+      <p:graphicFrame>
+        <p:nvGraphicFramePr>
+          <p:cNvPr id="36" name="표 35"/>
+          <p:cNvGraphicFramePr>
+            <a:graphicFrameLocks noGrp="1"/>
+          </p:cNvGraphicFramePr>
+          <p:nvPr>
+            <p:extLst>
+              <p:ext uri="{D42A27DB-BD31-4B8C-83A1-F6EECF244321}">
+                <p14:modId xmlns:p14="http://schemas.microsoft.com/office/powerpoint/2010/main" val="683883310"/>
+              </p:ext>
+            </p:extLst>
+          </p:nvPr>
+        </p:nvGraphicFramePr>
+        <p:xfrm>
+          <a:off x="1172257" y="4483694"/>
+          <a:ext cx="2218600" cy="1924929"/>
+        </p:xfrm>
+        <a:graphic>
+          <a:graphicData uri="http://schemas.openxmlformats.org/drawingml/2006/table">
+            <a:tbl>
+              <a:tblPr>
+                <a:solidFill>
+                  <a:srgbClr val="FFFF99"/>
+                </a:solidFill>
+                <a:tableStyleId>{5C22544A-7EE6-4342-B048-85BDC9FD1C3A}</a:tableStyleId>
+              </a:tblPr>
+              <a:tblGrid>
+                <a:gridCol w="2218600"/>
+              </a:tblGrid>
+              <a:tr h="360969">
+                <a:tc>
+                  <a:txBody>
+                    <a:bodyPr/>
+                    <a:lstStyle/>
+                    <a:p>
+                      <a:pPr latinLnBrk="1"/>
+                      <a:r>
+                        <a:rPr lang="ko-KR" altLang="en-US" sz="1400" b="1" dirty="0" smtClean="0">
+                          <a:ln>
+                            <a:noFill/>
+                          </a:ln>
+                          <a:solidFill>
+                            <a:srgbClr val="00B050"/>
+                          </a:solidFill>
+                          <a:latin typeface="+mn-lt"/>
+                        </a:rPr>
+                        <a:t>비슷한 주제의 </a:t>
+                      </a:r>
+                      <a:endParaRPr lang="ko-KR" altLang="en-US" sz="1400" b="1" dirty="0">
+                        <a:ln>
+                          <a:noFill/>
+                        </a:ln>
+                        <a:solidFill>
+                          <a:srgbClr val="00B050"/>
+                        </a:solidFill>
+                        <a:latin typeface="+mn-lt"/>
+                      </a:endParaRPr>
+                    </a:p>
+                  </a:txBody>
+                  <a:tcPr>
+                    <a:lnL w="12700" cap="flat" cmpd="sng" algn="ctr">
+                      <a:solidFill>
+                        <a:srgbClr val="00B050"/>
+                      </a:solidFill>
+                      <a:prstDash val="solid"/>
+                      <a:round/>
+                      <a:headEnd type="none" w="med" len="med"/>
+                      <a:tailEnd type="none" w="med" len="med"/>
+                    </a:lnL>
+                    <a:lnR w="12700" cap="flat" cmpd="sng" algn="ctr">
+                      <a:solidFill>
+                        <a:srgbClr val="00B050"/>
+                      </a:solidFill>
+                      <a:prstDash val="solid"/>
+                      <a:round/>
+                      <a:headEnd type="none" w="med" len="med"/>
+                      <a:tailEnd type="none" w="med" len="med"/>
+                    </a:lnR>
+                    <a:lnT w="12700" cap="flat" cmpd="sng" algn="ctr">
+                      <a:solidFill>
+                        <a:srgbClr val="00B050"/>
+                      </a:solidFill>
+                      <a:prstDash val="solid"/>
+                      <a:round/>
+                      <a:headEnd type="none" w="med" len="med"/>
+                      <a:tailEnd type="none" w="med" len="med"/>
+                    </a:lnT>
+                    <a:lnB w="12700" cap="flat" cmpd="sng" algn="ctr">
+                      <a:solidFill>
+                        <a:schemeClr val="bg1"/>
+                      </a:solidFill>
+                      <a:prstDash val="solid"/>
+                      <a:round/>
+                      <a:headEnd type="none" w="med" len="med"/>
+                      <a:tailEnd type="none" w="med" len="med"/>
+                    </a:lnB>
+                    <a:solidFill>
+                      <a:srgbClr val="FFFFCC"/>
+                    </a:solidFill>
+                  </a:tcPr>
+                </a:tc>
+              </a:tr>
+              <a:tr h="360969">
+                <a:tc>
+                  <a:txBody>
+                    <a:bodyPr/>
+                    <a:lstStyle/>
+                    <a:p>
+                      <a:pPr latinLnBrk="1"/>
+                      <a:r>
+                        <a:rPr lang="ko-KR" altLang="en-US" sz="1200" b="0" dirty="0" smtClean="0">
+                          <a:ln>
+                            <a:noFill/>
+                          </a:ln>
+                          <a:solidFill>
+                            <a:schemeClr val="tx1"/>
+                          </a:solidFill>
+                          <a:latin typeface="+mn-lt"/>
+                        </a:rPr>
+                        <a:t>원빈은 미남인가</a:t>
+                      </a:r>
+                      <a:r>
+                        <a:rPr lang="en-US" altLang="ko-KR" sz="1200" b="0" dirty="0" smtClean="0">
+                          <a:ln>
+                            <a:noFill/>
+                          </a:ln>
+                          <a:solidFill>
+                            <a:schemeClr val="tx1"/>
+                          </a:solidFill>
+                          <a:latin typeface="+mn-lt"/>
+                        </a:rPr>
+                        <a:t>?</a:t>
+                      </a:r>
+                      <a:endParaRPr lang="ko-KR" altLang="en-US" sz="1200" b="0" dirty="0">
+                        <a:ln>
+                          <a:noFill/>
+                        </a:ln>
+                        <a:solidFill>
+                          <a:schemeClr val="tx1"/>
+                        </a:solidFill>
+                        <a:latin typeface="+mn-lt"/>
+                      </a:endParaRPr>
+                    </a:p>
+                  </a:txBody>
+                  <a:tcPr>
+                    <a:lnL w="12700" cap="flat" cmpd="sng" algn="ctr">
+                      <a:solidFill>
+                        <a:srgbClr val="00B050"/>
+                      </a:solidFill>
+                      <a:prstDash val="solid"/>
+                      <a:round/>
+                      <a:headEnd type="none" w="med" len="med"/>
+                      <a:tailEnd type="none" w="med" len="med"/>
+                    </a:lnL>
+                    <a:lnR w="12700" cap="flat" cmpd="sng" algn="ctr">
+                      <a:solidFill>
+                        <a:srgbClr val="00B050"/>
+                      </a:solidFill>
+                      <a:prstDash val="solid"/>
+                      <a:round/>
+                      <a:headEnd type="none" w="med" len="med"/>
+                      <a:tailEnd type="none" w="med" len="med"/>
+                    </a:lnR>
+                    <a:lnT w="12700" cap="flat" cmpd="sng" algn="ctr">
+                      <a:solidFill>
+                        <a:schemeClr val="bg1"/>
+                      </a:solidFill>
+                      <a:prstDash val="solid"/>
+                      <a:round/>
+                      <a:headEnd type="none" w="med" len="med"/>
+                      <a:tailEnd type="none" w="med" len="med"/>
+                    </a:lnT>
+                    <a:lnB w="12700" cap="flat" cmpd="sng" algn="ctr">
+                      <a:solidFill>
+                        <a:schemeClr val="bg1"/>
+                      </a:solidFill>
+                      <a:prstDash val="solid"/>
+                      <a:round/>
+                      <a:headEnd type="none" w="med" len="med"/>
+                      <a:tailEnd type="none" w="med" len="med"/>
+                    </a:lnB>
+                    <a:solidFill>
+                      <a:srgbClr val="FFFFCC"/>
+                    </a:solidFill>
+                  </a:tcPr>
+                </a:tc>
+              </a:tr>
+              <a:tr h="360969">
+                <a:tc>
+                  <a:txBody>
+                    <a:bodyPr/>
+                    <a:lstStyle/>
+                    <a:p>
+                      <a:pPr latinLnBrk="1"/>
+                      <a:r>
+                        <a:rPr lang="ko-KR" altLang="en-US" sz="1200" dirty="0" smtClean="0"/>
+                        <a:t>장동건은 꼴뚜기인가</a:t>
+                      </a:r>
+                      <a:r>
+                        <a:rPr lang="en-US" altLang="ko-KR" sz="1200" dirty="0" smtClean="0"/>
+                        <a:t>?</a:t>
+                      </a:r>
+                      <a:endParaRPr lang="ko-KR" altLang="en-US" sz="1200" dirty="0"/>
+                    </a:p>
+                  </a:txBody>
+                  <a:tcPr>
+                    <a:lnL w="12700" cap="flat" cmpd="sng" algn="ctr">
+                      <a:solidFill>
+                        <a:srgbClr val="00B050"/>
+                      </a:solidFill>
+                      <a:prstDash val="solid"/>
+                      <a:round/>
+                      <a:headEnd type="none" w="med" len="med"/>
+                      <a:tailEnd type="none" w="med" len="med"/>
+                    </a:lnL>
+                    <a:lnR w="12700" cap="flat" cmpd="sng" algn="ctr">
+                      <a:solidFill>
+                        <a:srgbClr val="00B050"/>
+                      </a:solidFill>
+                      <a:prstDash val="solid"/>
+                      <a:round/>
+                      <a:headEnd type="none" w="med" len="med"/>
+                      <a:tailEnd type="none" w="med" len="med"/>
+                    </a:lnR>
+                    <a:lnT w="12700" cap="flat" cmpd="sng" algn="ctr">
+                      <a:solidFill>
+                        <a:schemeClr val="bg1"/>
+                      </a:solidFill>
+                      <a:prstDash val="solid"/>
+                      <a:round/>
+                      <a:headEnd type="none" w="med" len="med"/>
+                      <a:tailEnd type="none" w="med" len="med"/>
+                    </a:lnT>
+                    <a:lnB w="12700" cap="flat" cmpd="sng" algn="ctr">
+                      <a:solidFill>
+                        <a:schemeClr val="bg1"/>
+                      </a:solidFill>
+                      <a:prstDash val="solid"/>
+                      <a:round/>
+                      <a:headEnd type="none" w="med" len="med"/>
+                      <a:tailEnd type="none" w="med" len="med"/>
+                    </a:lnB>
+                    <a:solidFill>
+                      <a:srgbClr val="FFFFCC"/>
+                    </a:solidFill>
+                  </a:tcPr>
+                </a:tc>
+              </a:tr>
+              <a:tr h="842022">
+                <a:tc>
+                  <a:txBody>
+                    <a:bodyPr/>
+                    <a:lstStyle/>
+                    <a:p>
+                      <a:pPr latinLnBrk="1"/>
+                      <a:endParaRPr lang="ko-KR" altLang="en-US" dirty="0"/>
+                    </a:p>
+                  </a:txBody>
+                  <a:tcPr>
+                    <a:lnL w="12700" cap="flat" cmpd="sng" algn="ctr">
+                      <a:solidFill>
+                        <a:srgbClr val="00B050"/>
+                      </a:solidFill>
+                      <a:prstDash val="solid"/>
+                      <a:round/>
+                      <a:headEnd type="none" w="med" len="med"/>
+                      <a:tailEnd type="none" w="med" len="med"/>
+                    </a:lnL>
+                    <a:lnR w="12700" cap="flat" cmpd="sng" algn="ctr">
+                      <a:solidFill>
+                        <a:srgbClr val="00B050"/>
+                      </a:solidFill>
+                      <a:prstDash val="solid"/>
+                      <a:round/>
+                      <a:headEnd type="none" w="med" len="med"/>
+                      <a:tailEnd type="none" w="med" len="med"/>
+                    </a:lnR>
+                    <a:lnT w="12700" cap="flat" cmpd="sng" algn="ctr">
+                      <a:solidFill>
+                        <a:schemeClr val="bg1"/>
+                      </a:solidFill>
+                      <a:prstDash val="solid"/>
+                      <a:round/>
+                      <a:headEnd type="none" w="med" len="med"/>
+                      <a:tailEnd type="none" w="med" len="med"/>
+                    </a:lnT>
+                    <a:lnB w="12700" cap="flat" cmpd="sng" algn="ctr">
+                      <a:solidFill>
+                        <a:srgbClr val="00B050"/>
+                      </a:solidFill>
+                      <a:prstDash val="solid"/>
+                      <a:round/>
+                      <a:headEnd type="none" w="med" len="med"/>
+                      <a:tailEnd type="none" w="med" len="med"/>
+                    </a:lnB>
+                    <a:solidFill>
+                      <a:srgbClr val="FFFFCC"/>
+                    </a:solidFill>
+                  </a:tcPr>
+                </a:tc>
+              </a:tr>
+            </a:tbl>
+          </a:graphicData>
+        </a:graphic>
+      </p:graphicFrame>
+    </p:spTree>
+    <p:extLst>
+      <p:ext uri="{BB962C8B-B14F-4D97-AF65-F5344CB8AC3E}">
+        <p14:creationId xmlns:p14="http://schemas.microsoft.com/office/powerpoint/2010/main" val="3325073209"/>
+      </p:ext>
+    </p:extLst>
+  </p:cSld>
+  <p:clrMapOvr>
+    <a:masterClrMapping/>
+  </p:clrMapOvr>
+  <p:timing>
+    <p:tnLst>
+      <p:par>
+        <p:cTn id="1" dur="indefinite" restart="never" nodeType="tmRoot"/>
+      </p:par>
+    </p:tnLst>
+  </p:timing>
+</p:sld>
+</file>
+
+<file path=ppt/slides/slide2.xml><?xml version="1.0" encoding="utf-8"?>
+<p:sld xmlns:a="http://schemas.openxmlformats.org/drawingml/2006/main" xmlns:r="http://schemas.openxmlformats.org/officeDocument/2006/relationships" xmlns:p="http://schemas.openxmlformats.org/presentationml/2006/main">
+  <p:cSld>
+    <p:spTree>
+      <p:nvGrpSpPr>
+        <p:cNvPr id="1" name=""/>
+        <p:cNvGrpSpPr/>
+        <p:nvPr/>
+      </p:nvGrpSpPr>
+      <p:grpSpPr>
+        <a:xfrm>
+          <a:off x="0" y="0"/>
+          <a:ext cx="0" cy="0"/>
+          <a:chOff x="0" y="0"/>
+          <a:chExt cx="0" cy="0"/>
+        </a:xfrm>
+      </p:grpSpPr>
+      <p:pic>
+        <p:nvPicPr>
+          <p:cNvPr id="4" name="Picture 3"/>
+          <p:cNvPicPr>
+            <a:picLocks noChangeAspect="1" noChangeArrowheads="1"/>
+          </p:cNvPicPr>
+          <p:nvPr/>
+        </p:nvPicPr>
+        <p:blipFill>
+          <a:blip r:embed="rId2">
+            <a:extLst>
+              <a:ext uri="{28A0092B-C50C-407E-A947-70E740481C1C}">
+                <a14:useLocalDpi xmlns:a14="http://schemas.microsoft.com/office/drawing/2010/main" val="0"/>
+              </a:ext>
+            </a:extLst>
+          </a:blip>
+          <a:srcRect/>
+          <a:stretch>
+            <a:fillRect/>
+          </a:stretch>
+        </p:blipFill>
+        <p:spPr bwMode="auto">
+          <a:xfrm>
+            <a:off x="389229" y="5917027"/>
+            <a:ext cx="5109630" cy="630220"/>
+          </a:xfrm>
+          <a:prstGeom prst="rect">
+            <a:avLst/>
+          </a:prstGeom>
+          <a:noFill/>
+          <a:ln w="12700">
+            <a:noFill/>
+            <a:prstDash val="sysDash"/>
+            <a:miter lim="800000"/>
+            <a:headEnd/>
+            <a:tailEnd/>
+          </a:ln>
+          <a:effectLst/>
+          <a:extLst>
+            <a:ext uri="{909E8E84-426E-40DD-AFC4-6F175D3DCCD1}">
+              <a14:hiddenFill xmlns:a14="http://schemas.microsoft.com/office/drawing/2010/main">
+                <a:solidFill>
+                  <a:schemeClr val="accent1"/>
+                </a:solidFill>
+              </a14:hiddenFill>
+            </a:ext>
+            <a:ext uri="{AF507438-7753-43E0-B8FC-AC1667EBCBE1}">
+              <a14:hiddenEffects xmlns:a14="http://schemas.microsoft.com/office/drawing/2010/main">
+                <a:effectLst>
+                  <a:outerShdw dist="35921" dir="2700000" algn="ctr" rotWithShape="0">
+                    <a:schemeClr val="bg2"/>
+                  </a:outerShdw>
+                </a:effectLst>
+              </a14:hiddenEffects>
+            </a:ext>
+          </a:extLst>
+        </p:spPr>
+      </p:pic>
+      <p:pic>
+        <p:nvPicPr>
+          <p:cNvPr id="5" name="Picture 3"/>
+          <p:cNvPicPr>
+            <a:picLocks noChangeAspect="1" noChangeArrowheads="1"/>
+          </p:cNvPicPr>
+          <p:nvPr/>
+        </p:nvPicPr>
+        <p:blipFill>
+          <a:blip r:embed="rId2">
+            <a:extLst>
+              <a:ext uri="{28A0092B-C50C-407E-A947-70E740481C1C}">
+                <a14:useLocalDpi xmlns:a14="http://schemas.microsoft.com/office/drawing/2010/main" val="0"/>
+              </a:ext>
+            </a:extLst>
+          </a:blip>
+          <a:srcRect/>
+          <a:stretch>
+            <a:fillRect/>
+          </a:stretch>
+        </p:blipFill>
+        <p:spPr bwMode="auto">
+          <a:xfrm>
+            <a:off x="2545641" y="2922825"/>
+            <a:ext cx="5109630" cy="630220"/>
+          </a:xfrm>
+          <a:prstGeom prst="rect">
+            <a:avLst/>
+          </a:prstGeom>
+          <a:noFill/>
+          <a:ln w="12700">
+            <a:solidFill>
+              <a:schemeClr val="tx1"/>
+            </a:solidFill>
+            <a:prstDash val="sysDash"/>
+            <a:miter lim="800000"/>
+            <a:headEnd/>
+            <a:tailEnd/>
+          </a:ln>
+          <a:effectLst/>
+          <a:extLst>
+            <a:ext uri="{909E8E84-426E-40DD-AFC4-6F175D3DCCD1}">
+              <a14:hiddenFill xmlns:a14="http://schemas.microsoft.com/office/drawing/2010/main">
+                <a:solidFill>
+                  <a:schemeClr val="accent1"/>
+                </a:solidFill>
+              </a14:hiddenFill>
+            </a:ext>
+            <a:ext uri="{AF507438-7753-43E0-B8FC-AC1667EBCBE1}">
+              <a14:hiddenEffects xmlns:a14="http://schemas.microsoft.com/office/drawing/2010/main">
+                <a:effectLst>
+                  <a:outerShdw dist="35921" dir="2700000" algn="ctr" rotWithShape="0">
+                    <a:schemeClr val="bg2"/>
+                  </a:outerShdw>
+                </a:effectLst>
+              </a14:hiddenEffects>
+            </a:ext>
+          </a:extLst>
+        </p:spPr>
+      </p:pic>
+      <p:sp>
+        <p:nvSpPr>
+          <p:cNvPr id="6" name="직사각형 5"/>
+          <p:cNvSpPr/>
+          <p:nvPr/>
+        </p:nvSpPr>
+        <p:spPr>
+          <a:xfrm>
+            <a:off x="1990172" y="943872"/>
+            <a:ext cx="2088555" cy="43567"/>
+          </a:xfrm>
+          <a:prstGeom prst="rect">
+            <a:avLst/>
+          </a:prstGeom>
+          <a:solidFill>
+            <a:schemeClr val="accent1">
+              <a:lumMod val="60000"/>
+              <a:lumOff val="40000"/>
+            </a:schemeClr>
+          </a:solidFill>
+          <a:ln>
+            <a:noFill/>
+          </a:ln>
+        </p:spPr>
+        <p:style>
+          <a:lnRef idx="2">
+            <a:schemeClr val="accent1">
+              <a:shade val="50000"/>
+            </a:schemeClr>
+          </a:lnRef>
+          <a:fillRef idx="1">
+            <a:schemeClr val="accent1"/>
+          </a:fillRef>
+          <a:effectRef idx="0">
+            <a:schemeClr val="accent1"/>
+          </a:effectRef>
+          <a:fontRef idx="minor">
+            <a:schemeClr val="lt1"/>
+          </a:fontRef>
+        </p:style>
+        <p:txBody>
+          <a:bodyPr rtlCol="0" anchor="ctr"/>
+          <a:lstStyle/>
+          <a:p>
+            <a:pPr algn="ctr"/>
+            <a:endParaRPr lang="ko-KR" altLang="en-US"/>
+          </a:p>
+        </p:txBody>
+      </p:sp>
+      <p:sp>
+        <p:nvSpPr>
+          <p:cNvPr id="7" name="직사각형 6"/>
+          <p:cNvSpPr/>
+          <p:nvPr/>
+        </p:nvSpPr>
+        <p:spPr>
+          <a:xfrm>
+            <a:off x="2545640" y="2922825"/>
+            <a:ext cx="5109630" cy="630220"/>
+          </a:xfrm>
+          <a:prstGeom prst="rect">
+            <a:avLst/>
+          </a:prstGeom>
+          <a:solidFill>
+            <a:schemeClr val="accent1">
+              <a:lumMod val="60000"/>
+              <a:lumOff val="40000"/>
+              <a:alpha val="30000"/>
+            </a:schemeClr>
+          </a:solidFill>
+          <a:ln>
+            <a:noFill/>
+          </a:ln>
+        </p:spPr>
+        <p:style>
+          <a:lnRef idx="2">
+            <a:schemeClr val="accent1">
+              <a:shade val="50000"/>
+            </a:schemeClr>
+          </a:lnRef>
+          <a:fillRef idx="1">
+            <a:schemeClr val="accent1"/>
+          </a:fillRef>
+          <a:effectRef idx="0">
+            <a:schemeClr val="accent1"/>
+          </a:effectRef>
+          <a:fontRef idx="minor">
+            <a:schemeClr val="lt1"/>
+          </a:fontRef>
+        </p:style>
+        <p:txBody>
+          <a:bodyPr rtlCol="0" anchor="ctr"/>
+          <a:lstStyle/>
+          <a:p>
+            <a:pPr algn="ctr"/>
+            <a:endParaRPr lang="ko-KR" altLang="en-US"/>
+          </a:p>
+        </p:txBody>
+      </p:sp>
+      <p:pic>
+        <p:nvPicPr>
+          <p:cNvPr id="8" name="Picture 7"/>
+          <p:cNvPicPr>
+            <a:picLocks noChangeAspect="1" noChangeArrowheads="1"/>
+          </p:cNvPicPr>
+          <p:nvPr/>
+        </p:nvPicPr>
+        <p:blipFill>
+          <a:blip r:embed="rId3">
+            <a:extLst>
+              <a:ext uri="{28A0092B-C50C-407E-A947-70E740481C1C}">
+                <a14:useLocalDpi xmlns:a14="http://schemas.microsoft.com/office/drawing/2010/main" val="0"/>
+              </a:ext>
+            </a:extLst>
+          </a:blip>
+          <a:srcRect/>
+          <a:stretch>
+            <a:fillRect/>
+          </a:stretch>
+        </p:blipFill>
+        <p:spPr bwMode="auto">
+          <a:xfrm>
+            <a:off x="1990172" y="3648076"/>
+            <a:ext cx="5499853" cy="247453"/>
+          </a:xfrm>
+          <a:prstGeom prst="rect">
+            <a:avLst/>
+          </a:prstGeom>
+          <a:noFill/>
+          <a:ln>
+            <a:noFill/>
+          </a:ln>
+          <a:effectLst/>
+          <a:extLst>
+            <a:ext uri="{909E8E84-426E-40DD-AFC4-6F175D3DCCD1}">
+              <a14:hiddenFill xmlns:a14="http://schemas.microsoft.com/office/drawing/2010/main">
+                <a:solidFill>
+                  <a:schemeClr val="accent1"/>
+                </a:solidFill>
+              </a14:hiddenFill>
+            </a:ext>
+            <a:ext uri="{91240B29-F687-4F45-9708-019B960494DF}">
+              <a14:hiddenLine xmlns:a14="http://schemas.microsoft.com/office/drawing/2010/main" w="9525">
+                <a:solidFill>
+                  <a:schemeClr val="tx1"/>
+                </a:solidFill>
+                <a:miter lim="800000"/>
+                <a:headEnd/>
+                <a:tailEnd/>
+              </a14:hiddenLine>
+            </a:ext>
+            <a:ext uri="{AF507438-7753-43E0-B8FC-AC1667EBCBE1}">
+              <a14:hiddenEffects xmlns:a14="http://schemas.microsoft.com/office/drawing/2010/main">
+                <a:effectLst>
+                  <a:outerShdw dist="35921" dir="2700000" algn="ctr" rotWithShape="0">
+                    <a:schemeClr val="bg2"/>
+                  </a:outerShdw>
+                </a:effectLst>
+              </a14:hiddenEffects>
+            </a:ext>
+          </a:extLst>
+        </p:spPr>
+      </p:pic>
+      <p:sp>
+        <p:nvSpPr>
+          <p:cNvPr id="9" name="직사각형 8"/>
+          <p:cNvSpPr/>
+          <p:nvPr/>
+        </p:nvSpPr>
+        <p:spPr>
+          <a:xfrm>
+            <a:off x="2155421" y="3817030"/>
+            <a:ext cx="3121461" cy="38315"/>
+          </a:xfrm>
+          <a:prstGeom prst="rect">
+            <a:avLst/>
+          </a:prstGeom>
+          <a:solidFill>
+            <a:schemeClr val="accent2">
+              <a:lumMod val="60000"/>
+              <a:lumOff val="40000"/>
+            </a:schemeClr>
+          </a:solidFill>
+          <a:ln>
+            <a:noFill/>
+          </a:ln>
+        </p:spPr>
+        <p:style>
+          <a:lnRef idx="2">
+            <a:schemeClr val="accent1">
+              <a:shade val="50000"/>
+            </a:schemeClr>
+          </a:lnRef>
+          <a:fillRef idx="1">
+            <a:schemeClr val="accent1"/>
+          </a:fillRef>
+          <a:effectRef idx="0">
+            <a:schemeClr val="accent1"/>
+          </a:effectRef>
+          <a:fontRef idx="minor">
+            <a:schemeClr val="lt1"/>
+          </a:fontRef>
+        </p:style>
+        <p:txBody>
+          <a:bodyPr rtlCol="0" anchor="ctr"/>
+          <a:lstStyle/>
+          <a:p>
+            <a:pPr algn="ctr"/>
+            <a:endParaRPr lang="ko-KR" altLang="en-US"/>
+          </a:p>
+        </p:txBody>
+      </p:sp>
+      <p:pic>
+        <p:nvPicPr>
+          <p:cNvPr id="10" name="Picture 8"/>
+          <p:cNvPicPr>
+            <a:picLocks noChangeAspect="1" noChangeArrowheads="1"/>
+          </p:cNvPicPr>
+          <p:nvPr/>
+        </p:nvPicPr>
+        <p:blipFill>
+          <a:blip r:embed="rId4">
+            <a:extLst>
+              <a:ext uri="{28A0092B-C50C-407E-A947-70E740481C1C}">
+                <a14:useLocalDpi xmlns:a14="http://schemas.microsoft.com/office/drawing/2010/main" val="0"/>
+              </a:ext>
+            </a:extLst>
+          </a:blip>
+          <a:srcRect/>
+          <a:stretch>
+            <a:fillRect/>
+          </a:stretch>
+        </p:blipFill>
+        <p:spPr bwMode="auto">
+          <a:xfrm>
+            <a:off x="2155418" y="3859974"/>
+            <a:ext cx="5499853" cy="247453"/>
+          </a:xfrm>
+          <a:prstGeom prst="rect">
+            <a:avLst/>
+          </a:prstGeom>
+          <a:noFill/>
+          <a:ln>
+            <a:noFill/>
+          </a:ln>
+          <a:effectLst/>
+          <a:extLst>
+            <a:ext uri="{909E8E84-426E-40DD-AFC4-6F175D3DCCD1}">
+              <a14:hiddenFill xmlns:a14="http://schemas.microsoft.com/office/drawing/2010/main">
+                <a:solidFill>
+                  <a:schemeClr val="accent1"/>
+                </a:solidFill>
+              </a14:hiddenFill>
+            </a:ext>
+            <a:ext uri="{91240B29-F687-4F45-9708-019B960494DF}">
+              <a14:hiddenLine xmlns:a14="http://schemas.microsoft.com/office/drawing/2010/main" w="9525">
+                <a:solidFill>
+                  <a:schemeClr val="tx1"/>
+                </a:solidFill>
+                <a:miter lim="800000"/>
+                <a:headEnd/>
+                <a:tailEnd/>
+              </a14:hiddenLine>
+            </a:ext>
+            <a:ext uri="{AF507438-7753-43E0-B8FC-AC1667EBCBE1}">
+              <a14:hiddenEffects xmlns:a14="http://schemas.microsoft.com/office/drawing/2010/main">
+                <a:effectLst>
+                  <a:outerShdw dist="35921" dir="2700000" algn="ctr" rotWithShape="0">
+                    <a:schemeClr val="bg2"/>
+                  </a:outerShdw>
+                </a:effectLst>
+              </a14:hiddenEffects>
+            </a:ext>
+          </a:extLst>
+        </p:spPr>
+      </p:pic>
+      <p:sp>
+        <p:nvSpPr>
+          <p:cNvPr id="11" name="직사각형 10"/>
+          <p:cNvSpPr/>
+          <p:nvPr/>
+        </p:nvSpPr>
+        <p:spPr>
+          <a:xfrm>
+            <a:off x="2155418" y="4114167"/>
+            <a:ext cx="3121461" cy="38315"/>
+          </a:xfrm>
+          <a:prstGeom prst="rect">
+            <a:avLst/>
+          </a:prstGeom>
+          <a:solidFill>
+            <a:schemeClr val="accent2">
+              <a:lumMod val="60000"/>
+              <a:lumOff val="40000"/>
+            </a:schemeClr>
+          </a:solidFill>
+          <a:ln>
+            <a:noFill/>
+          </a:ln>
+        </p:spPr>
+        <p:style>
+          <a:lnRef idx="2">
+            <a:schemeClr val="accent1">
+              <a:shade val="50000"/>
+            </a:schemeClr>
+          </a:lnRef>
+          <a:fillRef idx="1">
+            <a:schemeClr val="accent1"/>
+          </a:fillRef>
+          <a:effectRef idx="0">
+            <a:schemeClr val="accent1"/>
+          </a:effectRef>
+          <a:fontRef idx="minor">
+            <a:schemeClr val="lt1"/>
+          </a:fontRef>
+        </p:style>
+        <p:txBody>
+          <a:bodyPr rtlCol="0" anchor="ctr"/>
+          <a:lstStyle/>
+          <a:p>
+            <a:pPr algn="ctr"/>
+            <a:endParaRPr lang="ko-KR" altLang="en-US"/>
+          </a:p>
+        </p:txBody>
+      </p:sp>
+      <p:sp>
+        <p:nvSpPr>
+          <p:cNvPr id="12" name="직사각형 11"/>
+          <p:cNvSpPr/>
+          <p:nvPr/>
+        </p:nvSpPr>
+        <p:spPr>
+          <a:xfrm>
+            <a:off x="4651513" y="4105634"/>
+            <a:ext cx="3003758" cy="38315"/>
+          </a:xfrm>
+          <a:prstGeom prst="rect">
+            <a:avLst/>
+          </a:prstGeom>
+          <a:solidFill>
+            <a:schemeClr val="accent1">
+              <a:lumMod val="60000"/>
+              <a:lumOff val="40000"/>
+            </a:schemeClr>
+          </a:solidFill>
+          <a:ln>
+            <a:noFill/>
+          </a:ln>
+        </p:spPr>
+        <p:style>
+          <a:lnRef idx="2">
+            <a:schemeClr val="accent1">
+              <a:shade val="50000"/>
+            </a:schemeClr>
+          </a:lnRef>
+          <a:fillRef idx="1">
+            <a:schemeClr val="accent1"/>
+          </a:fillRef>
+          <a:effectRef idx="0">
+            <a:schemeClr val="accent1"/>
+          </a:effectRef>
+          <a:fontRef idx="minor">
+            <a:schemeClr val="lt1"/>
+          </a:fontRef>
+        </p:style>
+        <p:txBody>
+          <a:bodyPr rtlCol="0" anchor="ctr"/>
+          <a:lstStyle/>
+          <a:p>
+            <a:pPr algn="ctr"/>
+            <a:endParaRPr lang="ko-KR" altLang="en-US"/>
+          </a:p>
+        </p:txBody>
+      </p:sp>
+      <p:pic>
+        <p:nvPicPr>
+          <p:cNvPr id="13" name="Picture 2"/>
+          <p:cNvPicPr>
+            <a:picLocks noChangeAspect="1" noChangeArrowheads="1"/>
+          </p:cNvPicPr>
+          <p:nvPr/>
+        </p:nvPicPr>
+        <p:blipFill>
+          <a:blip r:embed="rId5">
+            <a:extLst>
+              <a:ext uri="{28A0092B-C50C-407E-A947-70E740481C1C}">
+                <a14:useLocalDpi xmlns:a14="http://schemas.microsoft.com/office/drawing/2010/main" val="0"/>
+              </a:ext>
+            </a:extLst>
+          </a:blip>
+          <a:srcRect/>
+          <a:stretch>
+            <a:fillRect/>
+          </a:stretch>
+        </p:blipFill>
+        <p:spPr bwMode="auto">
+          <a:xfrm>
+            <a:off x="2155421" y="4798500"/>
+            <a:ext cx="4992183" cy="801094"/>
+          </a:xfrm>
+          <a:prstGeom prst="rect">
+            <a:avLst/>
+          </a:prstGeom>
+          <a:noFill/>
+          <a:ln w="12700">
+            <a:solidFill>
+              <a:schemeClr val="tx1"/>
+            </a:solidFill>
+            <a:prstDash val="sysDash"/>
+            <a:miter lim="800000"/>
+            <a:headEnd/>
+            <a:tailEnd/>
+          </a:ln>
+          <a:effectLst/>
+          <a:extLst>
+            <a:ext uri="{909E8E84-426E-40DD-AFC4-6F175D3DCCD1}">
+              <a14:hiddenFill xmlns:a14="http://schemas.microsoft.com/office/drawing/2010/main">
+                <a:solidFill>
+                  <a:schemeClr val="accent1"/>
+                </a:solidFill>
+              </a14:hiddenFill>
+            </a:ext>
+            <a:ext uri="{AF507438-7753-43E0-B8FC-AC1667EBCBE1}">
+              <a14:hiddenEffects xmlns:a14="http://schemas.microsoft.com/office/drawing/2010/main">
+                <a:effectLst>
+                  <a:outerShdw dist="35921" dir="2700000" algn="ctr" rotWithShape="0">
+                    <a:schemeClr val="bg2"/>
+                  </a:outerShdw>
+                </a:effectLst>
+              </a14:hiddenEffects>
+            </a:ext>
+          </a:extLst>
+        </p:spPr>
+      </p:pic>
+      <p:sp>
+        <p:nvSpPr>
+          <p:cNvPr id="14" name="직사각형 13"/>
+          <p:cNvSpPr/>
+          <p:nvPr/>
+        </p:nvSpPr>
+        <p:spPr>
+          <a:xfrm>
+            <a:off x="3246847" y="4932845"/>
+            <a:ext cx="4992183" cy="801094"/>
+          </a:xfrm>
+          <a:prstGeom prst="rect">
+            <a:avLst/>
+          </a:prstGeom>
+          <a:solidFill>
+            <a:schemeClr val="accent2">
+              <a:lumMod val="60000"/>
+              <a:lumOff val="40000"/>
+              <a:alpha val="30000"/>
+            </a:schemeClr>
+          </a:solidFill>
+          <a:ln>
+            <a:noFill/>
+          </a:ln>
+        </p:spPr>
+        <p:style>
+          <a:lnRef idx="2">
+            <a:schemeClr val="accent1">
+              <a:shade val="50000"/>
+            </a:schemeClr>
+          </a:lnRef>
+          <a:fillRef idx="1">
+            <a:schemeClr val="accent1"/>
+          </a:fillRef>
+          <a:effectRef idx="0">
+            <a:schemeClr val="accent1"/>
+          </a:effectRef>
+          <a:fontRef idx="minor">
+            <a:schemeClr val="lt1"/>
+          </a:fontRef>
+        </p:style>
+        <p:txBody>
+          <a:bodyPr rtlCol="0" anchor="ctr"/>
+          <a:lstStyle/>
+          <a:p>
+            <a:pPr algn="ctr"/>
+            <a:endParaRPr lang="ko-KR" altLang="en-US"/>
+          </a:p>
+        </p:txBody>
+      </p:sp>
+      <p:sp>
+        <p:nvSpPr>
+          <p:cNvPr id="15" name="타원 14"/>
+          <p:cNvSpPr/>
+          <p:nvPr/>
+        </p:nvSpPr>
+        <p:spPr>
+          <a:xfrm>
+            <a:off x="3596786" y="1580392"/>
+            <a:ext cx="144016" cy="167695"/>
+          </a:xfrm>
+          <a:prstGeom prst="ellipse">
+            <a:avLst/>
+          </a:prstGeom>
+          <a:solidFill>
+            <a:srgbClr val="92D050"/>
+          </a:solidFill>
+          <a:ln w="3175">
+            <a:solidFill>
+              <a:srgbClr val="92D050"/>
+            </a:solidFill>
+          </a:ln>
+        </p:spPr>
+        <p:style>
+          <a:lnRef idx="2">
+            <a:schemeClr val="accent1">
+              <a:shade val="50000"/>
+            </a:schemeClr>
+          </a:lnRef>
+          <a:fillRef idx="1">
+            <a:schemeClr val="accent1"/>
+          </a:fillRef>
+          <a:effectRef idx="0">
+            <a:schemeClr val="accent1"/>
+          </a:effectRef>
+          <a:fontRef idx="minor">
+            <a:schemeClr val="lt1"/>
+          </a:fontRef>
+        </p:style>
+        <p:txBody>
+          <a:bodyPr rtlCol="0" anchor="ctr"/>
+          <a:lstStyle/>
+          <a:p>
+            <a:pPr algn="ctr"/>
+            <a:endParaRPr lang="ko-KR" altLang="en-US"/>
+          </a:p>
+        </p:txBody>
+      </p:sp>
+      <p:sp>
+        <p:nvSpPr>
+          <p:cNvPr id="16" name="타원 15"/>
+          <p:cNvSpPr/>
+          <p:nvPr/>
+        </p:nvSpPr>
+        <p:spPr>
+          <a:xfrm>
+            <a:off x="7408220" y="3899852"/>
+            <a:ext cx="144016" cy="167695"/>
+          </a:xfrm>
+          <a:prstGeom prst="ellipse">
+            <a:avLst/>
+          </a:prstGeom>
+          <a:solidFill>
+            <a:srgbClr val="92D050"/>
+          </a:solidFill>
+          <a:ln w="3175">
+            <a:solidFill>
+              <a:srgbClr val="92D050"/>
+            </a:solidFill>
+          </a:ln>
+        </p:spPr>
+        <p:style>
+          <a:lnRef idx="2">
+            <a:schemeClr val="accent1">
+              <a:shade val="50000"/>
+            </a:schemeClr>
+          </a:lnRef>
+          <a:fillRef idx="1">
+            <a:schemeClr val="accent1"/>
+          </a:fillRef>
+          <a:effectRef idx="0">
+            <a:schemeClr val="accent1"/>
+          </a:effectRef>
+          <a:fontRef idx="minor">
+            <a:schemeClr val="lt1"/>
+          </a:fontRef>
+        </p:style>
+        <p:txBody>
+          <a:bodyPr rtlCol="0" anchor="ctr"/>
+          <a:lstStyle/>
+          <a:p>
+            <a:pPr algn="ctr"/>
+            <a:endParaRPr lang="ko-KR" altLang="en-US"/>
+          </a:p>
+        </p:txBody>
+      </p:sp>
+      <p:sp>
+        <p:nvSpPr>
+          <p:cNvPr id="17" name="타원 16"/>
+          <p:cNvSpPr/>
+          <p:nvPr/>
+        </p:nvSpPr>
+        <p:spPr>
+          <a:xfrm>
+            <a:off x="7410996" y="3605764"/>
+            <a:ext cx="144016" cy="167695"/>
+          </a:xfrm>
+          <a:prstGeom prst="ellipse">
+            <a:avLst/>
+          </a:prstGeom>
+          <a:solidFill>
+            <a:schemeClr val="accent2">
+              <a:lumMod val="60000"/>
+              <a:lumOff val="40000"/>
+            </a:schemeClr>
+          </a:solidFill>
+          <a:ln w="3175">
+            <a:solidFill>
+              <a:schemeClr val="accent2">
+                <a:lumMod val="60000"/>
+                <a:lumOff val="40000"/>
+              </a:schemeClr>
+            </a:solidFill>
+          </a:ln>
+        </p:spPr>
+        <p:style>
+          <a:lnRef idx="2">
+            <a:schemeClr val="accent1">
+              <a:shade val="50000"/>
+            </a:schemeClr>
+          </a:lnRef>
+          <a:fillRef idx="1">
+            <a:schemeClr val="accent1"/>
+          </a:fillRef>
+          <a:effectRef idx="0">
+            <a:schemeClr val="accent1"/>
+          </a:effectRef>
+          <a:fontRef idx="minor">
+            <a:schemeClr val="lt1"/>
+          </a:fontRef>
+        </p:style>
+        <p:txBody>
+          <a:bodyPr rtlCol="0" anchor="ctr"/>
+          <a:lstStyle/>
+          <a:p>
+            <a:pPr algn="ctr"/>
+            <a:endParaRPr lang="ko-KR" altLang="en-US"/>
+          </a:p>
+        </p:txBody>
+      </p:sp>
+      <p:sp>
+        <p:nvSpPr>
+          <p:cNvPr id="18" name="타원 17"/>
+          <p:cNvSpPr/>
+          <p:nvPr/>
+        </p:nvSpPr>
+        <p:spPr>
+          <a:xfrm>
+            <a:off x="7436765" y="5614257"/>
+            <a:ext cx="118247" cy="118800"/>
+          </a:xfrm>
+          <a:prstGeom prst="ellipse">
+            <a:avLst/>
+          </a:prstGeom>
+          <a:solidFill>
+            <a:srgbClr val="92D050"/>
+          </a:solidFill>
+          <a:ln w="3175">
+            <a:solidFill>
+              <a:srgbClr val="92D050"/>
+            </a:solidFill>
+          </a:ln>
+        </p:spPr>
+        <p:style>
+          <a:lnRef idx="2">
+            <a:schemeClr val="accent1">
+              <a:shade val="50000"/>
+            </a:schemeClr>
+          </a:lnRef>
+          <a:fillRef idx="1">
+            <a:schemeClr val="accent1"/>
+          </a:fillRef>
+          <a:effectRef idx="0">
+            <a:schemeClr val="accent1"/>
+          </a:effectRef>
+          <a:fontRef idx="minor">
+            <a:schemeClr val="lt1"/>
+          </a:fontRef>
+        </p:style>
+        <p:txBody>
+          <a:bodyPr rtlCol="0" anchor="ctr"/>
+          <a:lstStyle/>
+          <a:p>
+            <a:pPr algn="ctr"/>
+            <a:endParaRPr lang="ko-KR" altLang="en-US"/>
+          </a:p>
+        </p:txBody>
+      </p:sp>
+      <p:pic>
+        <p:nvPicPr>
+          <p:cNvPr id="19" name="Picture 10" descr="C:\Users\Administrator\Downloads\MC900441321.PNG"/>
+          <p:cNvPicPr>
+            <a:picLocks noChangeAspect="1" noChangeArrowheads="1"/>
+          </p:cNvPicPr>
+          <p:nvPr/>
+        </p:nvPicPr>
+        <p:blipFill>
+          <a:blip r:embed="rId6" cstate="print">
+            <a:extLst>
+              <a:ext uri="{28A0092B-C50C-407E-A947-70E740481C1C}">
+                <a14:useLocalDpi xmlns:a14="http://schemas.microsoft.com/office/drawing/2010/main" val="0"/>
+              </a:ext>
+            </a:extLst>
+          </a:blip>
+          <a:srcRect/>
+          <a:stretch>
+            <a:fillRect/>
+          </a:stretch>
+        </p:blipFill>
+        <p:spPr bwMode="auto">
+          <a:xfrm>
+            <a:off x="6610996" y="2736073"/>
+            <a:ext cx="180000" cy="180000"/>
+          </a:xfrm>
+          <a:prstGeom prst="rect">
+            <a:avLst/>
+          </a:prstGeom>
+          <a:noFill/>
+          <a:extLst>
+            <a:ext uri="{909E8E84-426E-40DD-AFC4-6F175D3DCCD1}">
+              <a14:hiddenFill xmlns:a14="http://schemas.microsoft.com/office/drawing/2010/main">
+                <a:solidFill>
+                  <a:srgbClr val="FFFFFF"/>
+                </a:solidFill>
+              </a14:hiddenFill>
+            </a:ext>
+          </a:extLst>
+        </p:spPr>
+      </p:pic>
+      <p:pic>
+        <p:nvPicPr>
+          <p:cNvPr id="20" name="Picture 11" descr="C:\Users\Administrator\Downloads\MC900441322.PNG"/>
+          <p:cNvPicPr>
+            <a:picLocks noChangeAspect="1" noChangeArrowheads="1"/>
+          </p:cNvPicPr>
+          <p:nvPr/>
+        </p:nvPicPr>
+        <p:blipFill>
+          <a:blip r:embed="rId7" cstate="print">
+            <a:extLst>
+              <a:ext uri="{28A0092B-C50C-407E-A947-70E740481C1C}">
+                <a14:useLocalDpi xmlns:a14="http://schemas.microsoft.com/office/drawing/2010/main" val="0"/>
+              </a:ext>
+            </a:extLst>
+          </a:blip>
+          <a:srcRect/>
+          <a:stretch>
+            <a:fillRect/>
+          </a:stretch>
+        </p:blipFill>
+        <p:spPr bwMode="auto">
+          <a:xfrm>
+            <a:off x="6381848" y="2704131"/>
+            <a:ext cx="180000" cy="180000"/>
+          </a:xfrm>
+          <a:prstGeom prst="rect">
+            <a:avLst/>
+          </a:prstGeom>
+          <a:noFill/>
+          <a:extLst>
+            <a:ext uri="{909E8E84-426E-40DD-AFC4-6F175D3DCCD1}">
+              <a14:hiddenFill xmlns:a14="http://schemas.microsoft.com/office/drawing/2010/main">
+                <a:solidFill>
+                  <a:srgbClr val="FFFFFF"/>
+                </a:solidFill>
+              </a14:hiddenFill>
+            </a:ext>
+          </a:extLst>
+        </p:spPr>
+      </p:pic>
+      <p:pic>
+        <p:nvPicPr>
+          <p:cNvPr id="21" name="Picture 13" descr="http://www.hewlett.org/uploads/images/facebook-icon.png"/>
+          <p:cNvPicPr>
+            <a:picLocks noChangeAspect="1" noChangeArrowheads="1"/>
+          </p:cNvPicPr>
+          <p:nvPr/>
+        </p:nvPicPr>
+        <p:blipFill>
+          <a:blip r:embed="rId8" cstate="print">
+            <a:extLst>
+              <a:ext uri="{28A0092B-C50C-407E-A947-70E740481C1C}">
+                <a14:useLocalDpi xmlns:a14="http://schemas.microsoft.com/office/drawing/2010/main" val="0"/>
+              </a:ext>
+            </a:extLst>
+          </a:blip>
+          <a:srcRect/>
+          <a:stretch>
+            <a:fillRect/>
+          </a:stretch>
+        </p:blipFill>
+        <p:spPr bwMode="auto">
+          <a:xfrm>
+            <a:off x="6876163" y="2709947"/>
+            <a:ext cx="180000" cy="180000"/>
+          </a:xfrm>
+          <a:prstGeom prst="rect">
+            <a:avLst/>
+          </a:prstGeom>
+          <a:noFill/>
+          <a:extLst>
+            <a:ext uri="{909E8E84-426E-40DD-AFC4-6F175D3DCCD1}">
+              <a14:hiddenFill xmlns:a14="http://schemas.microsoft.com/office/drawing/2010/main">
+                <a:solidFill>
+                  <a:srgbClr val="FFFFFF"/>
+                </a:solidFill>
+              </a14:hiddenFill>
+            </a:ext>
+          </a:extLst>
+        </p:spPr>
+      </p:pic>
+      <p:pic>
+        <p:nvPicPr>
+          <p:cNvPr id="22" name="Picture 13" descr="http://www.hewlett.org/uploads/images/facebook-icon.png"/>
+          <p:cNvPicPr>
+            <a:picLocks noChangeAspect="1" noChangeArrowheads="1"/>
+          </p:cNvPicPr>
+          <p:nvPr/>
+        </p:nvPicPr>
+        <p:blipFill>
+          <a:blip r:embed="rId8" cstate="print">
+            <a:extLst>
+              <a:ext uri="{28A0092B-C50C-407E-A947-70E740481C1C}">
+                <a14:useLocalDpi xmlns:a14="http://schemas.microsoft.com/office/drawing/2010/main" val="0"/>
+              </a:ext>
+            </a:extLst>
+          </a:blip>
+          <a:srcRect/>
+          <a:stretch>
+            <a:fillRect/>
+          </a:stretch>
+        </p:blipFill>
+        <p:spPr bwMode="auto">
+          <a:xfrm>
+            <a:off x="3499954" y="1244965"/>
+            <a:ext cx="180000" cy="180000"/>
+          </a:xfrm>
+          <a:prstGeom prst="rect">
+            <a:avLst/>
+          </a:prstGeom>
+          <a:noFill/>
+          <a:extLst>
+            <a:ext uri="{909E8E84-426E-40DD-AFC4-6F175D3DCCD1}">
+              <a14:hiddenFill xmlns:a14="http://schemas.microsoft.com/office/drawing/2010/main">
+                <a:solidFill>
+                  <a:srgbClr val="FFFFFF"/>
+                </a:solidFill>
+              </a14:hiddenFill>
+            </a:ext>
+          </a:extLst>
+        </p:spPr>
+      </p:pic>
+      <p:pic>
+        <p:nvPicPr>
+          <p:cNvPr id="23" name="Picture 3"/>
+          <p:cNvPicPr>
+            <a:picLocks noChangeAspect="1" noChangeArrowheads="1"/>
+          </p:cNvPicPr>
+          <p:nvPr/>
+        </p:nvPicPr>
+        <p:blipFill>
+          <a:blip r:embed="rId9">
+            <a:extLst>
+              <a:ext uri="{28A0092B-C50C-407E-A947-70E740481C1C}">
+                <a14:useLocalDpi xmlns:a14="http://schemas.microsoft.com/office/drawing/2010/main" val="0"/>
+              </a:ext>
+            </a:extLst>
+          </a:blip>
+          <a:srcRect/>
+          <a:stretch>
+            <a:fillRect/>
+          </a:stretch>
+        </p:blipFill>
+        <p:spPr bwMode="auto">
+          <a:xfrm>
+            <a:off x="147456" y="1914566"/>
+            <a:ext cx="4953000" cy="638175"/>
+          </a:xfrm>
+          <a:prstGeom prst="rect">
+            <a:avLst/>
+          </a:prstGeom>
+          <a:noFill/>
+          <a:ln>
+            <a:noFill/>
+          </a:ln>
+          <a:effectLst/>
+          <a:extLst>
+            <a:ext uri="{909E8E84-426E-40DD-AFC4-6F175D3DCCD1}">
+              <a14:hiddenFill xmlns:a14="http://schemas.microsoft.com/office/drawing/2010/main">
+                <a:solidFill>
+                  <a:schemeClr val="accent1"/>
+                </a:solidFill>
+              </a14:hiddenFill>
+            </a:ext>
+            <a:ext uri="{91240B29-F687-4F45-9708-019B960494DF}">
+              <a14:hiddenLine xmlns:a14="http://schemas.microsoft.com/office/drawing/2010/main" w="9525">
+                <a:solidFill>
+                  <a:schemeClr val="tx1"/>
+                </a:solidFill>
+                <a:miter lim="800000"/>
+                <a:headEnd/>
+                <a:tailEnd/>
+              </a14:hiddenLine>
+            </a:ext>
+            <a:ext uri="{AF507438-7753-43E0-B8FC-AC1667EBCBE1}">
+              <a14:hiddenEffects xmlns:a14="http://schemas.microsoft.com/office/drawing/2010/main">
+                <a:effectLst>
+                  <a:outerShdw dist="35921" dir="2700000" algn="ctr" rotWithShape="0">
+                    <a:schemeClr val="bg2"/>
+                  </a:outerShdw>
+                </a:effectLst>
+              </a14:hiddenEffects>
+            </a:ext>
+          </a:extLst>
+        </p:spPr>
+      </p:pic>
+      <p:sp>
+        <p:nvSpPr>
+          <p:cNvPr id="24" name="직사각형 23"/>
+          <p:cNvSpPr/>
+          <p:nvPr/>
+        </p:nvSpPr>
+        <p:spPr>
+          <a:xfrm>
+            <a:off x="814534" y="431619"/>
+            <a:ext cx="3543882" cy="38315"/>
+          </a:xfrm>
+          <a:prstGeom prst="rect">
+            <a:avLst/>
+          </a:prstGeom>
+          <a:solidFill>
+            <a:schemeClr val="accent2">
+              <a:lumMod val="60000"/>
+              <a:lumOff val="40000"/>
+            </a:schemeClr>
+          </a:solidFill>
+          <a:ln>
+            <a:noFill/>
+          </a:ln>
+        </p:spPr>
+        <p:style>
+          <a:lnRef idx="2">
+            <a:schemeClr val="accent1">
+              <a:shade val="50000"/>
+            </a:schemeClr>
+          </a:lnRef>
+          <a:fillRef idx="1">
+            <a:schemeClr val="accent1"/>
+          </a:fillRef>
+          <a:effectRef idx="0">
+            <a:schemeClr val="accent1"/>
+          </a:effectRef>
+          <a:fontRef idx="minor">
+            <a:schemeClr val="lt1"/>
+          </a:fontRef>
+        </p:style>
+        <p:txBody>
+          <a:bodyPr rtlCol="0" anchor="ctr"/>
+          <a:lstStyle/>
+          <a:p>
+            <a:pPr algn="ctr"/>
+            <a:endParaRPr lang="ko-KR" altLang="en-US"/>
+          </a:p>
+        </p:txBody>
+      </p:sp>
+      <p:sp>
+        <p:nvSpPr>
+          <p:cNvPr id="25" name="모서리가 둥근 직사각형 24"/>
+          <p:cNvSpPr/>
+          <p:nvPr/>
+        </p:nvSpPr>
+        <p:spPr>
+          <a:xfrm>
+            <a:off x="5174581" y="344339"/>
+            <a:ext cx="4078425" cy="668988"/>
+          </a:xfrm>
+          <a:prstGeom prst="roundRect">
+            <a:avLst/>
+          </a:prstGeom>
+          <a:noFill/>
+          <a:ln w="38100">
+            <a:solidFill>
+              <a:srgbClr val="FF0000">
+                <a:alpha val="20000"/>
+              </a:srgbClr>
+            </a:solidFill>
+          </a:ln>
+        </p:spPr>
+        <p:style>
+          <a:lnRef idx="2">
+            <a:schemeClr val="accent1">
+              <a:shade val="50000"/>
+            </a:schemeClr>
+          </a:lnRef>
+          <a:fillRef idx="1">
+            <a:schemeClr val="accent1"/>
+          </a:fillRef>
+          <a:effectRef idx="0">
+            <a:schemeClr val="accent1"/>
+          </a:effectRef>
+          <a:fontRef idx="minor">
+            <a:schemeClr val="lt1"/>
+          </a:fontRef>
+        </p:style>
+        <p:txBody>
+          <a:bodyPr rtlCol="0" anchor="ctr"/>
+          <a:lstStyle/>
+          <a:p>
+            <a:pPr algn="ctr"/>
+            <a:endParaRPr lang="ko-KR" altLang="en-US"/>
+          </a:p>
+        </p:txBody>
+      </p:sp>
+      <p:sp>
+        <p:nvSpPr>
+          <p:cNvPr id="26" name="모서리가 둥근 직사각형 25"/>
+          <p:cNvSpPr/>
+          <p:nvPr/>
+        </p:nvSpPr>
+        <p:spPr>
+          <a:xfrm>
+            <a:off x="5081504" y="1092809"/>
+            <a:ext cx="4078425" cy="668988"/>
+          </a:xfrm>
+          <a:prstGeom prst="roundRect">
+            <a:avLst/>
+          </a:prstGeom>
+          <a:noFill/>
+          <a:ln w="38100">
+            <a:solidFill>
+              <a:schemeClr val="accent1">
+                <a:lumMod val="50000"/>
+                <a:alpha val="20000"/>
+              </a:schemeClr>
+            </a:solidFill>
+          </a:ln>
+        </p:spPr>
+        <p:style>
+          <a:lnRef idx="2">
+            <a:schemeClr val="accent1">
+              <a:shade val="50000"/>
+            </a:schemeClr>
+          </a:lnRef>
+          <a:fillRef idx="1">
+            <a:schemeClr val="accent1"/>
+          </a:fillRef>
+          <a:effectRef idx="0">
+            <a:schemeClr val="accent1"/>
+          </a:effectRef>
+          <a:fontRef idx="minor">
+            <a:schemeClr val="lt1"/>
+          </a:fontRef>
+        </p:style>
+        <p:txBody>
+          <a:bodyPr rtlCol="0" anchor="ctr"/>
+          <a:lstStyle/>
+          <a:p>
+            <a:pPr algn="ctr"/>
+            <a:endParaRPr lang="ko-KR" altLang="en-US">
               <a:solidFill>
-                <a:schemeClr val="accent1">
-                  <a:lumMod val="60000"/>
-                  <a:lumOff val="40000"/>
-                  <a:alpha val="30000"/>
-                </a:schemeClr>
-              </a:solidFill>
-              <a:ln>
-                <a:noFill/>
-              </a:ln>
-            </p:spPr>
-            <p:style>
-              <a:lnRef idx="2">
-                <a:schemeClr val="accent1">
-                  <a:shade val="50000"/>
-                </a:schemeClr>
-              </a:lnRef>
-              <a:fillRef idx="1">
-                <a:schemeClr val="accent1"/>
-              </a:fillRef>
-              <a:effectRef idx="0">
-                <a:schemeClr val="accent1"/>
-              </a:effectRef>
-              <a:fontRef idx="minor">
-                <a:schemeClr val="lt1"/>
-              </a:fontRef>
-            </p:style>
-            <p:txBody>
-              <a:bodyPr rtlCol="0" anchor="ctr"/>
-              <a:lstStyle/>
-              <a:p>
-                <a:pPr algn="ctr"/>
-                <a:endParaRPr lang="ko-KR" altLang="en-US"/>
-              </a:p>
-            </p:txBody>
-          </p:sp>
-          <p:sp>
-            <p:nvSpPr>
-              <p:cNvPr id="6" name="직사각형 5"/>
-              <p:cNvSpPr/>
-              <p:nvPr/>
-            </p:nvSpPr>
-            <p:spPr>
-              <a:xfrm>
-                <a:off x="1199793" y="1708630"/>
-                <a:ext cx="4992183" cy="801094"/>
-              </a:xfrm>
-              <a:prstGeom prst="rect">
-                <a:avLst/>
-              </a:prstGeom>
-              <a:solidFill>
-                <a:schemeClr val="accent2">
-                  <a:lumMod val="60000"/>
-                  <a:lumOff val="40000"/>
-                  <a:alpha val="30000"/>
-                </a:schemeClr>
-              </a:solidFill>
-              <a:ln>
-                <a:noFill/>
-              </a:ln>
-            </p:spPr>
-            <p:style>
-              <a:lnRef idx="2">
-                <a:schemeClr val="accent1">
-                  <a:shade val="50000"/>
-                </a:schemeClr>
-              </a:lnRef>
-              <a:fillRef idx="1">
-                <a:schemeClr val="accent1"/>
-              </a:fillRef>
-              <a:effectRef idx="0">
-                <a:schemeClr val="accent1"/>
-              </a:effectRef>
-              <a:fontRef idx="minor">
-                <a:schemeClr val="lt1"/>
-              </a:fontRef>
-            </p:style>
-            <p:txBody>
-              <a:bodyPr rtlCol="0" anchor="ctr"/>
-              <a:lstStyle/>
-              <a:p>
-                <a:pPr algn="ctr"/>
-                <a:endParaRPr lang="ko-KR" altLang="en-US"/>
-              </a:p>
-            </p:txBody>
-          </p:sp>
-          <p:pic>
-            <p:nvPicPr>
-              <p:cNvPr id="1031" name="Picture 7"/>
-              <p:cNvPicPr>
-                <a:picLocks noChangeAspect="1" noChangeArrowheads="1"/>
-              </p:cNvPicPr>
-              <p:nvPr/>
-            </p:nvPicPr>
-            <p:blipFill>
-              <a:blip r:embed="rId7">
-                <a:extLst>
-                  <a:ext uri="{28A0092B-C50C-407E-A947-70E740481C1C}">
-                    <a14:useLocalDpi xmlns:a14="http://schemas.microsoft.com/office/drawing/2010/main" val="0"/>
-                  </a:ext>
-                </a:extLst>
-              </a:blip>
-              <a:srcRect/>
-              <a:stretch>
-                <a:fillRect/>
-              </a:stretch>
-            </p:blipFill>
-            <p:spPr bwMode="auto">
-              <a:xfrm>
-                <a:off x="1199790" y="3151213"/>
-                <a:ext cx="5499853" cy="247453"/>
-              </a:xfrm>
-              <a:prstGeom prst="rect">
-                <a:avLst/>
-              </a:prstGeom>
-              <a:noFill/>
-              <a:ln>
-                <a:noFill/>
-              </a:ln>
-              <a:effectLst/>
-              <a:extLst>
-                <a:ext uri="{909E8E84-426E-40DD-AFC4-6F175D3DCCD1}">
-                  <a14:hiddenFill xmlns:a14="http://schemas.microsoft.com/office/drawing/2010/main">
-                    <a:solidFill>
-                      <a:schemeClr val="accent1"/>
-                    </a:solidFill>
-                  </a14:hiddenFill>
-                </a:ext>
-                <a:ext uri="{91240B29-F687-4F45-9708-019B960494DF}">
-                  <a14:hiddenLine xmlns:a14="http://schemas.microsoft.com/office/drawing/2010/main" w="9525">
-                    <a:solidFill>
-                      <a:schemeClr val="tx1"/>
-                    </a:solidFill>
-                    <a:miter lim="800000"/>
-                    <a:headEnd/>
-                    <a:tailEnd/>
-                  </a14:hiddenLine>
-                </a:ext>
-                <a:ext uri="{AF507438-7753-43E0-B8FC-AC1667EBCBE1}">
-                  <a14:hiddenEffects xmlns:a14="http://schemas.microsoft.com/office/drawing/2010/main">
-                    <a:effectLst>
-                      <a:outerShdw dist="35921" dir="2700000" algn="ctr" rotWithShape="0">
-                        <a:schemeClr val="bg2"/>
-                      </a:outerShdw>
-                    </a:effectLst>
-                  </a14:hiddenEffects>
-                </a:ext>
-              </a:extLst>
-            </p:spPr>
-          </p:pic>
-          <p:sp>
-            <p:nvSpPr>
-              <p:cNvPr id="14" name="직사각형 13"/>
-              <p:cNvSpPr/>
-              <p:nvPr/>
-            </p:nvSpPr>
-            <p:spPr>
-              <a:xfrm>
-                <a:off x="1199793" y="3403929"/>
-                <a:ext cx="3121461" cy="38315"/>
-              </a:xfrm>
-              <a:prstGeom prst="rect">
-                <a:avLst/>
-              </a:prstGeom>
-              <a:solidFill>
-                <a:schemeClr val="accent2">
+                <a:schemeClr val="accent5">
                   <a:lumMod val="60000"/>
                   <a:lumOff val="40000"/>
                 </a:schemeClr>
               </a:solidFill>
-              <a:ln>
-                <a:noFill/>
-              </a:ln>
-            </p:spPr>
-            <p:style>
-              <a:lnRef idx="2">
-                <a:schemeClr val="accent1">
-                  <a:shade val="50000"/>
-                </a:schemeClr>
-              </a:lnRef>
-              <a:fillRef idx="1">
-                <a:schemeClr val="accent1"/>
-              </a:fillRef>
-              <a:effectRef idx="0">
-                <a:schemeClr val="accent1"/>
-              </a:effectRef>
-              <a:fontRef idx="minor">
-                <a:schemeClr val="lt1"/>
-              </a:fontRef>
-            </p:style>
-            <p:txBody>
-              <a:bodyPr rtlCol="0" anchor="ctr"/>
-              <a:lstStyle/>
-              <a:p>
-                <a:pPr algn="ctr"/>
-                <a:endParaRPr lang="ko-KR" altLang="en-US"/>
-              </a:p>
-            </p:txBody>
-          </p:sp>
-          <p:sp>
-            <p:nvSpPr>
-              <p:cNvPr id="15" name="직사각형 14"/>
-              <p:cNvSpPr/>
-              <p:nvPr/>
-            </p:nvSpPr>
-            <p:spPr>
-              <a:xfrm>
-                <a:off x="2571224" y="3403928"/>
-                <a:ext cx="4128422" cy="38315"/>
-              </a:xfrm>
-              <a:prstGeom prst="rect">
-                <a:avLst/>
-              </a:prstGeom>
-              <a:solidFill>
-                <a:schemeClr val="accent1">
-                  <a:lumMod val="60000"/>
-                  <a:lumOff val="40000"/>
-                </a:schemeClr>
-              </a:solidFill>
-              <a:ln>
-                <a:noFill/>
-              </a:ln>
-            </p:spPr>
-            <p:style>
-              <a:lnRef idx="2">
-                <a:schemeClr val="accent1">
-                  <a:shade val="50000"/>
-                </a:schemeClr>
-              </a:lnRef>
-              <a:fillRef idx="1">
-                <a:schemeClr val="accent1"/>
-              </a:fillRef>
-              <a:effectRef idx="0">
-                <a:schemeClr val="accent1"/>
-              </a:effectRef>
-              <a:fontRef idx="minor">
-                <a:schemeClr val="lt1"/>
-              </a:fontRef>
-            </p:style>
-            <p:txBody>
-              <a:bodyPr rtlCol="0" anchor="ctr"/>
-              <a:lstStyle/>
-              <a:p>
-                <a:pPr algn="ctr"/>
-                <a:endParaRPr lang="ko-KR" altLang="en-US"/>
-              </a:p>
-            </p:txBody>
-          </p:sp>
-          <p:pic>
-            <p:nvPicPr>
-              <p:cNvPr id="1032" name="Picture 8"/>
-              <p:cNvPicPr>
-                <a:picLocks noChangeAspect="1" noChangeArrowheads="1"/>
-              </p:cNvPicPr>
-              <p:nvPr/>
-            </p:nvPicPr>
-            <p:blipFill>
-              <a:blip r:embed="rId8">
-                <a:extLst>
-                  <a:ext uri="{28A0092B-C50C-407E-A947-70E740481C1C}">
-                    <a14:useLocalDpi xmlns:a14="http://schemas.microsoft.com/office/drawing/2010/main" val="0"/>
-                  </a:ext>
-                </a:extLst>
-              </a:blip>
-              <a:srcRect/>
-              <a:stretch>
-                <a:fillRect/>
-              </a:stretch>
-            </p:blipFill>
-            <p:spPr bwMode="auto">
-              <a:xfrm>
-                <a:off x="1199790" y="3446873"/>
-                <a:ext cx="5499853" cy="247453"/>
-              </a:xfrm>
-              <a:prstGeom prst="rect">
-                <a:avLst/>
-              </a:prstGeom>
-              <a:noFill/>
-              <a:ln>
-                <a:noFill/>
-              </a:ln>
-              <a:effectLst/>
-              <a:extLst>
-                <a:ext uri="{909E8E84-426E-40DD-AFC4-6F175D3DCCD1}">
-                  <a14:hiddenFill xmlns:a14="http://schemas.microsoft.com/office/drawing/2010/main">
-                    <a:solidFill>
-                      <a:schemeClr val="accent1"/>
-                    </a:solidFill>
-                  </a14:hiddenFill>
-                </a:ext>
-                <a:ext uri="{91240B29-F687-4F45-9708-019B960494DF}">
-                  <a14:hiddenLine xmlns:a14="http://schemas.microsoft.com/office/drawing/2010/main" w="9525">
-                    <a:solidFill>
-                      <a:schemeClr val="tx1"/>
-                    </a:solidFill>
-                    <a:miter lim="800000"/>
-                    <a:headEnd/>
-                    <a:tailEnd/>
-                  </a14:hiddenLine>
-                </a:ext>
-                <a:ext uri="{AF507438-7753-43E0-B8FC-AC1667EBCBE1}">
-                  <a14:hiddenEffects xmlns:a14="http://schemas.microsoft.com/office/drawing/2010/main">
-                    <a:effectLst>
-                      <a:outerShdw dist="35921" dir="2700000" algn="ctr" rotWithShape="0">
-                        <a:schemeClr val="bg2"/>
-                      </a:outerShdw>
-                    </a:effectLst>
-                  </a14:hiddenEffects>
-                </a:ext>
-              </a:extLst>
-            </p:spPr>
-          </p:pic>
-          <p:sp>
-            <p:nvSpPr>
-              <p:cNvPr id="17" name="직사각형 16"/>
-              <p:cNvSpPr/>
-              <p:nvPr/>
-            </p:nvSpPr>
-            <p:spPr>
-              <a:xfrm>
-                <a:off x="1199790" y="3701066"/>
-                <a:ext cx="3121461" cy="38315"/>
-              </a:xfrm>
-              <a:prstGeom prst="rect">
-                <a:avLst/>
-              </a:prstGeom>
-              <a:solidFill>
-                <a:schemeClr val="accent2">
-                  <a:lumMod val="60000"/>
-                  <a:lumOff val="40000"/>
-                </a:schemeClr>
-              </a:solidFill>
-              <a:ln>
-                <a:noFill/>
-              </a:ln>
-            </p:spPr>
-            <p:style>
-              <a:lnRef idx="2">
-                <a:schemeClr val="accent1">
-                  <a:shade val="50000"/>
-                </a:schemeClr>
-              </a:lnRef>
-              <a:fillRef idx="1">
-                <a:schemeClr val="accent1"/>
-              </a:fillRef>
-              <a:effectRef idx="0">
-                <a:schemeClr val="accent1"/>
-              </a:effectRef>
-              <a:fontRef idx="minor">
-                <a:schemeClr val="lt1"/>
-              </a:fontRef>
-            </p:style>
-            <p:txBody>
-              <a:bodyPr rtlCol="0" anchor="ctr"/>
-              <a:lstStyle/>
-              <a:p>
-                <a:pPr algn="ctr"/>
-                <a:endParaRPr lang="ko-KR" altLang="en-US"/>
-              </a:p>
-            </p:txBody>
-          </p:sp>
-          <p:sp>
-            <p:nvSpPr>
-              <p:cNvPr id="18" name="직사각형 17"/>
-              <p:cNvSpPr/>
-              <p:nvPr/>
-            </p:nvSpPr>
-            <p:spPr>
-              <a:xfrm>
-                <a:off x="3695885" y="3692533"/>
-                <a:ext cx="3003758" cy="38315"/>
-              </a:xfrm>
-              <a:prstGeom prst="rect">
-                <a:avLst/>
-              </a:prstGeom>
-              <a:solidFill>
-                <a:schemeClr val="accent1">
-                  <a:lumMod val="60000"/>
-                  <a:lumOff val="40000"/>
-                </a:schemeClr>
-              </a:solidFill>
-              <a:ln>
-                <a:noFill/>
-              </a:ln>
-            </p:spPr>
-            <p:style>
-              <a:lnRef idx="2">
-                <a:schemeClr val="accent1">
-                  <a:shade val="50000"/>
-                </a:schemeClr>
-              </a:lnRef>
-              <a:fillRef idx="1">
-                <a:schemeClr val="accent1"/>
-              </a:fillRef>
-              <a:effectRef idx="0">
-                <a:schemeClr val="accent1"/>
-              </a:effectRef>
-              <a:fontRef idx="minor">
-                <a:schemeClr val="lt1"/>
-              </a:fontRef>
-            </p:style>
-            <p:txBody>
-              <a:bodyPr rtlCol="0" anchor="ctr"/>
-              <a:lstStyle/>
-              <a:p>
-                <a:pPr algn="ctr"/>
-                <a:endParaRPr lang="ko-KR" altLang="en-US"/>
-              </a:p>
-            </p:txBody>
-          </p:sp>
-          <p:sp>
-            <p:nvSpPr>
-              <p:cNvPr id="19" name="직사각형 18"/>
-              <p:cNvSpPr/>
-              <p:nvPr/>
-            </p:nvSpPr>
-            <p:spPr>
-              <a:xfrm>
-                <a:off x="1590012" y="3755179"/>
-                <a:ext cx="5109630" cy="630220"/>
-              </a:xfrm>
-              <a:prstGeom prst="rect">
-                <a:avLst/>
-              </a:prstGeom>
-              <a:solidFill>
-                <a:schemeClr val="accent1">
-                  <a:lumMod val="60000"/>
-                  <a:lumOff val="40000"/>
-                  <a:alpha val="30000"/>
-                </a:schemeClr>
-              </a:solidFill>
-              <a:ln>
-                <a:noFill/>
-              </a:ln>
-            </p:spPr>
-            <p:style>
-              <a:lnRef idx="2">
-                <a:schemeClr val="accent1">
-                  <a:shade val="50000"/>
-                </a:schemeClr>
-              </a:lnRef>
-              <a:fillRef idx="1">
-                <a:schemeClr val="accent1"/>
-              </a:fillRef>
-              <a:effectRef idx="0">
-                <a:schemeClr val="accent1"/>
-              </a:effectRef>
-              <a:fontRef idx="minor">
-                <a:schemeClr val="lt1"/>
-              </a:fontRef>
-            </p:style>
-            <p:txBody>
-              <a:bodyPr rtlCol="0" anchor="ctr"/>
-              <a:lstStyle/>
-              <a:p>
-                <a:pPr algn="ctr"/>
-                <a:endParaRPr lang="ko-KR" altLang="en-US"/>
-              </a:p>
-            </p:txBody>
-          </p:sp>
-          <p:pic>
-            <p:nvPicPr>
-              <p:cNvPr id="21" name="Picture 2"/>
-              <p:cNvPicPr>
-                <a:picLocks noChangeAspect="1" noChangeArrowheads="1"/>
-              </p:cNvPicPr>
-              <p:nvPr/>
-            </p:nvPicPr>
-            <p:blipFill>
-              <a:blip r:embed="rId3">
-                <a:extLst>
-                  <a:ext uri="{28A0092B-C50C-407E-A947-70E740481C1C}">
-                    <a14:useLocalDpi xmlns:a14="http://schemas.microsoft.com/office/drawing/2010/main" val="0"/>
-                  </a:ext>
-                </a:extLst>
-              </a:blip>
-              <a:srcRect/>
-              <a:stretch>
-                <a:fillRect/>
-              </a:stretch>
-            </p:blipFill>
-            <p:spPr bwMode="auto">
-              <a:xfrm>
-                <a:off x="1199793" y="4385399"/>
-                <a:ext cx="4992183" cy="801094"/>
-              </a:xfrm>
-              <a:prstGeom prst="rect">
-                <a:avLst/>
-              </a:prstGeom>
-              <a:noFill/>
-              <a:ln w="12700">
-                <a:solidFill>
-                  <a:schemeClr val="tx1"/>
-                </a:solidFill>
-                <a:prstDash val="sysDash"/>
-                <a:miter lim="800000"/>
-                <a:headEnd/>
-                <a:tailEnd/>
-              </a:ln>
-              <a:effectLst/>
-              <a:extLst>
-                <a:ext uri="{909E8E84-426E-40DD-AFC4-6F175D3DCCD1}">
-                  <a14:hiddenFill xmlns:a14="http://schemas.microsoft.com/office/drawing/2010/main">
-                    <a:solidFill>
-                      <a:schemeClr val="accent1"/>
-                    </a:solidFill>
-                  </a14:hiddenFill>
-                </a:ext>
-                <a:ext uri="{AF507438-7753-43E0-B8FC-AC1667EBCBE1}">
-                  <a14:hiddenEffects xmlns:a14="http://schemas.microsoft.com/office/drawing/2010/main">
-                    <a:effectLst>
-                      <a:outerShdw dist="35921" dir="2700000" algn="ctr" rotWithShape="0">
-                        <a:schemeClr val="bg2"/>
-                      </a:outerShdw>
-                    </a:effectLst>
-                  </a14:hiddenEffects>
-                </a:ext>
-              </a:extLst>
-            </p:spPr>
-          </p:pic>
-          <p:sp>
-            <p:nvSpPr>
-              <p:cNvPr id="22" name="직사각형 21"/>
-              <p:cNvSpPr/>
-              <p:nvPr/>
-            </p:nvSpPr>
-            <p:spPr>
-              <a:xfrm>
-                <a:off x="1199793" y="4385399"/>
-                <a:ext cx="4992183" cy="801094"/>
-              </a:xfrm>
-              <a:prstGeom prst="rect">
-                <a:avLst/>
-              </a:prstGeom>
-              <a:solidFill>
-                <a:schemeClr val="accent2">
-                  <a:lumMod val="60000"/>
-                  <a:lumOff val="40000"/>
-                  <a:alpha val="30000"/>
-                </a:schemeClr>
-              </a:solidFill>
-              <a:ln>
-                <a:noFill/>
-              </a:ln>
-            </p:spPr>
-            <p:style>
-              <a:lnRef idx="2">
-                <a:schemeClr val="accent1">
-                  <a:shade val="50000"/>
-                </a:schemeClr>
-              </a:lnRef>
-              <a:fillRef idx="1">
-                <a:schemeClr val="accent1"/>
-              </a:fillRef>
-              <a:effectRef idx="0">
-                <a:schemeClr val="accent1"/>
-              </a:effectRef>
-              <a:fontRef idx="minor">
-                <a:schemeClr val="lt1"/>
-              </a:fontRef>
-            </p:style>
-            <p:txBody>
-              <a:bodyPr rtlCol="0" anchor="ctr"/>
-              <a:lstStyle/>
-              <a:p>
-                <a:pPr algn="ctr"/>
-                <a:endParaRPr lang="ko-KR" altLang="en-US"/>
-              </a:p>
-            </p:txBody>
-          </p:sp>
-          <p:pic>
-            <p:nvPicPr>
-              <p:cNvPr id="1033" name="Picture 9"/>
-              <p:cNvPicPr>
-                <a:picLocks noChangeAspect="1" noChangeArrowheads="1"/>
-              </p:cNvPicPr>
-              <p:nvPr/>
-            </p:nvPicPr>
-            <p:blipFill>
-              <a:blip r:embed="rId9">
-                <a:extLst>
-                  <a:ext uri="{28A0092B-C50C-407E-A947-70E740481C1C}">
-                    <a14:useLocalDpi xmlns:a14="http://schemas.microsoft.com/office/drawing/2010/main" val="0"/>
-                  </a:ext>
-                </a:extLst>
-              </a:blip>
-              <a:srcRect/>
-              <a:stretch>
-                <a:fillRect/>
-              </a:stretch>
-            </p:blipFill>
-            <p:spPr bwMode="auto">
-              <a:xfrm>
-                <a:off x="1160730" y="5197762"/>
-                <a:ext cx="5634705" cy="1543607"/>
-              </a:xfrm>
-              <a:prstGeom prst="rect">
-                <a:avLst/>
-              </a:prstGeom>
-              <a:noFill/>
-              <a:ln>
-                <a:noFill/>
-              </a:ln>
-              <a:effectLst/>
-              <a:extLst>
-                <a:ext uri="{909E8E84-426E-40DD-AFC4-6F175D3DCCD1}">
-                  <a14:hiddenFill xmlns:a14="http://schemas.microsoft.com/office/drawing/2010/main">
-                    <a:solidFill>
-                      <a:schemeClr val="accent1"/>
-                    </a:solidFill>
-                  </a14:hiddenFill>
-                </a:ext>
-                <a:ext uri="{91240B29-F687-4F45-9708-019B960494DF}">
-                  <a14:hiddenLine xmlns:a14="http://schemas.microsoft.com/office/drawing/2010/main" w="9525">
-                    <a:solidFill>
-                      <a:schemeClr val="tx1"/>
-                    </a:solidFill>
-                    <a:miter lim="800000"/>
-                    <a:headEnd/>
-                    <a:tailEnd/>
-                  </a14:hiddenLine>
-                </a:ext>
-                <a:ext uri="{AF507438-7753-43E0-B8FC-AC1667EBCBE1}">
-                  <a14:hiddenEffects xmlns:a14="http://schemas.microsoft.com/office/drawing/2010/main">
-                    <a:effectLst>
-                      <a:outerShdw dist="35921" dir="2700000" algn="ctr" rotWithShape="0">
-                        <a:schemeClr val="bg2"/>
-                      </a:outerShdw>
-                    </a:effectLst>
-                  </a14:hiddenEffects>
-                </a:ext>
-              </a:extLst>
-            </p:spPr>
-          </p:pic>
-          <p:sp>
-            <p:nvSpPr>
-              <p:cNvPr id="8" name="타원 7"/>
-              <p:cNvSpPr/>
-              <p:nvPr/>
-            </p:nvSpPr>
-            <p:spPr>
-              <a:xfrm>
-                <a:off x="6444208" y="1460171"/>
-                <a:ext cx="144016" cy="167695"/>
-              </a:xfrm>
-              <a:prstGeom prst="ellipse">
-                <a:avLst/>
-              </a:prstGeom>
-              <a:solidFill>
-                <a:srgbClr val="92D050"/>
-              </a:solidFill>
-              <a:ln w="3175">
-                <a:solidFill>
-                  <a:srgbClr val="92D050"/>
-                </a:solidFill>
-              </a:ln>
-            </p:spPr>
-            <p:style>
-              <a:lnRef idx="2">
-                <a:schemeClr val="accent1">
-                  <a:shade val="50000"/>
-                </a:schemeClr>
-              </a:lnRef>
-              <a:fillRef idx="1">
-                <a:schemeClr val="accent1"/>
-              </a:fillRef>
-              <a:effectRef idx="0">
-                <a:schemeClr val="accent1"/>
-              </a:effectRef>
-              <a:fontRef idx="minor">
-                <a:schemeClr val="lt1"/>
-              </a:fontRef>
-            </p:style>
-            <p:txBody>
-              <a:bodyPr rtlCol="0" anchor="ctr"/>
-              <a:lstStyle/>
-              <a:p>
-                <a:pPr algn="ctr"/>
-                <a:endParaRPr lang="ko-KR" altLang="en-US"/>
-              </a:p>
-            </p:txBody>
-          </p:sp>
-          <p:sp>
-            <p:nvSpPr>
-              <p:cNvPr id="26" name="타원 25"/>
-              <p:cNvSpPr/>
-              <p:nvPr/>
-            </p:nvSpPr>
-            <p:spPr>
-              <a:xfrm>
-                <a:off x="6452592" y="3486751"/>
-                <a:ext cx="144016" cy="167695"/>
-              </a:xfrm>
-              <a:prstGeom prst="ellipse">
-                <a:avLst/>
-              </a:prstGeom>
-              <a:solidFill>
-                <a:srgbClr val="92D050"/>
-              </a:solidFill>
-              <a:ln w="3175">
-                <a:solidFill>
-                  <a:srgbClr val="92D050"/>
-                </a:solidFill>
-              </a:ln>
-            </p:spPr>
-            <p:style>
-              <a:lnRef idx="2">
-                <a:schemeClr val="accent1">
-                  <a:shade val="50000"/>
-                </a:schemeClr>
-              </a:lnRef>
-              <a:fillRef idx="1">
-                <a:schemeClr val="accent1"/>
-              </a:fillRef>
-              <a:effectRef idx="0">
-                <a:schemeClr val="accent1"/>
-              </a:effectRef>
-              <a:fontRef idx="minor">
-                <a:schemeClr val="lt1"/>
-              </a:fontRef>
-            </p:style>
-            <p:txBody>
-              <a:bodyPr rtlCol="0" anchor="ctr"/>
-              <a:lstStyle/>
-              <a:p>
-                <a:pPr algn="ctr"/>
-                <a:endParaRPr lang="ko-KR" altLang="en-US"/>
-              </a:p>
-            </p:txBody>
-          </p:sp>
-          <p:sp>
-            <p:nvSpPr>
-              <p:cNvPr id="27" name="타원 26"/>
-              <p:cNvSpPr/>
-              <p:nvPr/>
-            </p:nvSpPr>
-            <p:spPr>
-              <a:xfrm>
-                <a:off x="6455368" y="3192663"/>
-                <a:ext cx="144016" cy="167695"/>
-              </a:xfrm>
-              <a:prstGeom prst="ellipse">
-                <a:avLst/>
-              </a:prstGeom>
-              <a:solidFill>
-                <a:schemeClr val="accent2">
-                  <a:lumMod val="60000"/>
-                  <a:lumOff val="40000"/>
-                </a:schemeClr>
-              </a:solidFill>
-              <a:ln w="3175">
-                <a:solidFill>
-                  <a:schemeClr val="accent2">
-                    <a:lumMod val="60000"/>
-                    <a:lumOff val="40000"/>
-                  </a:schemeClr>
-                </a:solidFill>
-              </a:ln>
-            </p:spPr>
-            <p:style>
-              <a:lnRef idx="2">
-                <a:schemeClr val="accent1">
-                  <a:shade val="50000"/>
-                </a:schemeClr>
-              </a:lnRef>
-              <a:fillRef idx="1">
-                <a:schemeClr val="accent1"/>
-              </a:fillRef>
-              <a:effectRef idx="0">
-                <a:schemeClr val="accent1"/>
-              </a:effectRef>
-              <a:fontRef idx="minor">
-                <a:schemeClr val="lt1"/>
-              </a:fontRef>
-            </p:style>
-            <p:txBody>
-              <a:bodyPr rtlCol="0" anchor="ctr"/>
-              <a:lstStyle/>
-              <a:p>
-                <a:pPr algn="ctr"/>
-                <a:endParaRPr lang="ko-KR" altLang="en-US"/>
-              </a:p>
-            </p:txBody>
-          </p:sp>
-          <p:sp>
-            <p:nvSpPr>
-              <p:cNvPr id="28" name="타원 27"/>
-              <p:cNvSpPr/>
-              <p:nvPr/>
-            </p:nvSpPr>
-            <p:spPr>
-              <a:xfrm>
-                <a:off x="6481137" y="5201156"/>
-                <a:ext cx="118247" cy="118800"/>
-              </a:xfrm>
-              <a:prstGeom prst="ellipse">
-                <a:avLst/>
-              </a:prstGeom>
-              <a:solidFill>
-                <a:srgbClr val="92D050"/>
-              </a:solidFill>
-              <a:ln w="3175">
-                <a:solidFill>
-                  <a:srgbClr val="92D050"/>
-                </a:solidFill>
-              </a:ln>
-            </p:spPr>
-            <p:style>
-              <a:lnRef idx="2">
-                <a:schemeClr val="accent1">
-                  <a:shade val="50000"/>
-                </a:schemeClr>
-              </a:lnRef>
-              <a:fillRef idx="1">
-                <a:schemeClr val="accent1"/>
-              </a:fillRef>
-              <a:effectRef idx="0">
-                <a:schemeClr val="accent1"/>
-              </a:effectRef>
-              <a:fontRef idx="minor">
-                <a:schemeClr val="lt1"/>
-              </a:fontRef>
-            </p:style>
-            <p:txBody>
-              <a:bodyPr rtlCol="0" anchor="ctr"/>
-              <a:lstStyle/>
-              <a:p>
-                <a:pPr algn="ctr"/>
-                <a:endParaRPr lang="ko-KR" altLang="en-US"/>
-              </a:p>
-            </p:txBody>
-          </p:sp>
-        </p:grpSp>
-        <p:pic>
-          <p:nvPicPr>
-            <p:cNvPr id="34" name="Picture 10" descr="C:\Users\Administrator\Downloads\MC900441321.PNG"/>
-            <p:cNvPicPr>
-              <a:picLocks noChangeAspect="1" noChangeArrowheads="1"/>
-            </p:cNvPicPr>
-            <p:nvPr/>
-          </p:nvPicPr>
-          <p:blipFill>
-            <a:blip r:embed="rId10" cstate="print">
-              <a:extLst>
-                <a:ext uri="{28A0092B-C50C-407E-A947-70E740481C1C}">
-                  <a14:useLocalDpi xmlns:a14="http://schemas.microsoft.com/office/drawing/2010/main" val="0"/>
-                </a:ext>
-              </a:extLst>
-            </a:blip>
-            <a:srcRect/>
-            <a:stretch>
-              <a:fillRect/>
-            </a:stretch>
-          </p:blipFill>
-          <p:spPr bwMode="auto">
-            <a:xfrm>
-              <a:off x="5655368" y="2322972"/>
-              <a:ext cx="180000" cy="180000"/>
-            </a:xfrm>
-            <a:prstGeom prst="rect">
-              <a:avLst/>
-            </a:prstGeom>
-            <a:noFill/>
-            <a:extLst>
-              <a:ext uri="{909E8E84-426E-40DD-AFC4-6F175D3DCCD1}">
-                <a14:hiddenFill xmlns:a14="http://schemas.microsoft.com/office/drawing/2010/main">
-                  <a:solidFill>
-                    <a:srgbClr val="FFFFFF"/>
-                  </a:solidFill>
-                </a14:hiddenFill>
-              </a:ext>
-            </a:extLst>
-          </p:spPr>
-        </p:pic>
-        <p:pic>
-          <p:nvPicPr>
-            <p:cNvPr id="35" name="Picture 11" descr="C:\Users\Administrator\Downloads\MC900441322.PNG"/>
-            <p:cNvPicPr>
-              <a:picLocks noChangeAspect="1" noChangeArrowheads="1"/>
-            </p:cNvPicPr>
-            <p:nvPr/>
-          </p:nvPicPr>
-          <p:blipFill>
-            <a:blip r:embed="rId11" cstate="print">
-              <a:extLst>
-                <a:ext uri="{28A0092B-C50C-407E-A947-70E740481C1C}">
-                  <a14:useLocalDpi xmlns:a14="http://schemas.microsoft.com/office/drawing/2010/main" val="0"/>
-                </a:ext>
-              </a:extLst>
-            </a:blip>
-            <a:srcRect/>
-            <a:stretch>
-              <a:fillRect/>
-            </a:stretch>
-          </p:blipFill>
-          <p:spPr bwMode="auto">
-            <a:xfrm>
-              <a:off x="5426220" y="2291030"/>
-              <a:ext cx="180000" cy="180000"/>
-            </a:xfrm>
-            <a:prstGeom prst="rect">
-              <a:avLst/>
-            </a:prstGeom>
-            <a:noFill/>
-            <a:extLst>
-              <a:ext uri="{909E8E84-426E-40DD-AFC4-6F175D3DCCD1}">
-                <a14:hiddenFill xmlns:a14="http://schemas.microsoft.com/office/drawing/2010/main">
-                  <a:solidFill>
-                    <a:srgbClr val="FFFFFF"/>
-                  </a:solidFill>
-                </a14:hiddenFill>
-              </a:ext>
-            </a:extLst>
-          </p:spPr>
-        </p:pic>
-        <p:pic>
-          <p:nvPicPr>
-            <p:cNvPr id="1037" name="Picture 13" descr="http://www.hewlett.org/uploads/images/facebook-icon.png"/>
-            <p:cNvPicPr>
-              <a:picLocks noChangeAspect="1" noChangeArrowheads="1"/>
-            </p:cNvPicPr>
-            <p:nvPr/>
-          </p:nvPicPr>
-          <p:blipFill>
-            <a:blip r:embed="rId12" cstate="print">
-              <a:extLst>
-                <a:ext uri="{28A0092B-C50C-407E-A947-70E740481C1C}">
-                  <a14:useLocalDpi xmlns:a14="http://schemas.microsoft.com/office/drawing/2010/main" val="0"/>
-                </a:ext>
-              </a:extLst>
-            </a:blip>
-            <a:srcRect/>
-            <a:stretch>
-              <a:fillRect/>
-            </a:stretch>
-          </p:blipFill>
-          <p:spPr bwMode="auto">
-            <a:xfrm>
-              <a:off x="5920535" y="2296846"/>
-              <a:ext cx="180000" cy="180000"/>
-            </a:xfrm>
-            <a:prstGeom prst="rect">
-              <a:avLst/>
-            </a:prstGeom>
-            <a:noFill/>
-            <a:extLst>
-              <a:ext uri="{909E8E84-426E-40DD-AFC4-6F175D3DCCD1}">
-                <a14:hiddenFill xmlns:a14="http://schemas.microsoft.com/office/drawing/2010/main">
-                  <a:solidFill>
-                    <a:srgbClr val="FFFFFF"/>
-                  </a:solidFill>
-                </a14:hiddenFill>
-              </a:ext>
-            </a:extLst>
-          </p:spPr>
-        </p:pic>
-        <p:pic>
-          <p:nvPicPr>
-            <p:cNvPr id="37" name="Picture 13" descr="http://www.hewlett.org/uploads/images/facebook-icon.png"/>
-            <p:cNvPicPr>
-              <a:picLocks noChangeAspect="1" noChangeArrowheads="1"/>
-            </p:cNvPicPr>
-            <p:nvPr/>
-          </p:nvPicPr>
-          <p:blipFill>
-            <a:blip r:embed="rId12" cstate="print">
-              <a:extLst>
-                <a:ext uri="{28A0092B-C50C-407E-A947-70E740481C1C}">
-                  <a14:useLocalDpi xmlns:a14="http://schemas.microsoft.com/office/drawing/2010/main" val="0"/>
-                </a:ext>
-              </a:extLst>
-            </a:blip>
-            <a:srcRect/>
-            <a:stretch>
-              <a:fillRect/>
-            </a:stretch>
-          </p:blipFill>
-          <p:spPr bwMode="auto">
-            <a:xfrm>
-              <a:off x="6347376" y="1124744"/>
-              <a:ext cx="180000" cy="180000"/>
-            </a:xfrm>
-            <a:prstGeom prst="rect">
-              <a:avLst/>
-            </a:prstGeom>
-            <a:noFill/>
-            <a:extLst>
-              <a:ext uri="{909E8E84-426E-40DD-AFC4-6F175D3DCCD1}">
-                <a14:hiddenFill xmlns:a14="http://schemas.microsoft.com/office/drawing/2010/main">
-                  <a:solidFill>
-                    <a:srgbClr val="FFFFFF"/>
-                  </a:solidFill>
-                </a14:hiddenFill>
-              </a:ext>
-            </a:extLst>
-          </p:spPr>
-        </p:pic>
-      </p:grpSp>
+            </a:endParaRPr>
+          </a:p>
+        </p:txBody>
+      </p:sp>
     </p:spTree>
     <p:extLst>
       <p:ext uri="{BB962C8B-B14F-4D97-AF65-F5344CB8AC3E}">
-        <p14:creationId xmlns:p14="http://schemas.microsoft.com/office/powerpoint/2010/main" val="3325073209"/>
+        <p14:creationId xmlns:p14="http://schemas.microsoft.com/office/powerpoint/2010/main" val="1346826856"/>
       </p:ext>
     </p:extLst>
   </p:cSld>

--- a/document/debate_page_design.pptx
+++ b/document/debate_page_design.pptx
@@ -289,7 +289,7 @@
           <a:p>
             <a:fld id="{C8202C91-B01C-406A-92F0-F94596568B43}" type="datetimeFigureOut">
               <a:rPr lang="ko-KR" altLang="en-US" smtClean="0"/>
-              <a:t>2012-11-01</a:t>
+              <a:t>2012-11-02</a:t>
             </a:fld>
             <a:endParaRPr lang="ko-KR" altLang="en-US"/>
           </a:p>
@@ -459,7 +459,7 @@
           <a:p>
             <a:fld id="{C8202C91-B01C-406A-92F0-F94596568B43}" type="datetimeFigureOut">
               <a:rPr lang="ko-KR" altLang="en-US" smtClean="0"/>
-              <a:t>2012-11-01</a:t>
+              <a:t>2012-11-02</a:t>
             </a:fld>
             <a:endParaRPr lang="ko-KR" altLang="en-US"/>
           </a:p>
@@ -639,7 +639,7 @@
           <a:p>
             <a:fld id="{C8202C91-B01C-406A-92F0-F94596568B43}" type="datetimeFigureOut">
               <a:rPr lang="ko-KR" altLang="en-US" smtClean="0"/>
-              <a:t>2012-11-01</a:t>
+              <a:t>2012-11-02</a:t>
             </a:fld>
             <a:endParaRPr lang="ko-KR" altLang="en-US"/>
           </a:p>
@@ -809,7 +809,7 @@
           <a:p>
             <a:fld id="{C8202C91-B01C-406A-92F0-F94596568B43}" type="datetimeFigureOut">
               <a:rPr lang="ko-KR" altLang="en-US" smtClean="0"/>
-              <a:t>2012-11-01</a:t>
+              <a:t>2012-11-02</a:t>
             </a:fld>
             <a:endParaRPr lang="ko-KR" altLang="en-US"/>
           </a:p>
@@ -1055,7 +1055,7 @@
           <a:p>
             <a:fld id="{C8202C91-B01C-406A-92F0-F94596568B43}" type="datetimeFigureOut">
               <a:rPr lang="ko-KR" altLang="en-US" smtClean="0"/>
-              <a:t>2012-11-01</a:t>
+              <a:t>2012-11-02</a:t>
             </a:fld>
             <a:endParaRPr lang="ko-KR" altLang="en-US"/>
           </a:p>
@@ -1343,7 +1343,7 @@
           <a:p>
             <a:fld id="{C8202C91-B01C-406A-92F0-F94596568B43}" type="datetimeFigureOut">
               <a:rPr lang="ko-KR" altLang="en-US" smtClean="0"/>
-              <a:t>2012-11-01</a:t>
+              <a:t>2012-11-02</a:t>
             </a:fld>
             <a:endParaRPr lang="ko-KR" altLang="en-US"/>
           </a:p>
@@ -1765,7 +1765,7 @@
           <a:p>
             <a:fld id="{C8202C91-B01C-406A-92F0-F94596568B43}" type="datetimeFigureOut">
               <a:rPr lang="ko-KR" altLang="en-US" smtClean="0"/>
-              <a:t>2012-11-01</a:t>
+              <a:t>2012-11-02</a:t>
             </a:fld>
             <a:endParaRPr lang="ko-KR" altLang="en-US"/>
           </a:p>
@@ -1883,7 +1883,7 @@
           <a:p>
             <a:fld id="{C8202C91-B01C-406A-92F0-F94596568B43}" type="datetimeFigureOut">
               <a:rPr lang="ko-KR" altLang="en-US" smtClean="0"/>
-              <a:t>2012-11-01</a:t>
+              <a:t>2012-11-02</a:t>
             </a:fld>
             <a:endParaRPr lang="ko-KR" altLang="en-US"/>
           </a:p>
@@ -1978,7 +1978,7 @@
           <a:p>
             <a:fld id="{C8202C91-B01C-406A-92F0-F94596568B43}" type="datetimeFigureOut">
               <a:rPr lang="ko-KR" altLang="en-US" smtClean="0"/>
-              <a:t>2012-11-01</a:t>
+              <a:t>2012-11-02</a:t>
             </a:fld>
             <a:endParaRPr lang="ko-KR" altLang="en-US"/>
           </a:p>
@@ -2255,7 +2255,7 @@
           <a:p>
             <a:fld id="{C8202C91-B01C-406A-92F0-F94596568B43}" type="datetimeFigureOut">
               <a:rPr lang="ko-KR" altLang="en-US" smtClean="0"/>
-              <a:t>2012-11-01</a:t>
+              <a:t>2012-11-02</a:t>
             </a:fld>
             <a:endParaRPr lang="ko-KR" altLang="en-US"/>
           </a:p>
@@ -2508,7 +2508,7 @@
           <a:p>
             <a:fld id="{C8202C91-B01C-406A-92F0-F94596568B43}" type="datetimeFigureOut">
               <a:rPr lang="ko-KR" altLang="en-US" smtClean="0"/>
-              <a:t>2012-11-01</a:t>
+              <a:t>2012-11-02</a:t>
             </a:fld>
             <a:endParaRPr lang="ko-KR" altLang="en-US"/>
           </a:p>
@@ -2721,7 +2721,7 @@
           <a:p>
             <a:fld id="{C8202C91-B01C-406A-92F0-F94596568B43}" type="datetimeFigureOut">
               <a:rPr lang="ko-KR" altLang="en-US" smtClean="0"/>
-              <a:t>2012-11-01</a:t>
+              <a:t>2012-11-02</a:t>
             </a:fld>
             <a:endParaRPr lang="ko-KR" altLang="en-US"/>
           </a:p>
@@ -3224,55 +3224,6 @@
           </a:extLst>
         </p:spPr>
       </p:pic>
-      <p:sp>
-        <p:nvSpPr>
-          <p:cNvPr id="4" name="직사각형 3"/>
-          <p:cNvSpPr/>
-          <p:nvPr/>
-        </p:nvSpPr>
-        <p:spPr>
-          <a:xfrm>
-            <a:off x="1187453" y="2488739"/>
-            <a:ext cx="2059973" cy="45719"/>
-          </a:xfrm>
-          <a:prstGeom prst="rect">
-            <a:avLst/>
-          </a:prstGeom>
-          <a:solidFill>
-            <a:schemeClr val="accent2">
-              <a:lumMod val="60000"/>
-              <a:lumOff val="40000"/>
-            </a:schemeClr>
-          </a:solidFill>
-          <a:ln>
-            <a:noFill/>
-          </a:ln>
-        </p:spPr>
-        <p:style>
-          <a:lnRef idx="2">
-            <a:schemeClr val="accent1">
-              <a:shade val="50000"/>
-            </a:schemeClr>
-          </a:lnRef>
-          <a:fillRef idx="1">
-            <a:schemeClr val="accent1"/>
-          </a:fillRef>
-          <a:effectRef idx="0">
-            <a:schemeClr val="accent1"/>
-          </a:effectRef>
-          <a:fontRef idx="minor">
-            <a:schemeClr val="lt1"/>
-          </a:fontRef>
-        </p:style>
-        <p:txBody>
-          <a:bodyPr rtlCol="0" anchor="ctr"/>
-          <a:lstStyle/>
-          <a:p>
-            <a:pPr algn="ctr"/>
-            <a:endParaRPr lang="ko-KR" altLang="en-US"/>
-          </a:p>
-        </p:txBody>
-      </p:sp>
       <p:pic>
         <p:nvPicPr>
           <p:cNvPr id="1033" name="Picture 9"/>
@@ -3496,7 +3447,7 @@
           <p:nvPr>
             <p:extLst>
               <p:ext uri="{D42A27DB-BD31-4B8C-83A1-F6EECF244321}">
-                <p14:modId xmlns:p14="http://schemas.microsoft.com/office/powerpoint/2010/main" val="3198815357"/>
+                <p14:modId xmlns:p14="http://schemas.microsoft.com/office/powerpoint/2010/main" val="1708192770"/>
               </p:ext>
             </p:extLst>
           </p:nvPr>
@@ -3509,10 +3460,7 @@
           <a:graphicData uri="http://schemas.openxmlformats.org/drawingml/2006/table">
             <a:tbl>
               <a:tblPr>
-                <a:solidFill>
-                  <a:srgbClr val="FFFF99"/>
-                </a:solidFill>
-                <a:tableStyleId>{5C22544A-7EE6-4342-B048-85BDC9FD1C3A}</a:tableStyleId>
+                <a:tableStyleId>{F5AB1C69-6EDB-4FF4-983F-18BD219EF322}</a:tableStyleId>
               </a:tblPr>
               <a:tblGrid>
                 <a:gridCol w="2215473"/>
@@ -3525,26 +3473,18 @@
                     <a:p>
                       <a:pPr latinLnBrk="1"/>
                       <a:r>
-                        <a:rPr lang="ko-KR" altLang="en-US" sz="1200" b="0" dirty="0" smtClean="0">
+                        <a:rPr lang="ko-KR" altLang="en-US" sz="1200" dirty="0" smtClean="0">
                           <a:ln>
                             <a:noFill/>
                           </a:ln>
-                          <a:solidFill>
-                            <a:schemeClr val="tx1"/>
-                          </a:solidFill>
-                          <a:latin typeface="+mn-lt"/>
                         </a:rPr>
                         <a:t>미남형 이신가</a:t>
                       </a:r>
                       <a:r>
-                        <a:rPr lang="en-US" altLang="ko-KR" sz="1200" b="0" dirty="0" smtClean="0">
+                        <a:rPr lang="en-US" altLang="ko-KR" sz="1200" dirty="0" smtClean="0">
                           <a:ln>
                             <a:noFill/>
                           </a:ln>
-                          <a:solidFill>
-                            <a:schemeClr val="tx1"/>
-                          </a:solidFill>
-                          <a:latin typeface="+mn-lt"/>
                         </a:rPr>
                         <a:t>?</a:t>
                       </a:r>
@@ -3559,45 +3499,7 @@
                       </a:endParaRPr>
                     </a:p>
                   </a:txBody>
-                  <a:tcPr>
-                    <a:lnL w="12700" cap="flat" cmpd="sng" algn="ctr">
-                      <a:solidFill>
-                        <a:srgbClr val="00B050"/>
-                      </a:solidFill>
-                      <a:prstDash val="solid"/>
-                      <a:round/>
-                      <a:headEnd type="none" w="med" len="med"/>
-                      <a:tailEnd type="none" w="med" len="med"/>
-                    </a:lnL>
-                    <a:lnR w="12700" cap="flat" cmpd="sng" algn="ctr">
-                      <a:solidFill>
-                        <a:srgbClr val="00B050"/>
-                      </a:solidFill>
-                      <a:prstDash val="solid"/>
-                      <a:round/>
-                      <a:headEnd type="none" w="med" len="med"/>
-                      <a:tailEnd type="none" w="med" len="med"/>
-                    </a:lnR>
-                    <a:lnT w="12700" cap="flat" cmpd="sng" algn="ctr">
-                      <a:solidFill>
-                        <a:srgbClr val="00B050"/>
-                      </a:solidFill>
-                      <a:prstDash val="solid"/>
-                      <a:round/>
-                      <a:headEnd type="none" w="med" len="med"/>
-                      <a:tailEnd type="none" w="med" len="med"/>
-                    </a:lnT>
-                    <a:lnB w="12700" cap="flat" cmpd="sng" algn="ctr">
-                      <a:noFill/>
-                      <a:prstDash val="solid"/>
-                      <a:round/>
-                      <a:headEnd type="none" w="med" len="med"/>
-                      <a:tailEnd type="none" w="med" len="med"/>
-                    </a:lnB>
-                    <a:solidFill>
-                      <a:srgbClr val="FFFFCC"/>
-                    </a:solidFill>
-                  </a:tcPr>
+                  <a:tcPr/>
                 </a:tc>
               </a:tr>
               <a:tr h="373340">
@@ -3618,43 +3520,7 @@
                       <a:endParaRPr lang="ko-KR" altLang="en-US" sz="1200" dirty="0"/>
                     </a:p>
                   </a:txBody>
-                  <a:tcPr>
-                    <a:lnL w="12700" cap="flat" cmpd="sng" algn="ctr">
-                      <a:solidFill>
-                        <a:srgbClr val="00B050"/>
-                      </a:solidFill>
-                      <a:prstDash val="solid"/>
-                      <a:round/>
-                      <a:headEnd type="none" w="med" len="med"/>
-                      <a:tailEnd type="none" w="med" len="med"/>
-                    </a:lnL>
-                    <a:lnR w="12700" cap="flat" cmpd="sng" algn="ctr">
-                      <a:solidFill>
-                        <a:srgbClr val="00B050"/>
-                      </a:solidFill>
-                      <a:prstDash val="solid"/>
-                      <a:round/>
-                      <a:headEnd type="none" w="med" len="med"/>
-                      <a:tailEnd type="none" w="med" len="med"/>
-                    </a:lnR>
-                    <a:lnT w="12700" cap="flat" cmpd="sng" algn="ctr">
-                      <a:noFill/>
-                      <a:prstDash val="solid"/>
-                      <a:round/>
-                      <a:headEnd type="none" w="med" len="med"/>
-                      <a:tailEnd type="none" w="med" len="med"/>
-                    </a:lnT>
-                    <a:lnB w="12700" cap="flat" cmpd="sng" algn="ctr">
-                      <a:noFill/>
-                      <a:prstDash val="solid"/>
-                      <a:round/>
-                      <a:headEnd type="none" w="med" len="med"/>
-                      <a:tailEnd type="none" w="med" len="med"/>
-                    </a:lnB>
-                    <a:solidFill>
-                      <a:srgbClr val="FFFFCC"/>
-                    </a:solidFill>
-                  </a:tcPr>
+                  <a:tcPr/>
                 </a:tc>
               </a:tr>
               <a:tr h="373340">
@@ -3667,43 +3533,7 @@
                       <a:endParaRPr lang="ko-KR" altLang="en-US" dirty="0"/>
                     </a:p>
                   </a:txBody>
-                  <a:tcPr>
-                    <a:lnL w="12700" cap="flat" cmpd="sng" algn="ctr">
-                      <a:solidFill>
-                        <a:srgbClr val="00B050"/>
-                      </a:solidFill>
-                      <a:prstDash val="solid"/>
-                      <a:round/>
-                      <a:headEnd type="none" w="med" len="med"/>
-                      <a:tailEnd type="none" w="med" len="med"/>
-                    </a:lnL>
-                    <a:lnR w="12700" cap="flat" cmpd="sng" algn="ctr">
-                      <a:solidFill>
-                        <a:srgbClr val="00B050"/>
-                      </a:solidFill>
-                      <a:prstDash val="solid"/>
-                      <a:round/>
-                      <a:headEnd type="none" w="med" len="med"/>
-                      <a:tailEnd type="none" w="med" len="med"/>
-                    </a:lnR>
-                    <a:lnT w="12700" cap="flat" cmpd="sng" algn="ctr">
-                      <a:noFill/>
-                      <a:prstDash val="solid"/>
-                      <a:round/>
-                      <a:headEnd type="none" w="med" len="med"/>
-                      <a:tailEnd type="none" w="med" len="med"/>
-                    </a:lnT>
-                    <a:lnB w="12700" cap="flat" cmpd="sng" algn="ctr">
-                      <a:noFill/>
-                      <a:prstDash val="solid"/>
-                      <a:round/>
-                      <a:headEnd type="none" w="med" len="med"/>
-                      <a:tailEnd type="none" w="med" len="med"/>
-                    </a:lnB>
-                    <a:solidFill>
-                      <a:srgbClr val="FFFFCC"/>
-                    </a:solidFill>
-                  </a:tcPr>
+                  <a:tcPr/>
                 </a:tc>
               </a:tr>
               <a:tr h="373340">
@@ -3716,43 +3546,7 @@
                       <a:endParaRPr lang="ko-KR" altLang="en-US" dirty="0"/>
                     </a:p>
                   </a:txBody>
-                  <a:tcPr>
-                    <a:lnL w="12700" cap="flat" cmpd="sng" algn="ctr">
-                      <a:solidFill>
-                        <a:srgbClr val="00B050"/>
-                      </a:solidFill>
-                      <a:prstDash val="solid"/>
-                      <a:round/>
-                      <a:headEnd type="none" w="med" len="med"/>
-                      <a:tailEnd type="none" w="med" len="med"/>
-                    </a:lnL>
-                    <a:lnR w="12700" cap="flat" cmpd="sng" algn="ctr">
-                      <a:solidFill>
-                        <a:srgbClr val="00B050"/>
-                      </a:solidFill>
-                      <a:prstDash val="solid"/>
-                      <a:round/>
-                      <a:headEnd type="none" w="med" len="med"/>
-                      <a:tailEnd type="none" w="med" len="med"/>
-                    </a:lnR>
-                    <a:lnT w="12700" cap="flat" cmpd="sng" algn="ctr">
-                      <a:noFill/>
-                      <a:prstDash val="solid"/>
-                      <a:round/>
-                      <a:headEnd type="none" w="med" len="med"/>
-                      <a:tailEnd type="none" w="med" len="med"/>
-                    </a:lnT>
-                    <a:lnB w="12700" cap="flat" cmpd="sng" algn="ctr">
-                      <a:noFill/>
-                      <a:prstDash val="solid"/>
-                      <a:round/>
-                      <a:headEnd type="none" w="med" len="med"/>
-                      <a:tailEnd type="none" w="med" len="med"/>
-                    </a:lnB>
-                    <a:solidFill>
-                      <a:srgbClr val="FFFFCC"/>
-                    </a:solidFill>
-                  </a:tcPr>
+                  <a:tcPr/>
                 </a:tc>
               </a:tr>
               <a:tr h="373340">
@@ -3765,43 +3559,7 @@
                       <a:endParaRPr lang="ko-KR" altLang="en-US" dirty="0"/>
                     </a:p>
                   </a:txBody>
-                  <a:tcPr>
-                    <a:lnL w="12700" cap="flat" cmpd="sng" algn="ctr">
-                      <a:solidFill>
-                        <a:srgbClr val="00B050"/>
-                      </a:solidFill>
-                      <a:prstDash val="solid"/>
-                      <a:round/>
-                      <a:headEnd type="none" w="med" len="med"/>
-                      <a:tailEnd type="none" w="med" len="med"/>
-                    </a:lnL>
-                    <a:lnR w="12700" cap="flat" cmpd="sng" algn="ctr">
-                      <a:solidFill>
-                        <a:srgbClr val="00B050"/>
-                      </a:solidFill>
-                      <a:prstDash val="solid"/>
-                      <a:round/>
-                      <a:headEnd type="none" w="med" len="med"/>
-                      <a:tailEnd type="none" w="med" len="med"/>
-                    </a:lnR>
-                    <a:lnT w="12700" cap="flat" cmpd="sng" algn="ctr">
-                      <a:noFill/>
-                      <a:prstDash val="solid"/>
-                      <a:round/>
-                      <a:headEnd type="none" w="med" len="med"/>
-                      <a:tailEnd type="none" w="med" len="med"/>
-                    </a:lnT>
-                    <a:lnB w="12700" cap="flat" cmpd="sng" algn="ctr">
-                      <a:noFill/>
-                      <a:prstDash val="solid"/>
-                      <a:round/>
-                      <a:headEnd type="none" w="med" len="med"/>
-                      <a:tailEnd type="none" w="med" len="med"/>
-                    </a:lnB>
-                    <a:solidFill>
-                      <a:srgbClr val="FFFFCC"/>
-                    </a:solidFill>
-                  </a:tcPr>
+                  <a:tcPr/>
                 </a:tc>
               </a:tr>
               <a:tr h="373340">
@@ -3814,45 +3572,7 @@
                       <a:endParaRPr lang="ko-KR" altLang="en-US" dirty="0"/>
                     </a:p>
                   </a:txBody>
-                  <a:tcPr>
-                    <a:lnL w="12700" cap="flat" cmpd="sng" algn="ctr">
-                      <a:solidFill>
-                        <a:srgbClr val="00B050"/>
-                      </a:solidFill>
-                      <a:prstDash val="solid"/>
-                      <a:round/>
-                      <a:headEnd type="none" w="med" len="med"/>
-                      <a:tailEnd type="none" w="med" len="med"/>
-                    </a:lnL>
-                    <a:lnR w="12700" cap="flat" cmpd="sng" algn="ctr">
-                      <a:solidFill>
-                        <a:srgbClr val="00B050"/>
-                      </a:solidFill>
-                      <a:prstDash val="solid"/>
-                      <a:round/>
-                      <a:headEnd type="none" w="med" len="med"/>
-                      <a:tailEnd type="none" w="med" len="med"/>
-                    </a:lnR>
-                    <a:lnT w="12700" cap="flat" cmpd="sng" algn="ctr">
-                      <a:noFill/>
-                      <a:prstDash val="solid"/>
-                      <a:round/>
-                      <a:headEnd type="none" w="med" len="med"/>
-                      <a:tailEnd type="none" w="med" len="med"/>
-                    </a:lnT>
-                    <a:lnB w="12700" cap="flat" cmpd="sng" algn="ctr">
-                      <a:solidFill>
-                        <a:srgbClr val="00B050"/>
-                      </a:solidFill>
-                      <a:prstDash val="solid"/>
-                      <a:round/>
-                      <a:headEnd type="none" w="med" len="med"/>
-                      <a:tailEnd type="none" w="med" len="med"/>
-                    </a:lnB>
-                    <a:solidFill>
-                      <a:srgbClr val="FFFFCC"/>
-                    </a:solidFill>
-                  </a:tcPr>
+                  <a:tcPr/>
                 </a:tc>
               </a:tr>
             </a:tbl>
@@ -3925,153 +3645,6 @@
       </p:pic>
       <p:sp>
         <p:nvSpPr>
-          <p:cNvPr id="43" name="직사각형 42"/>
-          <p:cNvSpPr/>
-          <p:nvPr/>
-        </p:nvSpPr>
-        <p:spPr>
-          <a:xfrm flipV="1">
-            <a:off x="1190258" y="2484007"/>
-            <a:ext cx="1196678" cy="45719"/>
-          </a:xfrm>
-          <a:prstGeom prst="rect">
-            <a:avLst/>
-          </a:prstGeom>
-          <a:solidFill>
-            <a:schemeClr val="accent1">
-              <a:lumMod val="60000"/>
-              <a:lumOff val="40000"/>
-            </a:schemeClr>
-          </a:solidFill>
-          <a:ln>
-            <a:noFill/>
-          </a:ln>
-        </p:spPr>
-        <p:style>
-          <a:lnRef idx="2">
-            <a:schemeClr val="accent1">
-              <a:shade val="50000"/>
-            </a:schemeClr>
-          </a:lnRef>
-          <a:fillRef idx="1">
-            <a:schemeClr val="accent1"/>
-          </a:fillRef>
-          <a:effectRef idx="0">
-            <a:schemeClr val="accent1"/>
-          </a:effectRef>
-          <a:fontRef idx="minor">
-            <a:schemeClr val="lt1"/>
-          </a:fontRef>
-        </p:style>
-        <p:txBody>
-          <a:bodyPr rtlCol="0" anchor="ctr"/>
-          <a:lstStyle/>
-          <a:p>
-            <a:pPr algn="ctr"/>
-            <a:endParaRPr lang="ko-KR" altLang="en-US"/>
-          </a:p>
-        </p:txBody>
-      </p:sp>
-      <p:sp>
-        <p:nvSpPr>
-          <p:cNvPr id="44" name="직사각형 43"/>
-          <p:cNvSpPr/>
-          <p:nvPr/>
-        </p:nvSpPr>
-        <p:spPr>
-          <a:xfrm>
-            <a:off x="1182009" y="2856179"/>
-            <a:ext cx="2059973" cy="45719"/>
-          </a:xfrm>
-          <a:prstGeom prst="rect">
-            <a:avLst/>
-          </a:prstGeom>
-          <a:solidFill>
-            <a:schemeClr val="accent2">
-              <a:lumMod val="60000"/>
-              <a:lumOff val="40000"/>
-            </a:schemeClr>
-          </a:solidFill>
-          <a:ln>
-            <a:noFill/>
-          </a:ln>
-        </p:spPr>
-        <p:style>
-          <a:lnRef idx="2">
-            <a:schemeClr val="accent1">
-              <a:shade val="50000"/>
-            </a:schemeClr>
-          </a:lnRef>
-          <a:fillRef idx="1">
-            <a:schemeClr val="accent1"/>
-          </a:fillRef>
-          <a:effectRef idx="0">
-            <a:schemeClr val="accent1"/>
-          </a:effectRef>
-          <a:fontRef idx="minor">
-            <a:schemeClr val="lt1"/>
-          </a:fontRef>
-        </p:style>
-        <p:txBody>
-          <a:bodyPr rtlCol="0" anchor="ctr"/>
-          <a:lstStyle/>
-          <a:p>
-            <a:pPr algn="ctr"/>
-            <a:endParaRPr lang="ko-KR" altLang="en-US"/>
-          </a:p>
-        </p:txBody>
-      </p:sp>
-      <p:sp>
-        <p:nvSpPr>
-          <p:cNvPr id="45" name="직사각형 44"/>
-          <p:cNvSpPr/>
-          <p:nvPr/>
-        </p:nvSpPr>
-        <p:spPr>
-          <a:xfrm flipV="1">
-            <a:off x="1184814" y="2851446"/>
-            <a:ext cx="1846354" cy="45719"/>
-          </a:xfrm>
-          <a:prstGeom prst="rect">
-            <a:avLst/>
-          </a:prstGeom>
-          <a:solidFill>
-            <a:schemeClr val="accent1">
-              <a:lumMod val="60000"/>
-              <a:lumOff val="40000"/>
-            </a:schemeClr>
-          </a:solidFill>
-          <a:ln>
-            <a:noFill/>
-          </a:ln>
-        </p:spPr>
-        <p:style>
-          <a:lnRef idx="2">
-            <a:schemeClr val="accent1">
-              <a:shade val="50000"/>
-            </a:schemeClr>
-          </a:lnRef>
-          <a:fillRef idx="1">
-            <a:schemeClr val="accent1"/>
-          </a:fillRef>
-          <a:effectRef idx="0">
-            <a:schemeClr val="accent1"/>
-          </a:effectRef>
-          <a:fontRef idx="minor">
-            <a:schemeClr val="lt1"/>
-          </a:fontRef>
-        </p:style>
-        <p:txBody>
-          <a:bodyPr rtlCol="0" anchor="ctr"/>
-          <a:lstStyle/>
-          <a:p>
-            <a:pPr algn="ctr"/>
-            <a:endParaRPr lang="ko-KR" altLang="en-US"/>
-          </a:p>
-        </p:txBody>
-      </p:sp>
-      <p:sp>
-        <p:nvSpPr>
           <p:cNvPr id="46" name="모서리가 둥근 직사각형 45"/>
           <p:cNvSpPr/>
           <p:nvPr/>
@@ -4367,7 +3940,7 @@
           <p:nvPr>
             <p:extLst>
               <p:ext uri="{D42A27DB-BD31-4B8C-83A1-F6EECF244321}">
-                <p14:modId xmlns:p14="http://schemas.microsoft.com/office/powerpoint/2010/main" val="683883310"/>
+                <p14:modId xmlns:p14="http://schemas.microsoft.com/office/powerpoint/2010/main" val="2835939387"/>
               </p:ext>
             </p:extLst>
           </p:nvPr>
@@ -4380,10 +3953,7 @@
           <a:graphicData uri="http://schemas.openxmlformats.org/drawingml/2006/table">
             <a:tbl>
               <a:tblPr>
-                <a:solidFill>
-                  <a:srgbClr val="FFFF99"/>
-                </a:solidFill>
-                <a:tableStyleId>{5C22544A-7EE6-4342-B048-85BDC9FD1C3A}</a:tableStyleId>
+                <a:tableStyleId>{F5AB1C69-6EDB-4FF4-983F-18BD219EF322}</a:tableStyleId>
               </a:tblPr>
               <a:tblGrid>
                 <a:gridCol w="2218600"/>
@@ -4396,16 +3966,28 @@
                     <a:p>
                       <a:pPr latinLnBrk="1"/>
                       <a:r>
-                        <a:rPr lang="ko-KR" altLang="en-US" sz="1400" b="1" dirty="0" smtClean="0">
+                        <a:rPr lang="ko-KR" altLang="en-US" sz="1400" b="0" dirty="0" err="1" smtClean="0">
                           <a:ln>
                             <a:noFill/>
                           </a:ln>
                           <a:solidFill>
-                            <a:srgbClr val="00B050"/>
+                            <a:schemeClr val="dk1"/>
                           </a:solidFill>
                           <a:latin typeface="+mn-lt"/>
                         </a:rPr>
-                        <a:t>비슷한 주제의 </a:t>
+                        <a:t>진행중</a:t>
+                      </a:r>
+                      <a:r>
+                        <a:rPr lang="ko-KR" altLang="en-US" sz="1400" b="0" dirty="0" smtClean="0">
+                          <a:ln>
+                            <a:noFill/>
+                          </a:ln>
+                          <a:solidFill>
+                            <a:schemeClr val="dk1"/>
+                          </a:solidFill>
+                          <a:latin typeface="+mn-lt"/>
+                        </a:rPr>
+                        <a:t> 관련 토론</a:t>
                       </a:r>
                       <a:endParaRPr lang="ko-KR" altLang="en-US" sz="1400" b="1" dirty="0">
                         <a:ln>
@@ -4418,47 +4000,7 @@
                       </a:endParaRPr>
                     </a:p>
                   </a:txBody>
-                  <a:tcPr>
-                    <a:lnL w="12700" cap="flat" cmpd="sng" algn="ctr">
-                      <a:solidFill>
-                        <a:srgbClr val="00B050"/>
-                      </a:solidFill>
-                      <a:prstDash val="solid"/>
-                      <a:round/>
-                      <a:headEnd type="none" w="med" len="med"/>
-                      <a:tailEnd type="none" w="med" len="med"/>
-                    </a:lnL>
-                    <a:lnR w="12700" cap="flat" cmpd="sng" algn="ctr">
-                      <a:solidFill>
-                        <a:srgbClr val="00B050"/>
-                      </a:solidFill>
-                      <a:prstDash val="solid"/>
-                      <a:round/>
-                      <a:headEnd type="none" w="med" len="med"/>
-                      <a:tailEnd type="none" w="med" len="med"/>
-                    </a:lnR>
-                    <a:lnT w="12700" cap="flat" cmpd="sng" algn="ctr">
-                      <a:solidFill>
-                        <a:srgbClr val="00B050"/>
-                      </a:solidFill>
-                      <a:prstDash val="solid"/>
-                      <a:round/>
-                      <a:headEnd type="none" w="med" len="med"/>
-                      <a:tailEnd type="none" w="med" len="med"/>
-                    </a:lnT>
-                    <a:lnB w="12700" cap="flat" cmpd="sng" algn="ctr">
-                      <a:solidFill>
-                        <a:schemeClr val="bg1"/>
-                      </a:solidFill>
-                      <a:prstDash val="solid"/>
-                      <a:round/>
-                      <a:headEnd type="none" w="med" len="med"/>
-                      <a:tailEnd type="none" w="med" len="med"/>
-                    </a:lnB>
-                    <a:solidFill>
-                      <a:srgbClr val="FFFFCC"/>
-                    </a:solidFill>
-                  </a:tcPr>
+                  <a:tcPr/>
                 </a:tc>
               </a:tr>
               <a:tr h="360969">
@@ -4469,26 +4011,18 @@
                     <a:p>
                       <a:pPr latinLnBrk="1"/>
                       <a:r>
-                        <a:rPr lang="ko-KR" altLang="en-US" sz="1200" b="0" dirty="0" smtClean="0">
+                        <a:rPr lang="ko-KR" altLang="en-US" sz="1200" dirty="0" smtClean="0">
                           <a:ln>
                             <a:noFill/>
                           </a:ln>
-                          <a:solidFill>
-                            <a:schemeClr val="tx1"/>
-                          </a:solidFill>
-                          <a:latin typeface="+mn-lt"/>
                         </a:rPr>
                         <a:t>원빈은 미남인가</a:t>
                       </a:r>
                       <a:r>
-                        <a:rPr lang="en-US" altLang="ko-KR" sz="1200" b="0" dirty="0" smtClean="0">
+                        <a:rPr lang="en-US" altLang="ko-KR" sz="1200" dirty="0" smtClean="0">
                           <a:ln>
                             <a:noFill/>
                           </a:ln>
-                          <a:solidFill>
-                            <a:schemeClr val="tx1"/>
-                          </a:solidFill>
-                          <a:latin typeface="+mn-lt"/>
                         </a:rPr>
                         <a:t>?</a:t>
                       </a:r>
@@ -4503,47 +4037,7 @@
                       </a:endParaRPr>
                     </a:p>
                   </a:txBody>
-                  <a:tcPr>
-                    <a:lnL w="12700" cap="flat" cmpd="sng" algn="ctr">
-                      <a:solidFill>
-                        <a:srgbClr val="00B050"/>
-                      </a:solidFill>
-                      <a:prstDash val="solid"/>
-                      <a:round/>
-                      <a:headEnd type="none" w="med" len="med"/>
-                      <a:tailEnd type="none" w="med" len="med"/>
-                    </a:lnL>
-                    <a:lnR w="12700" cap="flat" cmpd="sng" algn="ctr">
-                      <a:solidFill>
-                        <a:srgbClr val="00B050"/>
-                      </a:solidFill>
-                      <a:prstDash val="solid"/>
-                      <a:round/>
-                      <a:headEnd type="none" w="med" len="med"/>
-                      <a:tailEnd type="none" w="med" len="med"/>
-                    </a:lnR>
-                    <a:lnT w="12700" cap="flat" cmpd="sng" algn="ctr">
-                      <a:solidFill>
-                        <a:schemeClr val="bg1"/>
-                      </a:solidFill>
-                      <a:prstDash val="solid"/>
-                      <a:round/>
-                      <a:headEnd type="none" w="med" len="med"/>
-                      <a:tailEnd type="none" w="med" len="med"/>
-                    </a:lnT>
-                    <a:lnB w="12700" cap="flat" cmpd="sng" algn="ctr">
-                      <a:solidFill>
-                        <a:schemeClr val="bg1"/>
-                      </a:solidFill>
-                      <a:prstDash val="solid"/>
-                      <a:round/>
-                      <a:headEnd type="none" w="med" len="med"/>
-                      <a:tailEnd type="none" w="med" len="med"/>
-                    </a:lnB>
-                    <a:solidFill>
-                      <a:srgbClr val="FFFFCC"/>
-                    </a:solidFill>
-                  </a:tcPr>
+                  <a:tcPr/>
                 </a:tc>
               </a:tr>
               <a:tr h="360969">
@@ -4564,47 +4058,7 @@
                       <a:endParaRPr lang="ko-KR" altLang="en-US" sz="1200" dirty="0"/>
                     </a:p>
                   </a:txBody>
-                  <a:tcPr>
-                    <a:lnL w="12700" cap="flat" cmpd="sng" algn="ctr">
-                      <a:solidFill>
-                        <a:srgbClr val="00B050"/>
-                      </a:solidFill>
-                      <a:prstDash val="solid"/>
-                      <a:round/>
-                      <a:headEnd type="none" w="med" len="med"/>
-                      <a:tailEnd type="none" w="med" len="med"/>
-                    </a:lnL>
-                    <a:lnR w="12700" cap="flat" cmpd="sng" algn="ctr">
-                      <a:solidFill>
-                        <a:srgbClr val="00B050"/>
-                      </a:solidFill>
-                      <a:prstDash val="solid"/>
-                      <a:round/>
-                      <a:headEnd type="none" w="med" len="med"/>
-                      <a:tailEnd type="none" w="med" len="med"/>
-                    </a:lnR>
-                    <a:lnT w="12700" cap="flat" cmpd="sng" algn="ctr">
-                      <a:solidFill>
-                        <a:schemeClr val="bg1"/>
-                      </a:solidFill>
-                      <a:prstDash val="solid"/>
-                      <a:round/>
-                      <a:headEnd type="none" w="med" len="med"/>
-                      <a:tailEnd type="none" w="med" len="med"/>
-                    </a:lnT>
-                    <a:lnB w="12700" cap="flat" cmpd="sng" algn="ctr">
-                      <a:solidFill>
-                        <a:schemeClr val="bg1"/>
-                      </a:solidFill>
-                      <a:prstDash val="solid"/>
-                      <a:round/>
-                      <a:headEnd type="none" w="med" len="med"/>
-                      <a:tailEnd type="none" w="med" len="med"/>
-                    </a:lnB>
-                    <a:solidFill>
-                      <a:srgbClr val="FFFFCC"/>
-                    </a:solidFill>
-                  </a:tcPr>
+                  <a:tcPr/>
                 </a:tc>
               </a:tr>
               <a:tr h="842022">
@@ -4617,47 +4071,7 @@
                       <a:endParaRPr lang="ko-KR" altLang="en-US" dirty="0"/>
                     </a:p>
                   </a:txBody>
-                  <a:tcPr>
-                    <a:lnL w="12700" cap="flat" cmpd="sng" algn="ctr">
-                      <a:solidFill>
-                        <a:srgbClr val="00B050"/>
-                      </a:solidFill>
-                      <a:prstDash val="solid"/>
-                      <a:round/>
-                      <a:headEnd type="none" w="med" len="med"/>
-                      <a:tailEnd type="none" w="med" len="med"/>
-                    </a:lnL>
-                    <a:lnR w="12700" cap="flat" cmpd="sng" algn="ctr">
-                      <a:solidFill>
-                        <a:srgbClr val="00B050"/>
-                      </a:solidFill>
-                      <a:prstDash val="solid"/>
-                      <a:round/>
-                      <a:headEnd type="none" w="med" len="med"/>
-                      <a:tailEnd type="none" w="med" len="med"/>
-                    </a:lnR>
-                    <a:lnT w="12700" cap="flat" cmpd="sng" algn="ctr">
-                      <a:solidFill>
-                        <a:schemeClr val="bg1"/>
-                      </a:solidFill>
-                      <a:prstDash val="solid"/>
-                      <a:round/>
-                      <a:headEnd type="none" w="med" len="med"/>
-                      <a:tailEnd type="none" w="med" len="med"/>
-                    </a:lnT>
-                    <a:lnB w="12700" cap="flat" cmpd="sng" algn="ctr">
-                      <a:solidFill>
-                        <a:srgbClr val="00B050"/>
-                      </a:solidFill>
-                      <a:prstDash val="solid"/>
-                      <a:round/>
-                      <a:headEnd type="none" w="med" len="med"/>
-                      <a:tailEnd type="none" w="med" len="med"/>
-                    </a:lnB>
-                    <a:solidFill>
-                      <a:srgbClr val="FFFFCC"/>
-                    </a:solidFill>
-                  </a:tcPr>
+                  <a:tcPr/>
                 </a:tc>
               </a:tr>
             </a:tbl>

--- a/document/debate_page_design.pptx
+++ b/document/debate_page_design.pptx
@@ -7,6 +7,7 @@
   <p:sldIdLst>
     <p:sldId id="256" r:id="rId2"/>
     <p:sldId id="257" r:id="rId3"/>
+    <p:sldId id="258" r:id="rId4"/>
   </p:sldIdLst>
   <p:sldSz cx="9144000" cy="6858000" type="screen4x3"/>
   <p:notesSz cx="6858000" cy="9144000"/>
@@ -289,7 +290,7 @@
           <a:p>
             <a:fld id="{C8202C91-B01C-406A-92F0-F94596568B43}" type="datetimeFigureOut">
               <a:rPr lang="ko-KR" altLang="en-US" smtClean="0"/>
-              <a:t>2012-11-02</a:t>
+              <a:t>2012-11-04</a:t>
             </a:fld>
             <a:endParaRPr lang="ko-KR" altLang="en-US"/>
           </a:p>
@@ -459,7 +460,7 @@
           <a:p>
             <a:fld id="{C8202C91-B01C-406A-92F0-F94596568B43}" type="datetimeFigureOut">
               <a:rPr lang="ko-KR" altLang="en-US" smtClean="0"/>
-              <a:t>2012-11-02</a:t>
+              <a:t>2012-11-04</a:t>
             </a:fld>
             <a:endParaRPr lang="ko-KR" altLang="en-US"/>
           </a:p>
@@ -639,7 +640,7 @@
           <a:p>
             <a:fld id="{C8202C91-B01C-406A-92F0-F94596568B43}" type="datetimeFigureOut">
               <a:rPr lang="ko-KR" altLang="en-US" smtClean="0"/>
-              <a:t>2012-11-02</a:t>
+              <a:t>2012-11-04</a:t>
             </a:fld>
             <a:endParaRPr lang="ko-KR" altLang="en-US"/>
           </a:p>
@@ -809,7 +810,7 @@
           <a:p>
             <a:fld id="{C8202C91-B01C-406A-92F0-F94596568B43}" type="datetimeFigureOut">
               <a:rPr lang="ko-KR" altLang="en-US" smtClean="0"/>
-              <a:t>2012-11-02</a:t>
+              <a:t>2012-11-04</a:t>
             </a:fld>
             <a:endParaRPr lang="ko-KR" altLang="en-US"/>
           </a:p>
@@ -1055,7 +1056,7 @@
           <a:p>
             <a:fld id="{C8202C91-B01C-406A-92F0-F94596568B43}" type="datetimeFigureOut">
               <a:rPr lang="ko-KR" altLang="en-US" smtClean="0"/>
-              <a:t>2012-11-02</a:t>
+              <a:t>2012-11-04</a:t>
             </a:fld>
             <a:endParaRPr lang="ko-KR" altLang="en-US"/>
           </a:p>
@@ -1343,7 +1344,7 @@
           <a:p>
             <a:fld id="{C8202C91-B01C-406A-92F0-F94596568B43}" type="datetimeFigureOut">
               <a:rPr lang="ko-KR" altLang="en-US" smtClean="0"/>
-              <a:t>2012-11-02</a:t>
+              <a:t>2012-11-04</a:t>
             </a:fld>
             <a:endParaRPr lang="ko-KR" altLang="en-US"/>
           </a:p>
@@ -1765,7 +1766,7 @@
           <a:p>
             <a:fld id="{C8202C91-B01C-406A-92F0-F94596568B43}" type="datetimeFigureOut">
               <a:rPr lang="ko-KR" altLang="en-US" smtClean="0"/>
-              <a:t>2012-11-02</a:t>
+              <a:t>2012-11-04</a:t>
             </a:fld>
             <a:endParaRPr lang="ko-KR" altLang="en-US"/>
           </a:p>
@@ -1883,7 +1884,7 @@
           <a:p>
             <a:fld id="{C8202C91-B01C-406A-92F0-F94596568B43}" type="datetimeFigureOut">
               <a:rPr lang="ko-KR" altLang="en-US" smtClean="0"/>
-              <a:t>2012-11-02</a:t>
+              <a:t>2012-11-04</a:t>
             </a:fld>
             <a:endParaRPr lang="ko-KR" altLang="en-US"/>
           </a:p>
@@ -1978,7 +1979,7 @@
           <a:p>
             <a:fld id="{C8202C91-B01C-406A-92F0-F94596568B43}" type="datetimeFigureOut">
               <a:rPr lang="ko-KR" altLang="en-US" smtClean="0"/>
-              <a:t>2012-11-02</a:t>
+              <a:t>2012-11-04</a:t>
             </a:fld>
             <a:endParaRPr lang="ko-KR" altLang="en-US"/>
           </a:p>
@@ -2255,7 +2256,7 @@
           <a:p>
             <a:fld id="{C8202C91-B01C-406A-92F0-F94596568B43}" type="datetimeFigureOut">
               <a:rPr lang="ko-KR" altLang="en-US" smtClean="0"/>
-              <a:t>2012-11-02</a:t>
+              <a:t>2012-11-04</a:t>
             </a:fld>
             <a:endParaRPr lang="ko-KR" altLang="en-US"/>
           </a:p>
@@ -2508,7 +2509,7 @@
           <a:p>
             <a:fld id="{C8202C91-B01C-406A-92F0-F94596568B43}" type="datetimeFigureOut">
               <a:rPr lang="ko-KR" altLang="en-US" smtClean="0"/>
-              <a:t>2012-11-02</a:t>
+              <a:t>2012-11-04</a:t>
             </a:fld>
             <a:endParaRPr lang="ko-KR" altLang="en-US"/>
           </a:p>
@@ -2721,7 +2722,7 @@
           <a:p>
             <a:fld id="{C8202C91-B01C-406A-92F0-F94596568B43}" type="datetimeFigureOut">
               <a:rPr lang="ko-KR" altLang="en-US" smtClean="0"/>
-              <a:t>2012-11-02</a:t>
+              <a:t>2012-11-04</a:t>
             </a:fld>
             <a:endParaRPr lang="ko-KR" altLang="en-US"/>
           </a:p>
@@ -5316,6 +5317,511 @@
 </p:sld>
 </file>
 
+<file path=ppt/slides/slide3.xml><?xml version="1.0" encoding="utf-8"?>
+<p:sld xmlns:a="http://schemas.openxmlformats.org/drawingml/2006/main" xmlns:r="http://schemas.openxmlformats.org/officeDocument/2006/relationships" xmlns:p="http://schemas.openxmlformats.org/presentationml/2006/main">
+  <p:cSld>
+    <p:spTree>
+      <p:nvGrpSpPr>
+        <p:cNvPr id="1" name=""/>
+        <p:cNvGrpSpPr/>
+        <p:nvPr/>
+      </p:nvGrpSpPr>
+      <p:grpSpPr>
+        <a:xfrm>
+          <a:off x="0" y="0"/>
+          <a:ext cx="0" cy="0"/>
+          <a:chOff x="0" y="0"/>
+          <a:chExt cx="0" cy="0"/>
+        </a:xfrm>
+      </p:grpSpPr>
+      <p:pic>
+        <p:nvPicPr>
+          <p:cNvPr id="4" name="Picture 5"/>
+          <p:cNvPicPr>
+            <a:picLocks noChangeAspect="1" noChangeArrowheads="1"/>
+          </p:cNvPicPr>
+          <p:nvPr/>
+        </p:nvPicPr>
+        <p:blipFill>
+          <a:blip r:embed="rId2">
+            <a:extLst>
+              <a:ext uri="{28A0092B-C50C-407E-A947-70E740481C1C}">
+                <a14:useLocalDpi xmlns:a14="http://schemas.microsoft.com/office/drawing/2010/main" val="0"/>
+              </a:ext>
+            </a:extLst>
+          </a:blip>
+          <a:srcRect/>
+          <a:stretch>
+            <a:fillRect/>
+          </a:stretch>
+        </p:blipFill>
+        <p:spPr bwMode="auto">
+          <a:xfrm>
+            <a:off x="827583" y="116632"/>
+            <a:ext cx="7137751" cy="362586"/>
+          </a:xfrm>
+          <a:prstGeom prst="rect">
+            <a:avLst/>
+          </a:prstGeom>
+          <a:noFill/>
+          <a:ln>
+            <a:noFill/>
+          </a:ln>
+          <a:effectLst/>
+          <a:extLst>
+            <a:ext uri="{909E8E84-426E-40DD-AFC4-6F175D3DCCD1}">
+              <a14:hiddenFill xmlns:a14="http://schemas.microsoft.com/office/drawing/2010/main">
+                <a:solidFill>
+                  <a:schemeClr val="accent1"/>
+                </a:solidFill>
+              </a14:hiddenFill>
+            </a:ext>
+            <a:ext uri="{91240B29-F687-4F45-9708-019B960494DF}">
+              <a14:hiddenLine xmlns:a14="http://schemas.microsoft.com/office/drawing/2010/main" w="9525">
+                <a:solidFill>
+                  <a:schemeClr val="tx1"/>
+                </a:solidFill>
+                <a:miter lim="800000"/>
+                <a:headEnd/>
+                <a:tailEnd/>
+              </a14:hiddenLine>
+            </a:ext>
+            <a:ext uri="{AF507438-7753-43E0-B8FC-AC1667EBCBE1}">
+              <a14:hiddenEffects xmlns:a14="http://schemas.microsoft.com/office/drawing/2010/main">
+                <a:effectLst>
+                  <a:outerShdw dist="35921" dir="2700000" algn="ctr" rotWithShape="0">
+                    <a:schemeClr val="bg2"/>
+                  </a:outerShdw>
+                </a:effectLst>
+              </a14:hiddenEffects>
+            </a:ext>
+          </a:extLst>
+        </p:spPr>
+      </p:pic>
+      <p:pic>
+        <p:nvPicPr>
+          <p:cNvPr id="1026" name="Picture 2"/>
+          <p:cNvPicPr>
+            <a:picLocks noChangeAspect="1" noChangeArrowheads="1"/>
+          </p:cNvPicPr>
+          <p:nvPr/>
+        </p:nvPicPr>
+        <p:blipFill>
+          <a:blip r:embed="rId3">
+            <a:extLst>
+              <a:ext uri="{28A0092B-C50C-407E-A947-70E740481C1C}">
+                <a14:useLocalDpi xmlns:a14="http://schemas.microsoft.com/office/drawing/2010/main" val="0"/>
+              </a:ext>
+            </a:extLst>
+          </a:blip>
+          <a:srcRect/>
+          <a:stretch>
+            <a:fillRect/>
+          </a:stretch>
+        </p:blipFill>
+        <p:spPr bwMode="auto">
+          <a:xfrm>
+            <a:off x="827583" y="3572223"/>
+            <a:ext cx="7159743" cy="2433418"/>
+          </a:xfrm>
+          <a:prstGeom prst="rect">
+            <a:avLst/>
+          </a:prstGeom>
+          <a:noFill/>
+          <a:ln>
+            <a:noFill/>
+          </a:ln>
+          <a:effectLst/>
+          <a:extLst>
+            <a:ext uri="{909E8E84-426E-40DD-AFC4-6F175D3DCCD1}">
+              <a14:hiddenFill xmlns:a14="http://schemas.microsoft.com/office/drawing/2010/main">
+                <a:solidFill>
+                  <a:schemeClr val="accent1"/>
+                </a:solidFill>
+              </a14:hiddenFill>
+            </a:ext>
+            <a:ext uri="{91240B29-F687-4F45-9708-019B960494DF}">
+              <a14:hiddenLine xmlns:a14="http://schemas.microsoft.com/office/drawing/2010/main" w="9525">
+                <a:solidFill>
+                  <a:schemeClr val="tx1"/>
+                </a:solidFill>
+                <a:miter lim="800000"/>
+                <a:headEnd/>
+                <a:tailEnd/>
+              </a14:hiddenLine>
+            </a:ext>
+            <a:ext uri="{AF507438-7753-43E0-B8FC-AC1667EBCBE1}">
+              <a14:hiddenEffects xmlns:a14="http://schemas.microsoft.com/office/drawing/2010/main">
+                <a:effectLst>
+                  <a:outerShdw dist="35921" dir="2700000" algn="ctr" rotWithShape="0">
+                    <a:schemeClr val="bg2"/>
+                  </a:outerShdw>
+                </a:effectLst>
+              </a14:hiddenEffects>
+            </a:ext>
+          </a:extLst>
+        </p:spPr>
+      </p:pic>
+      <p:pic>
+        <p:nvPicPr>
+          <p:cNvPr id="1027" name="Picture 3"/>
+          <p:cNvPicPr>
+            <a:picLocks noChangeAspect="1" noChangeArrowheads="1"/>
+          </p:cNvPicPr>
+          <p:nvPr/>
+        </p:nvPicPr>
+        <p:blipFill>
+          <a:blip r:embed="rId4">
+            <a:extLst>
+              <a:ext uri="{28A0092B-C50C-407E-A947-70E740481C1C}">
+                <a14:useLocalDpi xmlns:a14="http://schemas.microsoft.com/office/drawing/2010/main" val="0"/>
+              </a:ext>
+            </a:extLst>
+          </a:blip>
+          <a:srcRect/>
+          <a:stretch>
+            <a:fillRect/>
+          </a:stretch>
+        </p:blipFill>
+        <p:spPr bwMode="auto">
+          <a:xfrm>
+            <a:off x="2555776" y="3284984"/>
+            <a:ext cx="5409559" cy="295275"/>
+          </a:xfrm>
+          <a:prstGeom prst="rect">
+            <a:avLst/>
+          </a:prstGeom>
+          <a:noFill/>
+          <a:ln>
+            <a:noFill/>
+          </a:ln>
+          <a:effectLst/>
+          <a:extLst>
+            <a:ext uri="{909E8E84-426E-40DD-AFC4-6F175D3DCCD1}">
+              <a14:hiddenFill xmlns:a14="http://schemas.microsoft.com/office/drawing/2010/main">
+                <a:solidFill>
+                  <a:schemeClr val="accent1"/>
+                </a:solidFill>
+              </a14:hiddenFill>
+            </a:ext>
+            <a:ext uri="{91240B29-F687-4F45-9708-019B960494DF}">
+              <a14:hiddenLine xmlns:a14="http://schemas.microsoft.com/office/drawing/2010/main" w="9525">
+                <a:solidFill>
+                  <a:schemeClr val="tx1"/>
+                </a:solidFill>
+                <a:miter lim="800000"/>
+                <a:headEnd/>
+                <a:tailEnd/>
+              </a14:hiddenLine>
+            </a:ext>
+            <a:ext uri="{AF507438-7753-43E0-B8FC-AC1667EBCBE1}">
+              <a14:hiddenEffects xmlns:a14="http://schemas.microsoft.com/office/drawing/2010/main">
+                <a:effectLst>
+                  <a:outerShdw dist="35921" dir="2700000" algn="ctr" rotWithShape="0">
+                    <a:schemeClr val="bg2"/>
+                  </a:outerShdw>
+                </a:effectLst>
+              </a14:hiddenEffects>
+            </a:ext>
+          </a:extLst>
+        </p:spPr>
+      </p:pic>
+      <p:sp>
+        <p:nvSpPr>
+          <p:cNvPr id="8" name="사다리꼴 7"/>
+          <p:cNvSpPr/>
+          <p:nvPr/>
+        </p:nvSpPr>
+        <p:spPr>
+          <a:xfrm>
+            <a:off x="1414534" y="3284984"/>
+            <a:ext cx="647571" cy="287239"/>
+          </a:xfrm>
+          <a:prstGeom prst="trapezoid">
+            <a:avLst/>
+          </a:prstGeom>
+        </p:spPr>
+        <p:style>
+          <a:lnRef idx="2">
+            <a:schemeClr val="accent1">
+              <a:shade val="50000"/>
+            </a:schemeClr>
+          </a:lnRef>
+          <a:fillRef idx="1">
+            <a:schemeClr val="accent1"/>
+          </a:fillRef>
+          <a:effectRef idx="0">
+            <a:schemeClr val="accent1"/>
+          </a:effectRef>
+          <a:fontRef idx="minor">
+            <a:schemeClr val="lt1"/>
+          </a:fontRef>
+        </p:style>
+        <p:txBody>
+          <a:bodyPr rtlCol="0" anchor="ctr"/>
+          <a:lstStyle/>
+          <a:p>
+            <a:pPr algn="ctr"/>
+            <a:r>
+              <a:rPr lang="en-US" altLang="ko-KR" sz="1000" b="1" dirty="0" smtClean="0"/>
+              <a:t>Lately</a:t>
+            </a:r>
+            <a:endParaRPr lang="ko-KR" altLang="en-US" sz="1100" b="1" dirty="0"/>
+          </a:p>
+        </p:txBody>
+      </p:sp>
+      <p:sp>
+        <p:nvSpPr>
+          <p:cNvPr id="5" name="사다리꼴 4"/>
+          <p:cNvSpPr/>
+          <p:nvPr/>
+        </p:nvSpPr>
+        <p:spPr>
+          <a:xfrm>
+            <a:off x="838470" y="3284984"/>
+            <a:ext cx="647571" cy="287239"/>
+          </a:xfrm>
+          <a:prstGeom prst="trapezoid">
+            <a:avLst/>
+          </a:prstGeom>
+        </p:spPr>
+        <p:style>
+          <a:lnRef idx="2">
+            <a:schemeClr val="accent1">
+              <a:shade val="50000"/>
+            </a:schemeClr>
+          </a:lnRef>
+          <a:fillRef idx="1">
+            <a:schemeClr val="accent1"/>
+          </a:fillRef>
+          <a:effectRef idx="0">
+            <a:schemeClr val="accent1"/>
+          </a:effectRef>
+          <a:fontRef idx="minor">
+            <a:schemeClr val="lt1"/>
+          </a:fontRef>
+        </p:style>
+        <p:txBody>
+          <a:bodyPr rtlCol="0" anchor="ctr"/>
+          <a:lstStyle/>
+          <a:p>
+            <a:pPr algn="ctr"/>
+            <a:r>
+              <a:rPr lang="en-US" altLang="ko-KR" sz="1100" b="1" dirty="0" smtClean="0"/>
+              <a:t>HOT</a:t>
+            </a:r>
+            <a:endParaRPr lang="ko-KR" altLang="en-US" sz="1100" b="1" dirty="0"/>
+          </a:p>
+        </p:txBody>
+      </p:sp>
+      <p:pic>
+        <p:nvPicPr>
+          <p:cNvPr id="1030" name="Picture 6"/>
+          <p:cNvPicPr>
+            <a:picLocks noChangeAspect="1" noChangeArrowheads="1"/>
+          </p:cNvPicPr>
+          <p:nvPr/>
+        </p:nvPicPr>
+        <p:blipFill>
+          <a:blip r:embed="rId5">
+            <a:extLst>
+              <a:ext uri="{28A0092B-C50C-407E-A947-70E740481C1C}">
+                <a14:useLocalDpi xmlns:a14="http://schemas.microsoft.com/office/drawing/2010/main" val="0"/>
+              </a:ext>
+            </a:extLst>
+          </a:blip>
+          <a:srcRect/>
+          <a:stretch>
+            <a:fillRect/>
+          </a:stretch>
+        </p:blipFill>
+        <p:spPr bwMode="auto">
+          <a:xfrm>
+            <a:off x="811495" y="495175"/>
+            <a:ext cx="7153839" cy="2806707"/>
+          </a:xfrm>
+          <a:prstGeom prst="rect">
+            <a:avLst/>
+          </a:prstGeom>
+          <a:noFill/>
+          <a:ln>
+            <a:noFill/>
+          </a:ln>
+          <a:effectLst/>
+          <a:extLst>
+            <a:ext uri="{909E8E84-426E-40DD-AFC4-6F175D3DCCD1}">
+              <a14:hiddenFill xmlns:a14="http://schemas.microsoft.com/office/drawing/2010/main">
+                <a:solidFill>
+                  <a:schemeClr val="accent1"/>
+                </a:solidFill>
+              </a14:hiddenFill>
+            </a:ext>
+            <a:ext uri="{91240B29-F687-4F45-9708-019B960494DF}">
+              <a14:hiddenLine xmlns:a14="http://schemas.microsoft.com/office/drawing/2010/main" w="9525">
+                <a:solidFill>
+                  <a:schemeClr val="tx1"/>
+                </a:solidFill>
+                <a:miter lim="800000"/>
+                <a:headEnd/>
+                <a:tailEnd/>
+              </a14:hiddenLine>
+            </a:ext>
+            <a:ext uri="{AF507438-7753-43E0-B8FC-AC1667EBCBE1}">
+              <a14:hiddenEffects xmlns:a14="http://schemas.microsoft.com/office/drawing/2010/main">
+                <a:effectLst>
+                  <a:outerShdw dist="35921" dir="2700000" algn="ctr" rotWithShape="0">
+                    <a:schemeClr val="bg2"/>
+                  </a:outerShdw>
+                </a:effectLst>
+              </a14:hiddenEffects>
+            </a:ext>
+          </a:extLst>
+        </p:spPr>
+      </p:pic>
+      <p:pic>
+        <p:nvPicPr>
+          <p:cNvPr id="1031" name="Picture 7"/>
+          <p:cNvPicPr>
+            <a:picLocks noChangeAspect="1" noChangeArrowheads="1"/>
+          </p:cNvPicPr>
+          <p:nvPr/>
+        </p:nvPicPr>
+        <p:blipFill>
+          <a:blip r:embed="rId6">
+            <a:extLst>
+              <a:ext uri="{28A0092B-C50C-407E-A947-70E740481C1C}">
+                <a14:useLocalDpi xmlns:a14="http://schemas.microsoft.com/office/drawing/2010/main" val="0"/>
+              </a:ext>
+            </a:extLst>
+          </a:blip>
+          <a:srcRect/>
+          <a:stretch>
+            <a:fillRect/>
+          </a:stretch>
+        </p:blipFill>
+        <p:spPr bwMode="auto">
+          <a:xfrm>
+            <a:off x="5148064" y="2600325"/>
+            <a:ext cx="2695575" cy="552450"/>
+          </a:xfrm>
+          <a:prstGeom prst="rect">
+            <a:avLst/>
+          </a:prstGeom>
+          <a:noFill/>
+          <a:ln>
+            <a:noFill/>
+          </a:ln>
+          <a:effectLst/>
+          <a:extLst>
+            <a:ext uri="{909E8E84-426E-40DD-AFC4-6F175D3DCCD1}">
+              <a14:hiddenFill xmlns:a14="http://schemas.microsoft.com/office/drawing/2010/main">
+                <a:solidFill>
+                  <a:schemeClr val="accent1"/>
+                </a:solidFill>
+              </a14:hiddenFill>
+            </a:ext>
+            <a:ext uri="{91240B29-F687-4F45-9708-019B960494DF}">
+              <a14:hiddenLine xmlns:a14="http://schemas.microsoft.com/office/drawing/2010/main" w="9525">
+                <a:solidFill>
+                  <a:schemeClr val="tx1"/>
+                </a:solidFill>
+                <a:miter lim="800000"/>
+                <a:headEnd/>
+                <a:tailEnd/>
+              </a14:hiddenLine>
+            </a:ext>
+            <a:ext uri="{AF507438-7753-43E0-B8FC-AC1667EBCBE1}">
+              <a14:hiddenEffects xmlns:a14="http://schemas.microsoft.com/office/drawing/2010/main">
+                <a:effectLst>
+                  <a:outerShdw dist="35921" dir="2700000" algn="ctr" rotWithShape="0">
+                    <a:schemeClr val="bg2"/>
+                  </a:outerShdw>
+                </a:effectLst>
+              </a14:hiddenEffects>
+            </a:ext>
+          </a:extLst>
+        </p:spPr>
+      </p:pic>
+      <p:sp>
+        <p:nvSpPr>
+          <p:cNvPr id="7" name="직사각형 6"/>
+          <p:cNvSpPr/>
+          <p:nvPr/>
+        </p:nvSpPr>
+        <p:spPr>
+          <a:xfrm>
+            <a:off x="827584" y="1004535"/>
+            <a:ext cx="4087722" cy="1200329"/>
+          </a:xfrm>
+          <a:prstGeom prst="rect">
+            <a:avLst/>
+          </a:prstGeom>
+          <a:noFill/>
+        </p:spPr>
+        <p:txBody>
+          <a:bodyPr wrap="none" lIns="91440" tIns="45720" rIns="91440" bIns="45720">
+            <a:spAutoFit/>
+          </a:bodyPr>
+          <a:lstStyle/>
+          <a:p>
+            <a:pPr algn="ctr"/>
+            <a:r>
+              <a:rPr lang="en-US" altLang="ko-KR" sz="7200" b="0" cap="none" spc="0" dirty="0" err="1" smtClean="0">
+                <a:ln w="18415" cmpd="sng">
+                  <a:solidFill>
+                    <a:srgbClr val="FFFFFF"/>
+                  </a:solidFill>
+                  <a:prstDash val="solid"/>
+                </a:ln>
+                <a:solidFill>
+                  <a:srgbClr val="FFFFFF"/>
+                </a:solidFill>
+                <a:effectLst>
+                  <a:outerShdw blurRad="63500" dir="3600000" algn="tl" rotWithShape="0">
+                    <a:srgbClr val="000000">
+                      <a:alpha val="70000"/>
+                    </a:srgbClr>
+                  </a:outerShdw>
+                  <a:reflection blurRad="6350" stA="55000" endA="50" endPos="85000" dir="5400000" sy="-100000" algn="bl" rotWithShape="0"/>
+                </a:effectLst>
+              </a:rPr>
+              <a:t>Akropolis</a:t>
+            </a:r>
+            <a:endParaRPr lang="en-US" altLang="ko-KR" sz="7200" b="0" cap="none" spc="0" dirty="0">
+              <a:ln w="18415" cmpd="sng">
+                <a:solidFill>
+                  <a:srgbClr val="FFFFFF"/>
+                </a:solidFill>
+                <a:prstDash val="solid"/>
+              </a:ln>
+              <a:solidFill>
+                <a:srgbClr val="FFFFFF"/>
+              </a:solidFill>
+              <a:effectLst>
+                <a:outerShdw blurRad="63500" dir="3600000" algn="tl" rotWithShape="0">
+                  <a:srgbClr val="000000">
+                    <a:alpha val="70000"/>
+                  </a:srgbClr>
+                </a:outerShdw>
+                <a:reflection blurRad="6350" stA="55000" endA="50" endPos="85000" dir="5400000" sy="-100000" algn="bl" rotWithShape="0"/>
+              </a:effectLst>
+            </a:endParaRPr>
+          </a:p>
+        </p:txBody>
+      </p:sp>
+    </p:spTree>
+    <p:extLst>
+      <p:ext uri="{BB962C8B-B14F-4D97-AF65-F5344CB8AC3E}">
+        <p14:creationId xmlns:p14="http://schemas.microsoft.com/office/powerpoint/2010/main" val="3149426151"/>
+      </p:ext>
+    </p:extLst>
+  </p:cSld>
+  <p:clrMapOvr>
+    <a:masterClrMapping/>
+  </p:clrMapOvr>
+</p:sld>
+</file>
+
 <file path=ppt/theme/theme1.xml><?xml version="1.0" encoding="utf-8"?>
 <a:theme xmlns:a="http://schemas.openxmlformats.org/drawingml/2006/main" name="Office 테마">
   <a:themeElements>
